--- a/exam2pptvideo/en/templates/exam_english_classic.pptx
+++ b/exam2pptvideo/en/templates/exam_english_classic.pptx
@@ -4,6 +4,9 @@
   <p:sldMasterIdLst>
     <p:sldMasterId id="2147483648" r:id="rId1"/>
   </p:sldMasterIdLst>
+  <p:notesMasterIdLst>
+    <p:notesMasterId r:id="rId2"/>
+  </p:notesMasterIdLst>
   <p:sldSz cx="12192000" cy="6858000"/>
   <p:notesSz cx="6858000" cy="9144000"/>
   <p:defaultTextStyle>
@@ -109,6 +112,356 @@
 </p:presentation>
 </file>
 
+<file path=ppt/notesMasters/notesMaster1.xml><?xml version="1.0" encoding="utf-8"?>
+<p:notesMaster xmlns:a="http://schemas.openxmlformats.org/drawingml/2006/main" xmlns:r="http://schemas.openxmlformats.org/officeDocument/2006/relationships" xmlns:p="http://schemas.openxmlformats.org/presentationml/2006/main">
+  <p:cSld>
+    <p:bg>
+      <p:bgRef idx="1001">
+        <a:schemeClr val="bg1"/>
+      </p:bgRef>
+    </p:bg>
+    <p:spTree>
+      <p:nvGrpSpPr>
+        <p:cNvPr id="1" name=""/>
+        <p:cNvGrpSpPr/>
+        <p:nvPr/>
+      </p:nvGrpSpPr>
+      <p:grpSpPr>
+        <a:xfrm>
+          <a:off x="0" y="0"/>
+          <a:ext cx="0" cy="0"/>
+          <a:chOff x="0" y="0"/>
+          <a:chExt cx="0" cy="0"/>
+        </a:xfrm>
+      </p:grpSpPr>
+      <p:sp>
+        <p:nvSpPr>
+          <p:cNvPr id="2" name="页眉占位符 1"/>
+          <p:cNvSpPr>
+            <a:spLocks noGrp="1"/>
+          </p:cNvSpPr>
+          <p:nvPr>
+            <p:ph type="hdr" sz="quarter"/>
+          </p:nvPr>
+        </p:nvSpPr>
+        <p:spPr>
+          <a:xfrm>
+            <a:off x="0" y="0"/>
+            <a:ext cx="2971800" cy="458788"/>
+          </a:xfrm>
+          <a:prstGeom prst="rect">
+            <a:avLst/>
+          </a:prstGeom>
+        </p:spPr>
+        <p:txBody>
+          <a:bodyPr vert="horz" lIns="91440" tIns="45720" rIns="91440" bIns="45720" rtlCol="0"/>
+          <a:lstStyle>
+            <a:lvl1pPr algn="l">
+              <a:defRPr sz="1200"/>
+            </a:lvl1pPr>
+          </a:lstStyle>
+          <a:p>
+            <a:endParaRPr kumimoji="1" lang="zh-CN" altLang="en-US"/>
+          </a:p>
+        </p:txBody>
+      </p:sp>
+      <p:sp>
+        <p:nvSpPr>
+          <p:cNvPr id="3" name="日期占位符 2"/>
+          <p:cNvSpPr>
+            <a:spLocks noGrp="1"/>
+          </p:cNvSpPr>
+          <p:nvPr>
+            <p:ph type="dt" idx="1"/>
+          </p:nvPr>
+        </p:nvSpPr>
+        <p:spPr>
+          <a:xfrm>
+            <a:off x="3884613" y="0"/>
+            <a:ext cx="2971800" cy="458788"/>
+          </a:xfrm>
+          <a:prstGeom prst="rect">
+            <a:avLst/>
+          </a:prstGeom>
+        </p:spPr>
+        <p:txBody>
+          <a:bodyPr vert="horz" lIns="91440" tIns="45720" rIns="91440" bIns="45720" rtlCol="0"/>
+          <a:lstStyle>
+            <a:lvl1pPr algn="r">
+              <a:defRPr sz="1200"/>
+            </a:lvl1pPr>
+          </a:lstStyle>
+          <a:p>
+            <a:fld id="{607E70D1-CD79-114F-AEE0-C37A9C943139}" type="datetimeFigureOut">
+              <a:rPr kumimoji="1" lang="zh-CN" altLang="en-US" smtClean="0"/>
+              <a:t>2021/6/2</a:t>
+            </a:fld>
+            <a:endParaRPr kumimoji="1" lang="zh-CN" altLang="en-US"/>
+          </a:p>
+        </p:txBody>
+      </p:sp>
+      <p:sp>
+        <p:nvSpPr>
+          <p:cNvPr id="4" name="幻灯片图像占位符 3"/>
+          <p:cNvSpPr>
+            <a:spLocks noGrp="1" noRot="1" noChangeAspect="1"/>
+          </p:cNvSpPr>
+          <p:nvPr>
+            <p:ph type="sldImg" idx="2"/>
+          </p:nvPr>
+        </p:nvSpPr>
+        <p:spPr>
+          <a:xfrm>
+            <a:off x="685800" y="1143000"/>
+            <a:ext cx="5486400" cy="3086100"/>
+          </a:xfrm>
+          <a:prstGeom prst="rect">
+            <a:avLst/>
+          </a:prstGeom>
+          <a:noFill/>
+          <a:ln w="12700">
+            <a:solidFill>
+              <a:prstClr val="black"/>
+            </a:solidFill>
+          </a:ln>
+        </p:spPr>
+        <p:txBody>
+          <a:bodyPr vert="horz" lIns="91440" tIns="45720" rIns="91440" bIns="45720" rtlCol="0" anchor="ctr"/>
+          <a:lstStyle/>
+          <a:p>
+            <a:endParaRPr lang="zh-CN" altLang="en-US"/>
+          </a:p>
+        </p:txBody>
+      </p:sp>
+      <p:sp>
+        <p:nvSpPr>
+          <p:cNvPr id="5" name="备注占位符 4"/>
+          <p:cNvSpPr>
+            <a:spLocks noGrp="1"/>
+          </p:cNvSpPr>
+          <p:nvPr>
+            <p:ph type="body" sz="quarter" idx="3"/>
+          </p:nvPr>
+        </p:nvSpPr>
+        <p:spPr>
+          <a:xfrm>
+            <a:off x="685800" y="4400550"/>
+            <a:ext cx="5486400" cy="3600450"/>
+          </a:xfrm>
+          <a:prstGeom prst="rect">
+            <a:avLst/>
+          </a:prstGeom>
+        </p:spPr>
+        <p:txBody>
+          <a:bodyPr vert="horz" lIns="91440" tIns="45720" rIns="91440" bIns="45720" rtlCol="0"/>
+          <a:lstStyle/>
+          <a:p>
+            <a:pPr lvl="0"/>
+            <a:r>
+              <a:rPr kumimoji="1" lang="zh-CN" altLang="en-US" smtClean="0"/>
+              <a:t>单击此处编辑母版文本样式</a:t>
+            </a:r>
+          </a:p>
+          <a:p>
+            <a:pPr lvl="1"/>
+            <a:r>
+              <a:rPr kumimoji="1" lang="zh-CN" altLang="en-US" smtClean="0"/>
+              <a:t>二级</a:t>
+            </a:r>
+          </a:p>
+          <a:p>
+            <a:pPr lvl="2"/>
+            <a:r>
+              <a:rPr kumimoji="1" lang="zh-CN" altLang="en-US" smtClean="0"/>
+              <a:t>三级</a:t>
+            </a:r>
+          </a:p>
+          <a:p>
+            <a:pPr lvl="3"/>
+            <a:r>
+              <a:rPr kumimoji="1" lang="zh-CN" altLang="en-US" smtClean="0"/>
+              <a:t>四级</a:t>
+            </a:r>
+          </a:p>
+          <a:p>
+            <a:pPr lvl="4"/>
+            <a:r>
+              <a:rPr kumimoji="1" lang="zh-CN" altLang="en-US" smtClean="0"/>
+              <a:t>五级</a:t>
+            </a:r>
+            <a:endParaRPr kumimoji="1" lang="zh-CN" altLang="en-US"/>
+          </a:p>
+        </p:txBody>
+      </p:sp>
+      <p:sp>
+        <p:nvSpPr>
+          <p:cNvPr id="6" name="页脚占位符 5"/>
+          <p:cNvSpPr>
+            <a:spLocks noGrp="1"/>
+          </p:cNvSpPr>
+          <p:nvPr>
+            <p:ph type="ftr" sz="quarter" idx="4"/>
+          </p:nvPr>
+        </p:nvSpPr>
+        <p:spPr>
+          <a:xfrm>
+            <a:off x="0" y="8685213"/>
+            <a:ext cx="2971800" cy="458787"/>
+          </a:xfrm>
+          <a:prstGeom prst="rect">
+            <a:avLst/>
+          </a:prstGeom>
+        </p:spPr>
+        <p:txBody>
+          <a:bodyPr vert="horz" lIns="91440" tIns="45720" rIns="91440" bIns="45720" rtlCol="0" anchor="b"/>
+          <a:lstStyle>
+            <a:lvl1pPr algn="l">
+              <a:defRPr sz="1200"/>
+            </a:lvl1pPr>
+          </a:lstStyle>
+          <a:p>
+            <a:endParaRPr kumimoji="1" lang="zh-CN" altLang="en-US"/>
+          </a:p>
+        </p:txBody>
+      </p:sp>
+      <p:sp>
+        <p:nvSpPr>
+          <p:cNvPr id="7" name="幻灯片编号占位符 6"/>
+          <p:cNvSpPr>
+            <a:spLocks noGrp="1"/>
+          </p:cNvSpPr>
+          <p:nvPr>
+            <p:ph type="sldNum" sz="quarter" idx="5"/>
+          </p:nvPr>
+        </p:nvSpPr>
+        <p:spPr>
+          <a:xfrm>
+            <a:off x="3884613" y="8685213"/>
+            <a:ext cx="2971800" cy="458787"/>
+          </a:xfrm>
+          <a:prstGeom prst="rect">
+            <a:avLst/>
+          </a:prstGeom>
+        </p:spPr>
+        <p:txBody>
+          <a:bodyPr vert="horz" lIns="91440" tIns="45720" rIns="91440" bIns="45720" rtlCol="0" anchor="b"/>
+          <a:lstStyle>
+            <a:lvl1pPr algn="r">
+              <a:defRPr sz="1200"/>
+            </a:lvl1pPr>
+          </a:lstStyle>
+          <a:p>
+            <a:fld id="{4E24D9B4-747F-8949-A63A-A95D94DB7A3C}" type="slidenum">
+              <a:rPr kumimoji="1" lang="zh-CN" altLang="en-US" smtClean="0"/>
+              <a:t>‹#›</a:t>
+            </a:fld>
+            <a:endParaRPr kumimoji="1" lang="zh-CN" altLang="en-US"/>
+          </a:p>
+        </p:txBody>
+      </p:sp>
+    </p:spTree>
+    <p:extLst>
+      <p:ext uri="{BB962C8B-B14F-4D97-AF65-F5344CB8AC3E}">
+        <p14:creationId xmlns:p14="http://schemas.microsoft.com/office/powerpoint/2010/main" val="1391732792"/>
+      </p:ext>
+    </p:extLst>
+  </p:cSld>
+  <p:clrMap bg1="lt1" tx1="dk1" bg2="lt2" tx2="dk2" accent1="accent1" accent2="accent2" accent3="accent3" accent4="accent4" accent5="accent5" accent6="accent6" hlink="hlink" folHlink="folHlink"/>
+  <p:notesStyle>
+    <a:lvl1pPr marL="0" algn="l" defTabSz="914400" rtl="0" eaLnBrk="1" latinLnBrk="0" hangingPunct="1">
+      <a:defRPr sz="1200" kern="1200">
+        <a:solidFill>
+          <a:schemeClr val="tx1"/>
+        </a:solidFill>
+        <a:latin typeface="+mn-lt"/>
+        <a:ea typeface="+mn-ea"/>
+        <a:cs typeface="+mn-cs"/>
+      </a:defRPr>
+    </a:lvl1pPr>
+    <a:lvl2pPr marL="457200" algn="l" defTabSz="914400" rtl="0" eaLnBrk="1" latinLnBrk="0" hangingPunct="1">
+      <a:defRPr sz="1200" kern="1200">
+        <a:solidFill>
+          <a:schemeClr val="tx1"/>
+        </a:solidFill>
+        <a:latin typeface="+mn-lt"/>
+        <a:ea typeface="+mn-ea"/>
+        <a:cs typeface="+mn-cs"/>
+      </a:defRPr>
+    </a:lvl2pPr>
+    <a:lvl3pPr marL="914400" algn="l" defTabSz="914400" rtl="0" eaLnBrk="1" latinLnBrk="0" hangingPunct="1">
+      <a:defRPr sz="1200" kern="1200">
+        <a:solidFill>
+          <a:schemeClr val="tx1"/>
+        </a:solidFill>
+        <a:latin typeface="+mn-lt"/>
+        <a:ea typeface="+mn-ea"/>
+        <a:cs typeface="+mn-cs"/>
+      </a:defRPr>
+    </a:lvl3pPr>
+    <a:lvl4pPr marL="1371600" algn="l" defTabSz="914400" rtl="0" eaLnBrk="1" latinLnBrk="0" hangingPunct="1">
+      <a:defRPr sz="1200" kern="1200">
+        <a:solidFill>
+          <a:schemeClr val="tx1"/>
+        </a:solidFill>
+        <a:latin typeface="+mn-lt"/>
+        <a:ea typeface="+mn-ea"/>
+        <a:cs typeface="+mn-cs"/>
+      </a:defRPr>
+    </a:lvl4pPr>
+    <a:lvl5pPr marL="1828800" algn="l" defTabSz="914400" rtl="0" eaLnBrk="1" latinLnBrk="0" hangingPunct="1">
+      <a:defRPr sz="1200" kern="1200">
+        <a:solidFill>
+          <a:schemeClr val="tx1"/>
+        </a:solidFill>
+        <a:latin typeface="+mn-lt"/>
+        <a:ea typeface="+mn-ea"/>
+        <a:cs typeface="+mn-cs"/>
+      </a:defRPr>
+    </a:lvl5pPr>
+    <a:lvl6pPr marL="2286000" algn="l" defTabSz="914400" rtl="0" eaLnBrk="1" latinLnBrk="0" hangingPunct="1">
+      <a:defRPr sz="1200" kern="1200">
+        <a:solidFill>
+          <a:schemeClr val="tx1"/>
+        </a:solidFill>
+        <a:latin typeface="+mn-lt"/>
+        <a:ea typeface="+mn-ea"/>
+        <a:cs typeface="+mn-cs"/>
+      </a:defRPr>
+    </a:lvl6pPr>
+    <a:lvl7pPr marL="2743200" algn="l" defTabSz="914400" rtl="0" eaLnBrk="1" latinLnBrk="0" hangingPunct="1">
+      <a:defRPr sz="1200" kern="1200">
+        <a:solidFill>
+          <a:schemeClr val="tx1"/>
+        </a:solidFill>
+        <a:latin typeface="+mn-lt"/>
+        <a:ea typeface="+mn-ea"/>
+        <a:cs typeface="+mn-cs"/>
+      </a:defRPr>
+    </a:lvl7pPr>
+    <a:lvl8pPr marL="3200400" algn="l" defTabSz="914400" rtl="0" eaLnBrk="1" latinLnBrk="0" hangingPunct="1">
+      <a:defRPr sz="1200" kern="1200">
+        <a:solidFill>
+          <a:schemeClr val="tx1"/>
+        </a:solidFill>
+        <a:latin typeface="+mn-lt"/>
+        <a:ea typeface="+mn-ea"/>
+        <a:cs typeface="+mn-cs"/>
+      </a:defRPr>
+    </a:lvl8pPr>
+    <a:lvl9pPr marL="3657600" algn="l" defTabSz="914400" rtl="0" eaLnBrk="1" latinLnBrk="0" hangingPunct="1">
+      <a:defRPr sz="1200" kern="1200">
+        <a:solidFill>
+          <a:schemeClr val="tx1"/>
+        </a:solidFill>
+        <a:latin typeface="+mn-lt"/>
+        <a:ea typeface="+mn-ea"/>
+        <a:cs typeface="+mn-cs"/>
+      </a:defRPr>
+    </a:lvl9pPr>
+  </p:notesStyle>
+</p:notesMaster>
+</file>
+
 <file path=ppt/slideLayouts/slideLayout1.xml><?xml version="1.0" encoding="utf-8"?>
 <p:sldLayout xmlns:a="http://schemas.openxmlformats.org/drawingml/2006/main" xmlns:r="http://schemas.openxmlformats.org/officeDocument/2006/relationships" xmlns:p="http://schemas.openxmlformats.org/presentationml/2006/main" preserve="1" userDrawn="1">
   <p:cSld name="Cover">
@@ -434,9 +787,1537 @@
 </p:sldLayout>
 </file>
 
+<file path=ppt/slideLayouts/slideLayout10.xml><?xml version="1.0" encoding="utf-8"?>
+<p:sldLayout xmlns:a="http://schemas.openxmlformats.org/drawingml/2006/main" xmlns:r="http://schemas.openxmlformats.org/officeDocument/2006/relationships" xmlns:p="http://schemas.openxmlformats.org/presentationml/2006/main" preserve="1" userDrawn="1">
+  <p:cSld name="VocabPhrase">
+    <p:spTree>
+      <p:nvGrpSpPr>
+        <p:cNvPr id="1" name=""/>
+        <p:cNvGrpSpPr/>
+        <p:nvPr/>
+      </p:nvGrpSpPr>
+      <p:grpSpPr>
+        <a:xfrm>
+          <a:off x="0" y="0"/>
+          <a:ext cx="0" cy="0"/>
+          <a:chOff x="0" y="0"/>
+          <a:chExt cx="0" cy="0"/>
+        </a:xfrm>
+      </p:grpSpPr>
+      <p:sp>
+        <p:nvSpPr>
+          <p:cNvPr id="8" name="文本占位符 2"/>
+          <p:cNvSpPr>
+            <a:spLocks noGrp="1"/>
+          </p:cNvSpPr>
+          <p:nvPr>
+            <p:ph type="body" sz="quarter" idx="10" hasCustomPrompt="1"/>
+          </p:nvPr>
+        </p:nvSpPr>
+        <p:spPr>
+          <a:xfrm>
+            <a:off x="531758" y="680672"/>
+            <a:ext cx="1728000" cy="518482"/>
+          </a:xfrm>
+          <a:prstGeom prst="rect">
+            <a:avLst/>
+          </a:prstGeom>
+        </p:spPr>
+        <p:txBody>
+          <a:bodyPr/>
+          <a:lstStyle>
+            <a:lvl1pPr marL="0" indent="0">
+              <a:buFontTx/>
+              <a:buNone/>
+              <a:defRPr sz="3200" b="0" i="0">
+                <a:solidFill>
+                  <a:srgbClr val="ECFAFF">
+                    <a:alpha val="50000"/>
+                  </a:srgbClr>
+                </a:solidFill>
+                <a:latin typeface="Helvetica Neue Medium" charset="0"/>
+                <a:ea typeface="Helvetica Neue Medium" charset="0"/>
+                <a:cs typeface="Helvetica Neue Medium" charset="0"/>
+              </a:defRPr>
+            </a:lvl1pPr>
+          </a:lstStyle>
+          <a:p>
+            <a:pPr marL="228600" marR="0" lvl="0" indent="-228600" algn="l" defTabSz="914400" rtl="0" eaLnBrk="1" fontAlgn="auto" latinLnBrk="0" hangingPunct="1">
+              <a:lnSpc>
+                <a:spcPct val="90000"/>
+              </a:lnSpc>
+              <a:spcBef>
+                <a:spcPts val="1000"/>
+              </a:spcBef>
+              <a:spcAft>
+                <a:spcPts val="0"/>
+              </a:spcAft>
+              <a:buClrTx/>
+              <a:buSzTx/>
+              <a:buFont typeface="Arial"/>
+              <a:buNone/>
+              <a:tabLst/>
+              <a:defRPr/>
+            </a:pPr>
+            <a:r>
+              <a:rPr kumimoji="1" lang="en-US" altLang="zh-CN" dirty="0" smtClean="0"/>
+              <a:t>Q.1</a:t>
+            </a:r>
+            <a:endParaRPr kumimoji="1" lang="zh-CN" altLang="en-US" dirty="0"/>
+          </a:p>
+        </p:txBody>
+      </p:sp>
+      <p:sp>
+        <p:nvSpPr>
+          <p:cNvPr id="5" name="文本占位符 4"/>
+          <p:cNvSpPr>
+            <a:spLocks noGrp="1"/>
+          </p:cNvSpPr>
+          <p:nvPr>
+            <p:ph type="body" sz="quarter" idx="11" hasCustomPrompt="1"/>
+          </p:nvPr>
+        </p:nvSpPr>
+        <p:spPr>
+          <a:xfrm>
+            <a:off x="531758" y="1199154"/>
+            <a:ext cx="11128486" cy="1219380"/>
+          </a:xfrm>
+          <a:prstGeom prst="rect">
+            <a:avLst/>
+          </a:prstGeom>
+        </p:spPr>
+        <p:txBody>
+          <a:bodyPr anchor="ctr" anchorCtr="0">
+            <a:normAutofit/>
+          </a:bodyPr>
+          <a:lstStyle>
+            <a:lvl1pPr marL="0" indent="0" algn="ctr">
+              <a:lnSpc>
+                <a:spcPct val="120000"/>
+              </a:lnSpc>
+              <a:buFontTx/>
+              <a:buNone/>
+              <a:defRPr sz="6000">
+                <a:solidFill>
+                  <a:srgbClr val="ECFAFF"/>
+                </a:solidFill>
+                <a:latin typeface="PingFang SC" charset="-122"/>
+                <a:ea typeface="PingFang SC" charset="-122"/>
+                <a:cs typeface="PingFang SC" charset="-122"/>
+              </a:defRPr>
+            </a:lvl1pPr>
+            <a:lvl2pPr marL="457200" indent="0" algn="ctr">
+              <a:lnSpc>
+                <a:spcPct val="120000"/>
+              </a:lnSpc>
+              <a:buFontTx/>
+              <a:buNone/>
+              <a:defRPr>
+                <a:solidFill>
+                  <a:srgbClr val="ECFAFF"/>
+                </a:solidFill>
+                <a:latin typeface="PingFang SC" charset="-122"/>
+                <a:ea typeface="PingFang SC" charset="-122"/>
+                <a:cs typeface="PingFang SC" charset="-122"/>
+              </a:defRPr>
+            </a:lvl2pPr>
+            <a:lvl3pPr marL="914400" indent="0" algn="ctr">
+              <a:lnSpc>
+                <a:spcPct val="120000"/>
+              </a:lnSpc>
+              <a:buFontTx/>
+              <a:buNone/>
+              <a:defRPr>
+                <a:solidFill>
+                  <a:srgbClr val="ECFAFF"/>
+                </a:solidFill>
+                <a:latin typeface="PingFang SC" charset="-122"/>
+                <a:ea typeface="PingFang SC" charset="-122"/>
+                <a:cs typeface="PingFang SC" charset="-122"/>
+              </a:defRPr>
+            </a:lvl3pPr>
+            <a:lvl4pPr marL="1371600" indent="0" algn="ctr">
+              <a:lnSpc>
+                <a:spcPct val="120000"/>
+              </a:lnSpc>
+              <a:buFontTx/>
+              <a:buNone/>
+              <a:defRPr>
+                <a:solidFill>
+                  <a:srgbClr val="ECFAFF"/>
+                </a:solidFill>
+                <a:latin typeface="PingFang SC" charset="-122"/>
+                <a:ea typeface="PingFang SC" charset="-122"/>
+                <a:cs typeface="PingFang SC" charset="-122"/>
+              </a:defRPr>
+            </a:lvl4pPr>
+            <a:lvl5pPr marL="1828800" indent="0" algn="ctr">
+              <a:lnSpc>
+                <a:spcPct val="120000"/>
+              </a:lnSpc>
+              <a:buFontTx/>
+              <a:buNone/>
+              <a:defRPr>
+                <a:solidFill>
+                  <a:srgbClr val="ECFAFF"/>
+                </a:solidFill>
+                <a:latin typeface="PingFang SC" charset="-122"/>
+                <a:ea typeface="PingFang SC" charset="-122"/>
+                <a:cs typeface="PingFang SC" charset="-122"/>
+              </a:defRPr>
+            </a:lvl5pPr>
+          </a:lstStyle>
+          <a:p>
+            <a:pPr lvl="0"/>
+            <a:r>
+              <a:rPr kumimoji="1" lang="zh-CN" altLang="en-US" dirty="0" smtClean="0"/>
+              <a:t>球</a:t>
+            </a:r>
+            <a:endParaRPr kumimoji="1" lang="zh-CN" altLang="en-US" dirty="0"/>
+          </a:p>
+        </p:txBody>
+      </p:sp>
+      <p:sp>
+        <p:nvSpPr>
+          <p:cNvPr id="14" name="文本占位符 13"/>
+          <p:cNvSpPr>
+            <a:spLocks noGrp="1"/>
+          </p:cNvSpPr>
+          <p:nvPr>
+            <p:ph type="body" sz="quarter" idx="12" hasCustomPrompt="1"/>
+          </p:nvPr>
+        </p:nvSpPr>
+        <p:spPr>
+          <a:xfrm>
+            <a:off x="531758" y="3085618"/>
+            <a:ext cx="11128484" cy="569982"/>
+          </a:xfrm>
+          <a:prstGeom prst="rect">
+            <a:avLst/>
+          </a:prstGeom>
+        </p:spPr>
+        <p:txBody>
+          <a:bodyPr anchor="ctr" anchorCtr="0"/>
+          <a:lstStyle>
+            <a:lvl1pPr marL="0" indent="0" algn="ctr">
+              <a:lnSpc>
+                <a:spcPct val="120000"/>
+              </a:lnSpc>
+              <a:buFontTx/>
+              <a:buNone/>
+              <a:defRPr sz="2400">
+                <a:solidFill>
+                  <a:schemeClr val="bg1"/>
+                </a:solidFill>
+                <a:latin typeface="PingFang SC" charset="-122"/>
+                <a:ea typeface="PingFang SC" charset="-122"/>
+                <a:cs typeface="PingFang SC" charset="-122"/>
+              </a:defRPr>
+            </a:lvl1pPr>
+            <a:lvl2pPr marL="457200" indent="0" algn="ctr">
+              <a:lnSpc>
+                <a:spcPct val="120000"/>
+              </a:lnSpc>
+              <a:buFontTx/>
+              <a:buNone/>
+              <a:defRPr>
+                <a:solidFill>
+                  <a:srgbClr val="ECFAFF"/>
+                </a:solidFill>
+                <a:latin typeface="PingFang SC" charset="-122"/>
+                <a:ea typeface="PingFang SC" charset="-122"/>
+                <a:cs typeface="PingFang SC" charset="-122"/>
+              </a:defRPr>
+            </a:lvl2pPr>
+            <a:lvl3pPr marL="914400" indent="0" algn="ctr">
+              <a:lnSpc>
+                <a:spcPct val="120000"/>
+              </a:lnSpc>
+              <a:buFontTx/>
+              <a:buNone/>
+              <a:defRPr>
+                <a:solidFill>
+                  <a:srgbClr val="ECFAFF"/>
+                </a:solidFill>
+                <a:latin typeface="PingFang SC" charset="-122"/>
+                <a:ea typeface="PingFang SC" charset="-122"/>
+                <a:cs typeface="PingFang SC" charset="-122"/>
+              </a:defRPr>
+            </a:lvl3pPr>
+            <a:lvl4pPr marL="1371600" indent="0" algn="ctr">
+              <a:lnSpc>
+                <a:spcPct val="120000"/>
+              </a:lnSpc>
+              <a:buFontTx/>
+              <a:buNone/>
+              <a:defRPr>
+                <a:solidFill>
+                  <a:srgbClr val="ECFAFF"/>
+                </a:solidFill>
+                <a:latin typeface="PingFang SC" charset="-122"/>
+                <a:ea typeface="PingFang SC" charset="-122"/>
+                <a:cs typeface="PingFang SC" charset="-122"/>
+              </a:defRPr>
+            </a:lvl4pPr>
+            <a:lvl5pPr marL="1828800" indent="0" algn="ctr">
+              <a:lnSpc>
+                <a:spcPct val="120000"/>
+              </a:lnSpc>
+              <a:buFontTx/>
+              <a:buNone/>
+              <a:defRPr>
+                <a:solidFill>
+                  <a:srgbClr val="ECFAFF"/>
+                </a:solidFill>
+                <a:latin typeface="PingFang SC" charset="-122"/>
+                <a:ea typeface="PingFang SC" charset="-122"/>
+                <a:cs typeface="PingFang SC" charset="-122"/>
+              </a:defRPr>
+            </a:lvl5pPr>
+          </a:lstStyle>
+          <a:p>
+            <a:pPr lvl="0"/>
+            <a:r>
+              <a:rPr kumimoji="1" lang="zh-CN" altLang="en-US" dirty="0" smtClean="0"/>
+              <a:t>考点：</a:t>
+            </a:r>
+            <a:r>
+              <a:rPr kumimoji="1" lang="en-US" altLang="zh-CN" dirty="0" smtClean="0"/>
+              <a:t>A2</a:t>
+            </a:r>
+            <a:r>
+              <a:rPr kumimoji="1" lang="zh-CN" altLang="en-US" dirty="0" smtClean="0"/>
+              <a:t> </a:t>
+            </a:r>
+            <a:r>
+              <a:rPr kumimoji="1" lang="en-US" altLang="zh-CN" dirty="0" smtClean="0"/>
+              <a:t>–</a:t>
+            </a:r>
+            <a:r>
+              <a:rPr kumimoji="1" lang="zh-CN" altLang="en-US" dirty="0" smtClean="0"/>
+              <a:t> 运动</a:t>
+            </a:r>
+            <a:endParaRPr kumimoji="1" lang="zh-CN" altLang="en-US" dirty="0"/>
+          </a:p>
+        </p:txBody>
+      </p:sp>
+    </p:spTree>
+    <p:extLst/>
+  </p:cSld>
+  <p:clrMapOvr>
+    <a:masterClrMapping/>
+  </p:clrMapOvr>
+</p:sldLayout>
+</file>
+
+<file path=ppt/slideLayouts/slideLayout11.xml><?xml version="1.0" encoding="utf-8"?>
+<p:sldLayout xmlns:a="http://schemas.openxmlformats.org/drawingml/2006/main" xmlns:r="http://schemas.openxmlformats.org/officeDocument/2006/relationships" xmlns:p="http://schemas.openxmlformats.org/presentationml/2006/main" preserve="1" userDrawn="1">
+  <p:cSld name="VocabPhrase analysis">
+    <p:spTree>
+      <p:nvGrpSpPr>
+        <p:cNvPr id="1" name=""/>
+        <p:cNvGrpSpPr/>
+        <p:nvPr/>
+      </p:nvGrpSpPr>
+      <p:grpSpPr>
+        <a:xfrm>
+          <a:off x="0" y="0"/>
+          <a:ext cx="0" cy="0"/>
+          <a:chOff x="0" y="0"/>
+          <a:chExt cx="0" cy="0"/>
+        </a:xfrm>
+      </p:grpSpPr>
+      <p:sp>
+        <p:nvSpPr>
+          <p:cNvPr id="3" name="文本占位符 2"/>
+          <p:cNvSpPr>
+            <a:spLocks noGrp="1"/>
+          </p:cNvSpPr>
+          <p:nvPr>
+            <p:ph type="body" sz="quarter" idx="10" hasCustomPrompt="1"/>
+          </p:nvPr>
+        </p:nvSpPr>
+        <p:spPr>
+          <a:xfrm>
+            <a:off x="531758" y="680672"/>
+            <a:ext cx="1728000" cy="518482"/>
+          </a:xfrm>
+          <a:prstGeom prst="rect">
+            <a:avLst/>
+          </a:prstGeom>
+        </p:spPr>
+        <p:txBody>
+          <a:bodyPr/>
+          <a:lstStyle>
+            <a:lvl1pPr marL="0" indent="0">
+              <a:buFontTx/>
+              <a:buNone/>
+              <a:defRPr sz="3200" b="0" i="0">
+                <a:solidFill>
+                  <a:srgbClr val="ECFAFF">
+                    <a:alpha val="50000"/>
+                  </a:srgbClr>
+                </a:solidFill>
+                <a:latin typeface="Helvetica Neue Medium" charset="0"/>
+                <a:ea typeface="Helvetica Neue Medium" charset="0"/>
+                <a:cs typeface="Helvetica Neue Medium" charset="0"/>
+              </a:defRPr>
+            </a:lvl1pPr>
+          </a:lstStyle>
+          <a:p>
+            <a:pPr marL="228600" marR="0" lvl="0" indent="-228600" algn="l" defTabSz="914400" rtl="0" eaLnBrk="1" fontAlgn="auto" latinLnBrk="0" hangingPunct="1">
+              <a:lnSpc>
+                <a:spcPct val="90000"/>
+              </a:lnSpc>
+              <a:spcBef>
+                <a:spcPts val="1000"/>
+              </a:spcBef>
+              <a:spcAft>
+                <a:spcPts val="0"/>
+              </a:spcAft>
+              <a:buClrTx/>
+              <a:buSzTx/>
+              <a:buFont typeface="Arial"/>
+              <a:buNone/>
+              <a:tabLst/>
+              <a:defRPr/>
+            </a:pPr>
+            <a:r>
+              <a:rPr kumimoji="1" lang="en-US" altLang="zh-CN" dirty="0" smtClean="0"/>
+              <a:t>Q.1</a:t>
+            </a:r>
+            <a:endParaRPr kumimoji="1" lang="zh-CN" altLang="en-US" dirty="0"/>
+          </a:p>
+        </p:txBody>
+      </p:sp>
+      <p:sp>
+        <p:nvSpPr>
+          <p:cNvPr id="7" name="文本占位符 6"/>
+          <p:cNvSpPr>
+            <a:spLocks noGrp="1"/>
+          </p:cNvSpPr>
+          <p:nvPr>
+            <p:ph type="body" sz="quarter" idx="11" hasCustomPrompt="1"/>
+          </p:nvPr>
+        </p:nvSpPr>
+        <p:spPr>
+          <a:xfrm>
+            <a:off x="4872000" y="716076"/>
+            <a:ext cx="2448000" cy="403200"/>
+          </a:xfrm>
+          <a:prstGeom prst="rect">
+            <a:avLst/>
+          </a:prstGeom>
+        </p:spPr>
+        <p:txBody>
+          <a:bodyPr anchor="ctr"/>
+          <a:lstStyle>
+            <a:lvl1pPr marL="0" indent="0" algn="ctr">
+              <a:buFontTx/>
+              <a:buNone/>
+              <a:defRPr sz="2000">
+                <a:solidFill>
+                  <a:srgbClr val="ECFAFF"/>
+                </a:solidFill>
+                <a:latin typeface="PingFang SC" charset="-122"/>
+                <a:ea typeface="PingFang SC" charset="-122"/>
+                <a:cs typeface="PingFang SC" charset="-122"/>
+              </a:defRPr>
+            </a:lvl1pPr>
+            <a:lvl2pPr marL="457200" indent="0" algn="ctr">
+              <a:buFontTx/>
+              <a:buNone/>
+              <a:defRPr sz="2000">
+                <a:solidFill>
+                  <a:srgbClr val="ECFAFF"/>
+                </a:solidFill>
+                <a:latin typeface="PingFang SC" charset="-122"/>
+                <a:ea typeface="PingFang SC" charset="-122"/>
+                <a:cs typeface="PingFang SC" charset="-122"/>
+              </a:defRPr>
+            </a:lvl2pPr>
+            <a:lvl3pPr marL="914400" indent="0" algn="ctr">
+              <a:buFontTx/>
+              <a:buNone/>
+              <a:defRPr sz="2000">
+                <a:solidFill>
+                  <a:srgbClr val="ECFAFF"/>
+                </a:solidFill>
+                <a:latin typeface="PingFang SC" charset="-122"/>
+                <a:ea typeface="PingFang SC" charset="-122"/>
+                <a:cs typeface="PingFang SC" charset="-122"/>
+              </a:defRPr>
+            </a:lvl3pPr>
+            <a:lvl4pPr marL="1371600" indent="0" algn="ctr">
+              <a:buFontTx/>
+              <a:buNone/>
+              <a:defRPr sz="2000">
+                <a:solidFill>
+                  <a:srgbClr val="ECFAFF"/>
+                </a:solidFill>
+                <a:latin typeface="PingFang SC" charset="-122"/>
+                <a:ea typeface="PingFang SC" charset="-122"/>
+                <a:cs typeface="PingFang SC" charset="-122"/>
+              </a:defRPr>
+            </a:lvl4pPr>
+            <a:lvl5pPr marL="1828800" indent="0" algn="ctr">
+              <a:buFontTx/>
+              <a:buNone/>
+              <a:defRPr sz="2000">
+                <a:solidFill>
+                  <a:srgbClr val="ECFAFF"/>
+                </a:solidFill>
+                <a:latin typeface="PingFang SC" charset="-122"/>
+                <a:ea typeface="PingFang SC" charset="-122"/>
+                <a:cs typeface="PingFang SC" charset="-122"/>
+              </a:defRPr>
+            </a:lvl5pPr>
+          </a:lstStyle>
+          <a:p>
+            <a:pPr lvl="0"/>
+            <a:r>
+              <a:rPr kumimoji="1" lang="zh-CN" altLang="en-US" dirty="0" smtClean="0"/>
+              <a:t>正确解答：</a:t>
+            </a:r>
+            <a:r>
+              <a:rPr kumimoji="1" lang="en-US" altLang="zh-CN" dirty="0" smtClean="0"/>
+              <a:t>A</a:t>
+            </a:r>
+            <a:endParaRPr kumimoji="1" lang="zh-CN" altLang="en-US" dirty="0"/>
+          </a:p>
+        </p:txBody>
+      </p:sp>
+      <p:sp>
+        <p:nvSpPr>
+          <p:cNvPr id="9" name="文本占位符 8"/>
+          <p:cNvSpPr>
+            <a:spLocks noGrp="1"/>
+          </p:cNvSpPr>
+          <p:nvPr>
+            <p:ph type="body" sz="quarter" idx="12" hasCustomPrompt="1"/>
+          </p:nvPr>
+        </p:nvSpPr>
+        <p:spPr>
+          <a:xfrm>
+            <a:off x="531758" y="1199154"/>
+            <a:ext cx="11128484" cy="1216800"/>
+          </a:xfrm>
+          <a:prstGeom prst="rect">
+            <a:avLst/>
+          </a:prstGeom>
+        </p:spPr>
+        <p:txBody>
+          <a:bodyPr anchor="ctr">
+            <a:normAutofit/>
+          </a:bodyPr>
+          <a:lstStyle>
+            <a:lvl1pPr marL="0" indent="0" algn="ctr">
+              <a:lnSpc>
+                <a:spcPct val="120000"/>
+              </a:lnSpc>
+              <a:buFontTx/>
+              <a:buNone/>
+              <a:defRPr sz="6000">
+                <a:solidFill>
+                  <a:srgbClr val="ECFAFF"/>
+                </a:solidFill>
+                <a:latin typeface="PingFang SC" charset="-122"/>
+                <a:ea typeface="PingFang SC" charset="-122"/>
+                <a:cs typeface="PingFang SC" charset="-122"/>
+              </a:defRPr>
+            </a:lvl1pPr>
+            <a:lvl2pPr marL="457200" indent="0" algn="ctr">
+              <a:buFontTx/>
+              <a:buNone/>
+              <a:defRPr>
+                <a:solidFill>
+                  <a:srgbClr val="ECFAFF"/>
+                </a:solidFill>
+                <a:latin typeface="PingFang SC" charset="-122"/>
+                <a:ea typeface="PingFang SC" charset="-122"/>
+                <a:cs typeface="PingFang SC" charset="-122"/>
+              </a:defRPr>
+            </a:lvl2pPr>
+            <a:lvl3pPr marL="914400" indent="0" algn="ctr">
+              <a:buFontTx/>
+              <a:buNone/>
+              <a:defRPr>
+                <a:solidFill>
+                  <a:srgbClr val="ECFAFF"/>
+                </a:solidFill>
+                <a:latin typeface="PingFang SC" charset="-122"/>
+                <a:ea typeface="PingFang SC" charset="-122"/>
+                <a:cs typeface="PingFang SC" charset="-122"/>
+              </a:defRPr>
+            </a:lvl3pPr>
+            <a:lvl4pPr marL="1371600" indent="0" algn="ctr">
+              <a:buFontTx/>
+              <a:buNone/>
+              <a:defRPr>
+                <a:solidFill>
+                  <a:srgbClr val="ECFAFF"/>
+                </a:solidFill>
+                <a:latin typeface="PingFang SC" charset="-122"/>
+                <a:ea typeface="PingFang SC" charset="-122"/>
+                <a:cs typeface="PingFang SC" charset="-122"/>
+              </a:defRPr>
+            </a:lvl4pPr>
+            <a:lvl5pPr marL="1828800" indent="0" algn="ctr">
+              <a:buFontTx/>
+              <a:buNone/>
+              <a:defRPr>
+                <a:solidFill>
+                  <a:srgbClr val="ECFAFF"/>
+                </a:solidFill>
+                <a:latin typeface="PingFang SC" charset="-122"/>
+                <a:ea typeface="PingFang SC" charset="-122"/>
+                <a:cs typeface="PingFang SC" charset="-122"/>
+              </a:defRPr>
+            </a:lvl5pPr>
+          </a:lstStyle>
+          <a:p>
+            <a:pPr lvl="0"/>
+            <a:r>
+              <a:rPr kumimoji="1" lang="zh-CN" altLang="en-US" dirty="0" smtClean="0"/>
+              <a:t>球 </a:t>
+            </a:r>
+            <a:r>
+              <a:rPr kumimoji="1" lang="en-US" altLang="zh-CN" dirty="0" smtClean="0"/>
+              <a:t>ball</a:t>
+            </a:r>
+            <a:endParaRPr kumimoji="1" lang="zh-CN" altLang="en-US" dirty="0"/>
+          </a:p>
+        </p:txBody>
+      </p:sp>
+      <p:sp>
+        <p:nvSpPr>
+          <p:cNvPr id="11" name="文本占位符 10"/>
+          <p:cNvSpPr>
+            <a:spLocks noGrp="1"/>
+          </p:cNvSpPr>
+          <p:nvPr>
+            <p:ph type="body" sz="quarter" idx="13" hasCustomPrompt="1"/>
+          </p:nvPr>
+        </p:nvSpPr>
+        <p:spPr>
+          <a:xfrm>
+            <a:off x="531758" y="2495832"/>
+            <a:ext cx="11128484" cy="403200"/>
+          </a:xfrm>
+          <a:prstGeom prst="rect">
+            <a:avLst/>
+          </a:prstGeom>
+        </p:spPr>
+        <p:txBody>
+          <a:bodyPr anchor="ctr"/>
+          <a:lstStyle>
+            <a:lvl1pPr marL="0" indent="0" algn="ctr">
+              <a:buFontTx/>
+              <a:buNone/>
+              <a:defRPr sz="2000">
+                <a:solidFill>
+                  <a:srgbClr val="ECFAFF"/>
+                </a:solidFill>
+                <a:latin typeface="PingFang SC" charset="-122"/>
+                <a:ea typeface="PingFang SC" charset="-122"/>
+                <a:cs typeface="PingFang SC" charset="-122"/>
+              </a:defRPr>
+            </a:lvl1pPr>
+            <a:lvl2pPr marL="457200" indent="0" algn="ctr">
+              <a:buFontTx/>
+              <a:buNone/>
+              <a:defRPr sz="2000">
+                <a:solidFill>
+                  <a:srgbClr val="ECFAFF"/>
+                </a:solidFill>
+                <a:latin typeface="PingFang SC" charset="-122"/>
+                <a:ea typeface="PingFang SC" charset="-122"/>
+                <a:cs typeface="PingFang SC" charset="-122"/>
+              </a:defRPr>
+            </a:lvl2pPr>
+            <a:lvl3pPr marL="914400" indent="0" algn="ctr">
+              <a:buFontTx/>
+              <a:buNone/>
+              <a:defRPr sz="2000">
+                <a:solidFill>
+                  <a:srgbClr val="ECFAFF"/>
+                </a:solidFill>
+                <a:latin typeface="PingFang SC" charset="-122"/>
+                <a:ea typeface="PingFang SC" charset="-122"/>
+                <a:cs typeface="PingFang SC" charset="-122"/>
+              </a:defRPr>
+            </a:lvl3pPr>
+            <a:lvl4pPr marL="1371600" indent="0" algn="ctr">
+              <a:buFontTx/>
+              <a:buNone/>
+              <a:defRPr sz="2000">
+                <a:solidFill>
+                  <a:srgbClr val="ECFAFF"/>
+                </a:solidFill>
+                <a:latin typeface="PingFang SC" charset="-122"/>
+                <a:ea typeface="PingFang SC" charset="-122"/>
+                <a:cs typeface="PingFang SC" charset="-122"/>
+              </a:defRPr>
+            </a:lvl4pPr>
+            <a:lvl5pPr marL="1828800" indent="0" algn="ctr">
+              <a:buFontTx/>
+              <a:buNone/>
+              <a:defRPr sz="2000">
+                <a:solidFill>
+                  <a:srgbClr val="ECFAFF"/>
+                </a:solidFill>
+                <a:latin typeface="PingFang SC" charset="-122"/>
+                <a:ea typeface="PingFang SC" charset="-122"/>
+                <a:cs typeface="PingFang SC" charset="-122"/>
+              </a:defRPr>
+            </a:lvl5pPr>
+          </a:lstStyle>
+          <a:p>
+            <a:pPr lvl="0"/>
+            <a:r>
+              <a:rPr kumimoji="1" lang="zh-CN" altLang="en-US" dirty="0" smtClean="0"/>
+              <a:t>考点：</a:t>
+            </a:r>
+            <a:r>
+              <a:rPr kumimoji="1" lang="en-US" altLang="zh-CN" dirty="0" smtClean="0"/>
+              <a:t>A1-</a:t>
+            </a:r>
+            <a:r>
+              <a:rPr kumimoji="1" lang="zh-CN" altLang="en-US" dirty="0" smtClean="0"/>
+              <a:t>运动</a:t>
+            </a:r>
+            <a:endParaRPr kumimoji="1" lang="zh-CN" altLang="en-US" dirty="0"/>
+          </a:p>
+        </p:txBody>
+      </p:sp>
+      <p:sp>
+        <p:nvSpPr>
+          <p:cNvPr id="12" name="矩形 11"/>
+          <p:cNvSpPr/>
+          <p:nvPr userDrawn="1"/>
+        </p:nvSpPr>
+        <p:spPr>
+          <a:xfrm>
+            <a:off x="531758" y="4340276"/>
+            <a:ext cx="5472000" cy="724284"/>
+          </a:xfrm>
+          <a:prstGeom prst="rect">
+            <a:avLst/>
+          </a:prstGeom>
+          <a:solidFill>
+            <a:srgbClr val="ECFAFF">
+              <a:alpha val="9000"/>
+            </a:srgbClr>
+          </a:solidFill>
+          <a:ln>
+            <a:solidFill>
+              <a:srgbClr val="ECFAFF">
+                <a:alpha val="40000"/>
+              </a:srgbClr>
+            </a:solidFill>
+          </a:ln>
+        </p:spPr>
+        <p:style>
+          <a:lnRef idx="2">
+            <a:schemeClr val="accent1"/>
+          </a:lnRef>
+          <a:fillRef idx="1">
+            <a:schemeClr val="lt1"/>
+          </a:fillRef>
+          <a:effectRef idx="0">
+            <a:schemeClr val="accent1"/>
+          </a:effectRef>
+          <a:fontRef idx="minor">
+            <a:schemeClr val="dk1"/>
+          </a:fontRef>
+        </p:style>
+        <p:txBody>
+          <a:bodyPr rtlCol="0" anchor="ctr"/>
+          <a:lstStyle/>
+          <a:p>
+            <a:pPr algn="ctr"/>
+            <a:endParaRPr kumimoji="1" lang="zh-CN" altLang="en-US" dirty="0"/>
+          </a:p>
+        </p:txBody>
+      </p:sp>
+      <p:sp>
+        <p:nvSpPr>
+          <p:cNvPr id="13" name="矩形 12"/>
+          <p:cNvSpPr/>
+          <p:nvPr userDrawn="1"/>
+        </p:nvSpPr>
+        <p:spPr>
+          <a:xfrm>
+            <a:off x="6188242" y="4340276"/>
+            <a:ext cx="5472000" cy="724284"/>
+          </a:xfrm>
+          <a:prstGeom prst="rect">
+            <a:avLst/>
+          </a:prstGeom>
+          <a:solidFill>
+            <a:srgbClr val="ECFAFF">
+              <a:alpha val="9000"/>
+            </a:srgbClr>
+          </a:solidFill>
+          <a:ln>
+            <a:solidFill>
+              <a:srgbClr val="ECFAFF">
+                <a:alpha val="40000"/>
+              </a:srgbClr>
+            </a:solidFill>
+          </a:ln>
+        </p:spPr>
+        <p:style>
+          <a:lnRef idx="2">
+            <a:schemeClr val="accent1"/>
+          </a:lnRef>
+          <a:fillRef idx="1">
+            <a:schemeClr val="lt1"/>
+          </a:fillRef>
+          <a:effectRef idx="0">
+            <a:schemeClr val="accent1"/>
+          </a:effectRef>
+          <a:fontRef idx="minor">
+            <a:schemeClr val="dk1"/>
+          </a:fontRef>
+        </p:style>
+        <p:txBody>
+          <a:bodyPr rtlCol="0" anchor="ctr"/>
+          <a:lstStyle/>
+          <a:p>
+            <a:pPr algn="ctr"/>
+            <a:endParaRPr kumimoji="1" lang="zh-CN" altLang="en-US" dirty="0"/>
+          </a:p>
+        </p:txBody>
+      </p:sp>
+      <p:sp>
+        <p:nvSpPr>
+          <p:cNvPr id="14" name="矩形 13"/>
+          <p:cNvSpPr/>
+          <p:nvPr userDrawn="1"/>
+        </p:nvSpPr>
+        <p:spPr>
+          <a:xfrm>
+            <a:off x="531758" y="3383360"/>
+            <a:ext cx="5472000" cy="724284"/>
+          </a:xfrm>
+          <a:prstGeom prst="rect">
+            <a:avLst/>
+          </a:prstGeom>
+          <a:solidFill>
+            <a:srgbClr val="ECFAFF">
+              <a:alpha val="9000"/>
+            </a:srgbClr>
+          </a:solidFill>
+          <a:ln>
+            <a:solidFill>
+              <a:srgbClr val="ECFAFF">
+                <a:alpha val="40000"/>
+              </a:srgbClr>
+            </a:solidFill>
+          </a:ln>
+        </p:spPr>
+        <p:style>
+          <a:lnRef idx="2">
+            <a:schemeClr val="accent1"/>
+          </a:lnRef>
+          <a:fillRef idx="1">
+            <a:schemeClr val="lt1"/>
+          </a:fillRef>
+          <a:effectRef idx="0">
+            <a:schemeClr val="accent1"/>
+          </a:effectRef>
+          <a:fontRef idx="minor">
+            <a:schemeClr val="dk1"/>
+          </a:fontRef>
+        </p:style>
+        <p:txBody>
+          <a:bodyPr rtlCol="0" anchor="ctr"/>
+          <a:lstStyle/>
+          <a:p>
+            <a:pPr algn="ctr"/>
+            <a:endParaRPr kumimoji="1" lang="zh-CN" altLang="en-US" dirty="0"/>
+          </a:p>
+        </p:txBody>
+      </p:sp>
+      <p:sp>
+        <p:nvSpPr>
+          <p:cNvPr id="15" name="矩形 14"/>
+          <p:cNvSpPr/>
+          <p:nvPr userDrawn="1"/>
+        </p:nvSpPr>
+        <p:spPr>
+          <a:xfrm>
+            <a:off x="6188242" y="3383360"/>
+            <a:ext cx="5472000" cy="724284"/>
+          </a:xfrm>
+          <a:prstGeom prst="rect">
+            <a:avLst/>
+          </a:prstGeom>
+          <a:solidFill>
+            <a:srgbClr val="ECFAFF">
+              <a:alpha val="9000"/>
+            </a:srgbClr>
+          </a:solidFill>
+          <a:ln>
+            <a:solidFill>
+              <a:srgbClr val="ECFAFF">
+                <a:alpha val="40000"/>
+              </a:srgbClr>
+            </a:solidFill>
+          </a:ln>
+        </p:spPr>
+        <p:style>
+          <a:lnRef idx="2">
+            <a:schemeClr val="accent1"/>
+          </a:lnRef>
+          <a:fillRef idx="1">
+            <a:schemeClr val="lt1"/>
+          </a:fillRef>
+          <a:effectRef idx="0">
+            <a:schemeClr val="accent1"/>
+          </a:effectRef>
+          <a:fontRef idx="minor">
+            <a:schemeClr val="dk1"/>
+          </a:fontRef>
+        </p:style>
+        <p:txBody>
+          <a:bodyPr rtlCol="0" anchor="ctr"/>
+          <a:lstStyle/>
+          <a:p>
+            <a:pPr algn="ctr"/>
+            <a:endParaRPr kumimoji="1" lang="zh-CN" altLang="en-US" dirty="0"/>
+          </a:p>
+        </p:txBody>
+      </p:sp>
+      <p:sp>
+        <p:nvSpPr>
+          <p:cNvPr id="16" name="文本框 6">
+            <a:extLst>
+              <a:ext uri="{FF2B5EF4-FFF2-40B4-BE49-F238E27FC236}">
+                <a16:creationId xmlns="" xmlns:a16="http://schemas.microsoft.com/office/drawing/2014/main" id="{5D38C703-0535-2649-B4A0-B8F05CF7B2C5}"/>
+              </a:ext>
+            </a:extLst>
+          </p:cNvPr>
+          <p:cNvSpPr txBox="1"/>
+          <p:nvPr userDrawn="1"/>
+        </p:nvSpPr>
+        <p:spPr>
+          <a:xfrm>
+            <a:off x="1971758" y="3545447"/>
+            <a:ext cx="548810" cy="400110"/>
+          </a:xfrm>
+          <a:prstGeom prst="rect">
+            <a:avLst/>
+          </a:prstGeom>
+          <a:noFill/>
+        </p:spPr>
+        <p:txBody>
+          <a:bodyPr wrap="square" rtlCol="0" anchor="ctr" anchorCtr="0">
+            <a:spAutoFit/>
+          </a:bodyPr>
+          <a:lstStyle/>
+          <a:p>
+            <a:r>
+              <a:rPr kumimoji="1" lang="en-US" altLang="zh-CN" sz="2000" b="0" i="0" dirty="0">
+                <a:solidFill>
+                  <a:srgbClr val="ECFAFF"/>
+                </a:solidFill>
+                <a:latin typeface="PingFang SC" charset="-122"/>
+                <a:ea typeface="PingFang SC" charset="-122"/>
+                <a:cs typeface="PingFang SC" charset="-122"/>
+              </a:rPr>
+              <a:t>A.</a:t>
+            </a:r>
+            <a:endParaRPr kumimoji="1" lang="zh-CN" altLang="en-US" sz="2000" b="0" i="0" dirty="0">
+              <a:solidFill>
+                <a:srgbClr val="ECFAFF"/>
+              </a:solidFill>
+              <a:latin typeface="PingFang SC" charset="-122"/>
+              <a:ea typeface="PingFang SC" charset="-122"/>
+              <a:cs typeface="PingFang SC" charset="-122"/>
+            </a:endParaRPr>
+          </a:p>
+        </p:txBody>
+      </p:sp>
+      <p:sp>
+        <p:nvSpPr>
+          <p:cNvPr id="17" name="文本框 16">
+            <a:extLst>
+              <a:ext uri="{FF2B5EF4-FFF2-40B4-BE49-F238E27FC236}">
+                <a16:creationId xmlns="" xmlns:a16="http://schemas.microsoft.com/office/drawing/2014/main" id="{65E5CD98-D6C1-1848-86A2-A50598B55139}"/>
+              </a:ext>
+            </a:extLst>
+          </p:cNvPr>
+          <p:cNvSpPr txBox="1"/>
+          <p:nvPr userDrawn="1"/>
+        </p:nvSpPr>
+        <p:spPr>
+          <a:xfrm>
+            <a:off x="1971758" y="4502363"/>
+            <a:ext cx="548810" cy="400110"/>
+          </a:xfrm>
+          <a:prstGeom prst="rect">
+            <a:avLst/>
+          </a:prstGeom>
+          <a:noFill/>
+        </p:spPr>
+        <p:txBody>
+          <a:bodyPr wrap="square" rtlCol="0" anchor="ctr" anchorCtr="0">
+            <a:spAutoFit/>
+          </a:bodyPr>
+          <a:lstStyle/>
+          <a:p>
+            <a:r>
+              <a:rPr kumimoji="1" lang="en-US" altLang="zh-CN" sz="2000" b="0" i="0" dirty="0">
+                <a:solidFill>
+                  <a:srgbClr val="ECFAFF"/>
+                </a:solidFill>
+                <a:latin typeface="PingFang SC" charset="-122"/>
+                <a:ea typeface="PingFang SC" charset="-122"/>
+                <a:cs typeface="PingFang SC" charset="-122"/>
+              </a:rPr>
+              <a:t>C.</a:t>
+            </a:r>
+            <a:endParaRPr kumimoji="1" lang="zh-CN" altLang="en-US" sz="2000" b="0" i="0" dirty="0">
+              <a:solidFill>
+                <a:srgbClr val="ECFAFF"/>
+              </a:solidFill>
+              <a:latin typeface="PingFang SC" charset="-122"/>
+              <a:ea typeface="PingFang SC" charset="-122"/>
+              <a:cs typeface="PingFang SC" charset="-122"/>
+            </a:endParaRPr>
+          </a:p>
+        </p:txBody>
+      </p:sp>
+      <p:sp>
+        <p:nvSpPr>
+          <p:cNvPr id="18" name="文本框 6">
+            <a:extLst>
+              <a:ext uri="{FF2B5EF4-FFF2-40B4-BE49-F238E27FC236}">
+                <a16:creationId xmlns="" xmlns:a16="http://schemas.microsoft.com/office/drawing/2014/main" id="{5F9E940D-7090-E94B-8B49-5CA1D127071A}"/>
+              </a:ext>
+            </a:extLst>
+          </p:cNvPr>
+          <p:cNvSpPr txBox="1"/>
+          <p:nvPr userDrawn="1"/>
+        </p:nvSpPr>
+        <p:spPr>
+          <a:xfrm>
+            <a:off x="7614129" y="3545447"/>
+            <a:ext cx="548810" cy="400110"/>
+          </a:xfrm>
+          <a:prstGeom prst="rect">
+            <a:avLst/>
+          </a:prstGeom>
+          <a:noFill/>
+        </p:spPr>
+        <p:txBody>
+          <a:bodyPr wrap="square" rtlCol="0" anchor="ctr" anchorCtr="0">
+            <a:spAutoFit/>
+          </a:bodyPr>
+          <a:lstStyle/>
+          <a:p>
+            <a:r>
+              <a:rPr kumimoji="1" lang="en-US" altLang="zh-CN" sz="2000" b="0" i="0" dirty="0">
+                <a:solidFill>
+                  <a:srgbClr val="ECFAFF"/>
+                </a:solidFill>
+                <a:latin typeface="PingFang SC" charset="-122"/>
+                <a:ea typeface="PingFang SC" charset="-122"/>
+                <a:cs typeface="PingFang SC" charset="-122"/>
+              </a:rPr>
+              <a:t>B.</a:t>
+            </a:r>
+            <a:endParaRPr kumimoji="1" lang="zh-CN" altLang="en-US" sz="2000" b="0" i="0" dirty="0">
+              <a:solidFill>
+                <a:srgbClr val="ECFAFF"/>
+              </a:solidFill>
+              <a:latin typeface="PingFang SC" charset="-122"/>
+              <a:ea typeface="PingFang SC" charset="-122"/>
+              <a:cs typeface="PingFang SC" charset="-122"/>
+            </a:endParaRPr>
+          </a:p>
+        </p:txBody>
+      </p:sp>
+      <p:sp>
+        <p:nvSpPr>
+          <p:cNvPr id="19" name="文本框 6">
+            <a:extLst>
+              <a:ext uri="{FF2B5EF4-FFF2-40B4-BE49-F238E27FC236}">
+                <a16:creationId xmlns="" xmlns:a16="http://schemas.microsoft.com/office/drawing/2014/main" id="{BB9196A1-74E2-5046-99D0-EB0B468753EC}"/>
+              </a:ext>
+            </a:extLst>
+          </p:cNvPr>
+          <p:cNvSpPr txBox="1"/>
+          <p:nvPr userDrawn="1"/>
+        </p:nvSpPr>
+        <p:spPr>
+          <a:xfrm>
+            <a:off x="7614129" y="4502363"/>
+            <a:ext cx="548810" cy="400110"/>
+          </a:xfrm>
+          <a:prstGeom prst="rect">
+            <a:avLst/>
+          </a:prstGeom>
+          <a:noFill/>
+        </p:spPr>
+        <p:txBody>
+          <a:bodyPr wrap="square" rtlCol="0" anchor="ctr" anchorCtr="0">
+            <a:spAutoFit/>
+          </a:bodyPr>
+          <a:lstStyle/>
+          <a:p>
+            <a:r>
+              <a:rPr kumimoji="1" lang="en-US" altLang="zh-CN" sz="2000" b="0" i="0" dirty="0">
+                <a:solidFill>
+                  <a:srgbClr val="ECFAFF"/>
+                </a:solidFill>
+                <a:latin typeface="PingFang SC" charset="-122"/>
+                <a:ea typeface="PingFang SC" charset="-122"/>
+                <a:cs typeface="PingFang SC" charset="-122"/>
+              </a:rPr>
+              <a:t>D.</a:t>
+            </a:r>
+            <a:endParaRPr kumimoji="1" lang="zh-CN" altLang="en-US" sz="2000" b="0" i="0" dirty="0">
+              <a:solidFill>
+                <a:srgbClr val="ECFAFF"/>
+              </a:solidFill>
+              <a:latin typeface="PingFang SC" charset="-122"/>
+              <a:ea typeface="PingFang SC" charset="-122"/>
+              <a:cs typeface="PingFang SC" charset="-122"/>
+            </a:endParaRPr>
+          </a:p>
+        </p:txBody>
+      </p:sp>
+      <p:sp>
+        <p:nvSpPr>
+          <p:cNvPr id="21" name="文本占位符 20"/>
+          <p:cNvSpPr>
+            <a:spLocks noGrp="1"/>
+          </p:cNvSpPr>
+          <p:nvPr userDrawn="1">
+            <p:ph type="body" sz="quarter" idx="14" hasCustomPrompt="1"/>
+          </p:nvPr>
+        </p:nvSpPr>
+        <p:spPr>
+          <a:xfrm>
+            <a:off x="2394274" y="3560836"/>
+            <a:ext cx="3452388" cy="369332"/>
+          </a:xfrm>
+          <a:prstGeom prst="rect">
+            <a:avLst/>
+          </a:prstGeom>
+        </p:spPr>
+        <p:txBody>
+          <a:bodyPr wrap="square" anchor="ctr" anchorCtr="0">
+            <a:noAutofit/>
+          </a:bodyPr>
+          <a:lstStyle>
+            <a:lvl1pPr marL="0" indent="0" algn="l">
+              <a:buFontTx/>
+              <a:buNone/>
+              <a:defRPr sz="2000" baseline="0">
+                <a:solidFill>
+                  <a:srgbClr val="ECFAFF"/>
+                </a:solidFill>
+                <a:latin typeface="PingFang SC" charset="-122"/>
+                <a:ea typeface="PingFang SC" charset="-122"/>
+                <a:cs typeface="PingFang SC" charset="-122"/>
+              </a:defRPr>
+            </a:lvl1pPr>
+            <a:lvl2pPr marL="457200" indent="0" algn="l">
+              <a:buFontTx/>
+              <a:buNone/>
+              <a:defRPr sz="2000">
+                <a:solidFill>
+                  <a:srgbClr val="ECFAFF"/>
+                </a:solidFill>
+                <a:latin typeface="PingFang SC" charset="-122"/>
+                <a:ea typeface="PingFang SC" charset="-122"/>
+                <a:cs typeface="PingFang SC" charset="-122"/>
+              </a:defRPr>
+            </a:lvl2pPr>
+            <a:lvl3pPr marL="914400" indent="0" algn="l">
+              <a:buFontTx/>
+              <a:buNone/>
+              <a:defRPr sz="2000">
+                <a:solidFill>
+                  <a:srgbClr val="ECFAFF"/>
+                </a:solidFill>
+                <a:latin typeface="PingFang SC" charset="-122"/>
+                <a:ea typeface="PingFang SC" charset="-122"/>
+                <a:cs typeface="PingFang SC" charset="-122"/>
+              </a:defRPr>
+            </a:lvl3pPr>
+            <a:lvl4pPr marL="1371600" indent="0" algn="l">
+              <a:buFontTx/>
+              <a:buNone/>
+              <a:defRPr sz="2000">
+                <a:solidFill>
+                  <a:srgbClr val="ECFAFF"/>
+                </a:solidFill>
+                <a:latin typeface="PingFang SC" charset="-122"/>
+                <a:ea typeface="PingFang SC" charset="-122"/>
+                <a:cs typeface="PingFang SC" charset="-122"/>
+              </a:defRPr>
+            </a:lvl4pPr>
+            <a:lvl5pPr marL="1828800" indent="0" algn="l">
+              <a:buFontTx/>
+              <a:buNone/>
+              <a:defRPr sz="2000">
+                <a:solidFill>
+                  <a:srgbClr val="ECFAFF"/>
+                </a:solidFill>
+                <a:latin typeface="PingFang SC" charset="-122"/>
+                <a:ea typeface="PingFang SC" charset="-122"/>
+                <a:cs typeface="PingFang SC" charset="-122"/>
+              </a:defRPr>
+            </a:lvl5pPr>
+          </a:lstStyle>
+          <a:p>
+            <a:pPr lvl="0"/>
+            <a:r>
+              <a:rPr kumimoji="1" lang="en-US" altLang="zh-CN" dirty="0" smtClean="0"/>
+              <a:t>Choice</a:t>
+            </a:r>
+            <a:r>
+              <a:rPr kumimoji="1" lang="zh-CN" altLang="en-US" dirty="0" smtClean="0"/>
+              <a:t> </a:t>
+            </a:r>
+            <a:r>
+              <a:rPr kumimoji="1" lang="en-US" altLang="zh-CN" dirty="0" smtClean="0"/>
+              <a:t>A</a:t>
+            </a:r>
+            <a:endParaRPr kumimoji="1" lang="zh-CN" altLang="en-US" dirty="0"/>
+          </a:p>
+        </p:txBody>
+      </p:sp>
+      <p:sp>
+        <p:nvSpPr>
+          <p:cNvPr id="23" name="文本占位符 20"/>
+          <p:cNvSpPr>
+            <a:spLocks noGrp="1"/>
+          </p:cNvSpPr>
+          <p:nvPr userDrawn="1">
+            <p:ph type="body" sz="quarter" idx="15" hasCustomPrompt="1"/>
+          </p:nvPr>
+        </p:nvSpPr>
+        <p:spPr>
+          <a:xfrm>
+            <a:off x="8050858" y="3560836"/>
+            <a:ext cx="3458939" cy="369332"/>
+          </a:xfrm>
+          <a:prstGeom prst="rect">
+            <a:avLst/>
+          </a:prstGeom>
+        </p:spPr>
+        <p:txBody>
+          <a:bodyPr wrap="square" anchor="ctr" anchorCtr="0">
+            <a:noAutofit/>
+          </a:bodyPr>
+          <a:lstStyle>
+            <a:lvl1pPr marL="0" indent="0" algn="l">
+              <a:buFontTx/>
+              <a:buNone/>
+              <a:defRPr sz="2000" baseline="0">
+                <a:solidFill>
+                  <a:srgbClr val="ECFAFF"/>
+                </a:solidFill>
+                <a:latin typeface="PingFang SC" charset="-122"/>
+                <a:ea typeface="PingFang SC" charset="-122"/>
+                <a:cs typeface="PingFang SC" charset="-122"/>
+              </a:defRPr>
+            </a:lvl1pPr>
+            <a:lvl2pPr marL="457200" indent="0" algn="l">
+              <a:buFontTx/>
+              <a:buNone/>
+              <a:defRPr sz="2000">
+                <a:solidFill>
+                  <a:srgbClr val="ECFAFF"/>
+                </a:solidFill>
+                <a:latin typeface="PingFang SC" charset="-122"/>
+                <a:ea typeface="PingFang SC" charset="-122"/>
+                <a:cs typeface="PingFang SC" charset="-122"/>
+              </a:defRPr>
+            </a:lvl2pPr>
+            <a:lvl3pPr marL="914400" indent="0" algn="l">
+              <a:buFontTx/>
+              <a:buNone/>
+              <a:defRPr sz="2000">
+                <a:solidFill>
+                  <a:srgbClr val="ECFAFF"/>
+                </a:solidFill>
+                <a:latin typeface="PingFang SC" charset="-122"/>
+                <a:ea typeface="PingFang SC" charset="-122"/>
+                <a:cs typeface="PingFang SC" charset="-122"/>
+              </a:defRPr>
+            </a:lvl3pPr>
+            <a:lvl4pPr marL="1371600" indent="0" algn="l">
+              <a:buFontTx/>
+              <a:buNone/>
+              <a:defRPr sz="2000">
+                <a:solidFill>
+                  <a:srgbClr val="ECFAFF"/>
+                </a:solidFill>
+                <a:latin typeface="PingFang SC" charset="-122"/>
+                <a:ea typeface="PingFang SC" charset="-122"/>
+                <a:cs typeface="PingFang SC" charset="-122"/>
+              </a:defRPr>
+            </a:lvl4pPr>
+            <a:lvl5pPr marL="1828800" indent="0" algn="l">
+              <a:buFontTx/>
+              <a:buNone/>
+              <a:defRPr sz="2000">
+                <a:solidFill>
+                  <a:srgbClr val="ECFAFF"/>
+                </a:solidFill>
+                <a:latin typeface="PingFang SC" charset="-122"/>
+                <a:ea typeface="PingFang SC" charset="-122"/>
+                <a:cs typeface="PingFang SC" charset="-122"/>
+              </a:defRPr>
+            </a:lvl5pPr>
+          </a:lstStyle>
+          <a:p>
+            <a:pPr lvl="0"/>
+            <a:r>
+              <a:rPr kumimoji="1" lang="en-US" altLang="zh-CN" dirty="0" smtClean="0"/>
+              <a:t>Choice</a:t>
+            </a:r>
+            <a:r>
+              <a:rPr kumimoji="1" lang="zh-CN" altLang="en-US" dirty="0" smtClean="0"/>
+              <a:t> </a:t>
+            </a:r>
+            <a:r>
+              <a:rPr kumimoji="1" lang="en-US" altLang="zh-CN" dirty="0" smtClean="0"/>
+              <a:t>B</a:t>
+            </a:r>
+            <a:endParaRPr kumimoji="1" lang="zh-CN" altLang="en-US" dirty="0"/>
+          </a:p>
+        </p:txBody>
+      </p:sp>
+      <p:sp>
+        <p:nvSpPr>
+          <p:cNvPr id="24" name="文本占位符 20"/>
+          <p:cNvSpPr>
+            <a:spLocks noGrp="1"/>
+          </p:cNvSpPr>
+          <p:nvPr userDrawn="1">
+            <p:ph type="body" sz="quarter" idx="16" hasCustomPrompt="1"/>
+          </p:nvPr>
+        </p:nvSpPr>
+        <p:spPr>
+          <a:xfrm>
+            <a:off x="2392353" y="4517752"/>
+            <a:ext cx="3500447" cy="369332"/>
+          </a:xfrm>
+          <a:prstGeom prst="rect">
+            <a:avLst/>
+          </a:prstGeom>
+        </p:spPr>
+        <p:txBody>
+          <a:bodyPr wrap="square" anchor="ctr" anchorCtr="0">
+            <a:noAutofit/>
+          </a:bodyPr>
+          <a:lstStyle>
+            <a:lvl1pPr marL="0" indent="0" algn="l">
+              <a:buFontTx/>
+              <a:buNone/>
+              <a:defRPr sz="2000" baseline="0">
+                <a:solidFill>
+                  <a:srgbClr val="ECFAFF"/>
+                </a:solidFill>
+                <a:latin typeface="PingFang SC" charset="-122"/>
+                <a:ea typeface="PingFang SC" charset="-122"/>
+                <a:cs typeface="PingFang SC" charset="-122"/>
+              </a:defRPr>
+            </a:lvl1pPr>
+            <a:lvl2pPr marL="457200" indent="0" algn="l">
+              <a:buFontTx/>
+              <a:buNone/>
+              <a:defRPr sz="2000">
+                <a:solidFill>
+                  <a:srgbClr val="ECFAFF"/>
+                </a:solidFill>
+                <a:latin typeface="PingFang SC" charset="-122"/>
+                <a:ea typeface="PingFang SC" charset="-122"/>
+                <a:cs typeface="PingFang SC" charset="-122"/>
+              </a:defRPr>
+            </a:lvl2pPr>
+            <a:lvl3pPr marL="914400" indent="0" algn="l">
+              <a:buFontTx/>
+              <a:buNone/>
+              <a:defRPr sz="2000">
+                <a:solidFill>
+                  <a:srgbClr val="ECFAFF"/>
+                </a:solidFill>
+                <a:latin typeface="PingFang SC" charset="-122"/>
+                <a:ea typeface="PingFang SC" charset="-122"/>
+                <a:cs typeface="PingFang SC" charset="-122"/>
+              </a:defRPr>
+            </a:lvl3pPr>
+            <a:lvl4pPr marL="1371600" indent="0" algn="l">
+              <a:buFontTx/>
+              <a:buNone/>
+              <a:defRPr sz="2000">
+                <a:solidFill>
+                  <a:srgbClr val="ECFAFF"/>
+                </a:solidFill>
+                <a:latin typeface="PingFang SC" charset="-122"/>
+                <a:ea typeface="PingFang SC" charset="-122"/>
+                <a:cs typeface="PingFang SC" charset="-122"/>
+              </a:defRPr>
+            </a:lvl4pPr>
+            <a:lvl5pPr marL="1828800" indent="0" algn="l">
+              <a:buFontTx/>
+              <a:buNone/>
+              <a:defRPr sz="2000">
+                <a:solidFill>
+                  <a:srgbClr val="ECFAFF"/>
+                </a:solidFill>
+                <a:latin typeface="PingFang SC" charset="-122"/>
+                <a:ea typeface="PingFang SC" charset="-122"/>
+                <a:cs typeface="PingFang SC" charset="-122"/>
+              </a:defRPr>
+            </a:lvl5pPr>
+          </a:lstStyle>
+          <a:p>
+            <a:pPr lvl="0"/>
+            <a:r>
+              <a:rPr kumimoji="1" lang="en-US" altLang="zh-CN" dirty="0" smtClean="0"/>
+              <a:t>Choice</a:t>
+            </a:r>
+            <a:r>
+              <a:rPr kumimoji="1" lang="zh-CN" altLang="en-US" dirty="0" smtClean="0"/>
+              <a:t> </a:t>
+            </a:r>
+            <a:r>
+              <a:rPr kumimoji="1" lang="en-US" altLang="zh-CN" dirty="0" smtClean="0"/>
+              <a:t>C</a:t>
+            </a:r>
+            <a:endParaRPr kumimoji="1" lang="zh-CN" altLang="en-US" dirty="0"/>
+          </a:p>
+        </p:txBody>
+      </p:sp>
+      <p:sp>
+        <p:nvSpPr>
+          <p:cNvPr id="25" name="文本占位符 20"/>
+          <p:cNvSpPr>
+            <a:spLocks noGrp="1"/>
+          </p:cNvSpPr>
+          <p:nvPr userDrawn="1">
+            <p:ph type="body" sz="quarter" idx="17" hasCustomPrompt="1"/>
+          </p:nvPr>
+        </p:nvSpPr>
+        <p:spPr>
+          <a:xfrm>
+            <a:off x="8050859" y="4517752"/>
+            <a:ext cx="3480742" cy="369332"/>
+          </a:xfrm>
+          <a:prstGeom prst="rect">
+            <a:avLst/>
+          </a:prstGeom>
+        </p:spPr>
+        <p:txBody>
+          <a:bodyPr wrap="square" anchor="ctr" anchorCtr="0">
+            <a:noAutofit/>
+          </a:bodyPr>
+          <a:lstStyle>
+            <a:lvl1pPr marL="0" indent="0" algn="l">
+              <a:buFontTx/>
+              <a:buNone/>
+              <a:defRPr sz="2000" baseline="0">
+                <a:solidFill>
+                  <a:srgbClr val="ECFAFF"/>
+                </a:solidFill>
+                <a:latin typeface="PingFang SC" charset="-122"/>
+                <a:ea typeface="PingFang SC" charset="-122"/>
+                <a:cs typeface="PingFang SC" charset="-122"/>
+              </a:defRPr>
+            </a:lvl1pPr>
+            <a:lvl2pPr marL="457200" indent="0" algn="l">
+              <a:buFontTx/>
+              <a:buNone/>
+              <a:defRPr sz="2000">
+                <a:solidFill>
+                  <a:srgbClr val="ECFAFF"/>
+                </a:solidFill>
+                <a:latin typeface="PingFang SC" charset="-122"/>
+                <a:ea typeface="PingFang SC" charset="-122"/>
+                <a:cs typeface="PingFang SC" charset="-122"/>
+              </a:defRPr>
+            </a:lvl2pPr>
+            <a:lvl3pPr marL="914400" indent="0" algn="l">
+              <a:buFontTx/>
+              <a:buNone/>
+              <a:defRPr sz="2000">
+                <a:solidFill>
+                  <a:srgbClr val="ECFAFF"/>
+                </a:solidFill>
+                <a:latin typeface="PingFang SC" charset="-122"/>
+                <a:ea typeface="PingFang SC" charset="-122"/>
+                <a:cs typeface="PingFang SC" charset="-122"/>
+              </a:defRPr>
+            </a:lvl3pPr>
+            <a:lvl4pPr marL="1371600" indent="0" algn="l">
+              <a:buFontTx/>
+              <a:buNone/>
+              <a:defRPr sz="2000">
+                <a:solidFill>
+                  <a:srgbClr val="ECFAFF"/>
+                </a:solidFill>
+                <a:latin typeface="PingFang SC" charset="-122"/>
+                <a:ea typeface="PingFang SC" charset="-122"/>
+                <a:cs typeface="PingFang SC" charset="-122"/>
+              </a:defRPr>
+            </a:lvl4pPr>
+            <a:lvl5pPr marL="1828800" indent="0" algn="l">
+              <a:buFontTx/>
+              <a:buNone/>
+              <a:defRPr sz="2000">
+                <a:solidFill>
+                  <a:srgbClr val="ECFAFF"/>
+                </a:solidFill>
+                <a:latin typeface="PingFang SC" charset="-122"/>
+                <a:ea typeface="PingFang SC" charset="-122"/>
+                <a:cs typeface="PingFang SC" charset="-122"/>
+              </a:defRPr>
+            </a:lvl5pPr>
+          </a:lstStyle>
+          <a:p>
+            <a:pPr lvl="0"/>
+            <a:r>
+              <a:rPr kumimoji="1" lang="en-US" altLang="zh-CN" dirty="0" smtClean="0"/>
+              <a:t>Choice</a:t>
+            </a:r>
+            <a:r>
+              <a:rPr kumimoji="1" lang="zh-CN" altLang="en-US" dirty="0" smtClean="0"/>
+              <a:t> </a:t>
+            </a:r>
+            <a:r>
+              <a:rPr kumimoji="1" lang="en-US" altLang="zh-CN" dirty="0" smtClean="0"/>
+              <a:t>D</a:t>
+            </a:r>
+            <a:endParaRPr kumimoji="1" lang="zh-CN" altLang="en-US" dirty="0"/>
+          </a:p>
+        </p:txBody>
+      </p:sp>
+    </p:spTree>
+    <p:extLst>
+      <p:ext uri="{BB962C8B-B14F-4D97-AF65-F5344CB8AC3E}">
+        <p14:creationId xmlns:p14="http://schemas.microsoft.com/office/powerpoint/2010/main" val="1315485378"/>
+      </p:ext>
+    </p:extLst>
+  </p:cSld>
+  <p:clrMapOvr>
+    <a:masterClrMapping/>
+  </p:clrMapOvr>
+</p:sldLayout>
+</file>
+
 <file path=ppt/slideLayouts/slideLayout2.xml><?xml version="1.0" encoding="utf-8"?>
 <p:sldLayout xmlns:a="http://schemas.openxmlformats.org/drawingml/2006/main" xmlns:r="http://schemas.openxmlformats.org/officeDocument/2006/relationships" xmlns:p="http://schemas.openxmlformats.org/presentationml/2006/main" preserve="1" userDrawn="1">
-  <p:cSld name="Question">
+  <p:cSld name="Sentence">
     <p:spTree>
       <p:nvGrpSpPr>
         <p:cNvPr id="1" name=""/>
@@ -803,7 +2684,7 @@
 
 <file path=ppt/slideLayouts/slideLayout3.xml><?xml version="1.0" encoding="utf-8"?>
 <p:sldLayout xmlns:a="http://schemas.openxmlformats.org/drawingml/2006/main" xmlns:r="http://schemas.openxmlformats.org/officeDocument/2006/relationships" xmlns:p="http://schemas.openxmlformats.org/presentationml/2006/main" preserve="1" userDrawn="1">
-  <p:cSld name="Question with choices">
+  <p:cSld name="Sentence with choices">
     <p:bg>
       <p:bgPr>
         <a:solidFill>
@@ -1734,7 +3615,7 @@
 
 <file path=ppt/slideLayouts/slideLayout4.xml><?xml version="1.0" encoding="utf-8"?>
 <p:sldLayout xmlns:a="http://schemas.openxmlformats.org/drawingml/2006/main" xmlns:r="http://schemas.openxmlformats.org/officeDocument/2006/relationships" xmlns:p="http://schemas.openxmlformats.org/presentationml/2006/main" preserve="1" userDrawn="1">
-  <p:cSld name="Analysis">
+  <p:cSld name="Sentence analysis">
     <p:spTree>
       <p:nvGrpSpPr>
         <p:cNvPr id="1" name=""/>
@@ -2296,7 +4177,7 @@
 
 <file path=ppt/slideLayouts/slideLayout5.xml><?xml version="1.0" encoding="utf-8"?>
 <p:sldLayout xmlns:a="http://schemas.openxmlformats.org/drawingml/2006/main" xmlns:r="http://schemas.openxmlformats.org/officeDocument/2006/relationships" xmlns:p="http://schemas.openxmlformats.org/presentationml/2006/main" preserve="1" userDrawn="1">
-  <p:cSld name="Analysis with choices">
+  <p:cSld name="Sentence analysis with choices">
     <p:bg>
       <p:bgPr>
         <a:solidFill>
@@ -4373,7 +6254,7 @@
           <p:nvPr userDrawn="1"/>
         </p:nvPicPr>
         <p:blipFill>
-          <a:blip r:embed="rId11">
+          <a:blip r:embed="rId13">
             <a:alphaModFix amt="50000"/>
             <a:extLst>
               <a:ext uri="{28A0092B-C50C-407E-A947-70E740481C1C}">
@@ -4414,6 +6295,8 @@
     <p:sldLayoutId id="2147483650" r:id="rId7"/>
     <p:sldLayoutId id="2147483654" r:id="rId8"/>
     <p:sldLayoutId id="2147483655" r:id="rId9"/>
+    <p:sldLayoutId id="2147483662" r:id="rId10"/>
+    <p:sldLayoutId id="2147483665" r:id="rId11"/>
   </p:sldLayoutIdLst>
   <p:txStyles>
     <p:titleStyle>
@@ -4957,4 +6840,265 @@
     </a:ext>
   </a:extLst>
 </a:theme>
+</file>
+
+<file path=ppt/theme/theme2.xml><?xml version="1.0" encoding="utf-8"?>
+<a:theme xmlns:a="http://schemas.openxmlformats.org/drawingml/2006/main" name="Office 主题">
+  <a:themeElements>
+    <a:clrScheme name="Office">
+      <a:dk1>
+        <a:sysClr val="windowText" lastClr="000000"/>
+      </a:dk1>
+      <a:lt1>
+        <a:sysClr val="window" lastClr="FFFFFF"/>
+      </a:lt1>
+      <a:dk2>
+        <a:srgbClr val="44546A"/>
+      </a:dk2>
+      <a:lt2>
+        <a:srgbClr val="E7E6E6"/>
+      </a:lt2>
+      <a:accent1>
+        <a:srgbClr val="4472C4"/>
+      </a:accent1>
+      <a:accent2>
+        <a:srgbClr val="ED7D31"/>
+      </a:accent2>
+      <a:accent3>
+        <a:srgbClr val="A5A5A5"/>
+      </a:accent3>
+      <a:accent4>
+        <a:srgbClr val="FFC000"/>
+      </a:accent4>
+      <a:accent5>
+        <a:srgbClr val="5B9BD5"/>
+      </a:accent5>
+      <a:accent6>
+        <a:srgbClr val="70AD47"/>
+      </a:accent6>
+      <a:hlink>
+        <a:srgbClr val="0563C1"/>
+      </a:hlink>
+      <a:folHlink>
+        <a:srgbClr val="954F72"/>
+      </a:folHlink>
+    </a:clrScheme>
+    <a:fontScheme name="Office">
+      <a:majorFont>
+        <a:latin typeface="DengXian Light" panose="020F0302020204030204"/>
+        <a:ea typeface=""/>
+        <a:cs typeface=""/>
+        <a:font script="Jpan" typeface="Yu Gothic Light"/>
+        <a:font script="Hang" typeface="맑은 고딕"/>
+        <a:font script="Hans" typeface="DengXian Light"/>
+        <a:font script="Hant" typeface="新細明體"/>
+        <a:font script="Arab" typeface="Times New Roman"/>
+        <a:font script="Hebr" typeface="Times New Roman"/>
+        <a:font script="Thai" typeface="Angsana New"/>
+        <a:font script="Ethi" typeface="Nyala"/>
+        <a:font script="Beng" typeface="Vrinda"/>
+        <a:font script="Gujr" typeface="Shruti"/>
+        <a:font script="Khmr" typeface="MoolBoran"/>
+        <a:font script="Knda" typeface="Tunga"/>
+        <a:font script="Guru" typeface="Raavi"/>
+        <a:font script="Cans" typeface="Euphemia"/>
+        <a:font script="Cher" typeface="Plantagenet Cherokee"/>
+        <a:font script="Yiii" typeface="Microsoft Yi Baiti"/>
+        <a:font script="Tibt" typeface="Microsoft Himalaya"/>
+        <a:font script="Thaa" typeface="MV Boli"/>
+        <a:font script="Deva" typeface="Mangal"/>
+        <a:font script="Telu" typeface="Gautami"/>
+        <a:font script="Taml" typeface="Latha"/>
+        <a:font script="Syrc" typeface="Estrangelo Edessa"/>
+        <a:font script="Orya" typeface="Kalinga"/>
+        <a:font script="Mlym" typeface="Kartika"/>
+        <a:font script="Laoo" typeface="DokChampa"/>
+        <a:font script="Sinh" typeface="Iskoola Pota"/>
+        <a:font script="Mong" typeface="Mongolian Baiti"/>
+        <a:font script="Viet" typeface="Times New Roman"/>
+        <a:font script="Uigh" typeface="Microsoft Uighur"/>
+        <a:font script="Geor" typeface="Sylfaen"/>
+      </a:majorFont>
+      <a:minorFont>
+        <a:latin typeface="DengXian" panose="020F0502020204030204"/>
+        <a:ea typeface=""/>
+        <a:cs typeface=""/>
+        <a:font script="Jpan" typeface="Yu Gothic"/>
+        <a:font script="Hang" typeface="맑은 고딕"/>
+        <a:font script="Hans" typeface="DengXian"/>
+        <a:font script="Hant" typeface="新細明體"/>
+        <a:font script="Arab" typeface="Arial"/>
+        <a:font script="Hebr" typeface="Arial"/>
+        <a:font script="Thai" typeface="Cordia New"/>
+        <a:font script="Ethi" typeface="Nyala"/>
+        <a:font script="Beng" typeface="Vrinda"/>
+        <a:font script="Gujr" typeface="Shruti"/>
+        <a:font script="Khmr" typeface="DaunPenh"/>
+        <a:font script="Knda" typeface="Tunga"/>
+        <a:font script="Guru" typeface="Raavi"/>
+        <a:font script="Cans" typeface="Euphemia"/>
+        <a:font script="Cher" typeface="Plantagenet Cherokee"/>
+        <a:font script="Yiii" typeface="Microsoft Yi Baiti"/>
+        <a:font script="Tibt" typeface="Microsoft Himalaya"/>
+        <a:font script="Thaa" typeface="MV Boli"/>
+        <a:font script="Deva" typeface="Mangal"/>
+        <a:font script="Telu" typeface="Gautami"/>
+        <a:font script="Taml" typeface="Latha"/>
+        <a:font script="Syrc" typeface="Estrangelo Edessa"/>
+        <a:font script="Orya" typeface="Kalinga"/>
+        <a:font script="Mlym" typeface="Kartika"/>
+        <a:font script="Laoo" typeface="DokChampa"/>
+        <a:font script="Sinh" typeface="Iskoola Pota"/>
+        <a:font script="Mong" typeface="Mongolian Baiti"/>
+        <a:font script="Viet" typeface="Arial"/>
+        <a:font script="Uigh" typeface="Microsoft Uighur"/>
+        <a:font script="Geor" typeface="Sylfaen"/>
+      </a:minorFont>
+    </a:fontScheme>
+    <a:fmtScheme name="Office">
+      <a:fillStyleLst>
+        <a:solidFill>
+          <a:schemeClr val="phClr"/>
+        </a:solidFill>
+        <a:gradFill rotWithShape="1">
+          <a:gsLst>
+            <a:gs pos="0">
+              <a:schemeClr val="phClr">
+                <a:lumMod val="110000"/>
+                <a:satMod val="105000"/>
+                <a:tint val="67000"/>
+              </a:schemeClr>
+            </a:gs>
+            <a:gs pos="50000">
+              <a:schemeClr val="phClr">
+                <a:lumMod val="105000"/>
+                <a:satMod val="103000"/>
+                <a:tint val="73000"/>
+              </a:schemeClr>
+            </a:gs>
+            <a:gs pos="100000">
+              <a:schemeClr val="phClr">
+                <a:lumMod val="105000"/>
+                <a:satMod val="109000"/>
+                <a:tint val="81000"/>
+              </a:schemeClr>
+            </a:gs>
+          </a:gsLst>
+          <a:lin ang="5400000" scaled="0"/>
+        </a:gradFill>
+        <a:gradFill rotWithShape="1">
+          <a:gsLst>
+            <a:gs pos="0">
+              <a:schemeClr val="phClr">
+                <a:satMod val="103000"/>
+                <a:lumMod val="102000"/>
+                <a:tint val="94000"/>
+              </a:schemeClr>
+            </a:gs>
+            <a:gs pos="50000">
+              <a:schemeClr val="phClr">
+                <a:satMod val="110000"/>
+                <a:lumMod val="100000"/>
+                <a:shade val="100000"/>
+              </a:schemeClr>
+            </a:gs>
+            <a:gs pos="100000">
+              <a:schemeClr val="phClr">
+                <a:lumMod val="99000"/>
+                <a:satMod val="120000"/>
+                <a:shade val="78000"/>
+              </a:schemeClr>
+            </a:gs>
+          </a:gsLst>
+          <a:lin ang="5400000" scaled="0"/>
+        </a:gradFill>
+      </a:fillStyleLst>
+      <a:lnStyleLst>
+        <a:ln w="6350" cap="flat" cmpd="sng" algn="ctr">
+          <a:solidFill>
+            <a:schemeClr val="phClr"/>
+          </a:solidFill>
+          <a:prstDash val="solid"/>
+          <a:miter lim="800000"/>
+        </a:ln>
+        <a:ln w="12700" cap="flat" cmpd="sng" algn="ctr">
+          <a:solidFill>
+            <a:schemeClr val="phClr"/>
+          </a:solidFill>
+          <a:prstDash val="solid"/>
+          <a:miter lim="800000"/>
+        </a:ln>
+        <a:ln w="19050" cap="flat" cmpd="sng" algn="ctr">
+          <a:solidFill>
+            <a:schemeClr val="phClr"/>
+          </a:solidFill>
+          <a:prstDash val="solid"/>
+          <a:miter lim="800000"/>
+        </a:ln>
+      </a:lnStyleLst>
+      <a:effectStyleLst>
+        <a:effectStyle>
+          <a:effectLst/>
+        </a:effectStyle>
+        <a:effectStyle>
+          <a:effectLst/>
+        </a:effectStyle>
+        <a:effectStyle>
+          <a:effectLst>
+            <a:outerShdw blurRad="57150" dist="19050" dir="5400000" algn="ctr" rotWithShape="0">
+              <a:srgbClr val="000000">
+                <a:alpha val="63000"/>
+              </a:srgbClr>
+            </a:outerShdw>
+          </a:effectLst>
+        </a:effectStyle>
+      </a:effectStyleLst>
+      <a:bgFillStyleLst>
+        <a:solidFill>
+          <a:schemeClr val="phClr"/>
+        </a:solidFill>
+        <a:solidFill>
+          <a:schemeClr val="phClr">
+            <a:tint val="95000"/>
+            <a:satMod val="170000"/>
+          </a:schemeClr>
+        </a:solidFill>
+        <a:gradFill rotWithShape="1">
+          <a:gsLst>
+            <a:gs pos="0">
+              <a:schemeClr val="phClr">
+                <a:tint val="93000"/>
+                <a:satMod val="150000"/>
+                <a:shade val="98000"/>
+                <a:lumMod val="102000"/>
+              </a:schemeClr>
+            </a:gs>
+            <a:gs pos="50000">
+              <a:schemeClr val="phClr">
+                <a:tint val="98000"/>
+                <a:satMod val="130000"/>
+                <a:shade val="90000"/>
+                <a:lumMod val="103000"/>
+              </a:schemeClr>
+            </a:gs>
+            <a:gs pos="100000">
+              <a:schemeClr val="phClr">
+                <a:shade val="63000"/>
+                <a:satMod val="120000"/>
+              </a:schemeClr>
+            </a:gs>
+          </a:gsLst>
+          <a:lin ang="5400000" scaled="0"/>
+        </a:gradFill>
+      </a:bgFillStyleLst>
+    </a:fmtScheme>
+  </a:themeElements>
+  <a:objectDefaults/>
+  <a:extraClrSchemeLst/>
+  <a:extLst>
+    <a:ext uri="{05A4C25C-085E-4340-85A3-A5531E510DB2}">
+      <thm15:themeFamily xmlns:thm15="http://schemas.microsoft.com/office/thememl/2012/main" name="Office Theme" id="{62F939B6-93AF-4DB8-9C6B-D6C7DFDC589F}" vid="{4A3C46E8-61CC-4603-A589-7422A47A8E4A}"/>
+    </a:ext>
+  </a:extLst>
+</a:theme>
 </file>
--- a/exam2pptvideo/en/templates/exam_english_classic.pptx
+++ b/exam2pptvideo/en/templates/exam_english_classic.pptx
@@ -194,7 +194,7 @@
           <a:p>
             <a:fld id="{607E70D1-CD79-114F-AEE0-C37A9C943139}" type="datetimeFigureOut">
               <a:rPr kumimoji="1" lang="zh-CN" altLang="en-US" smtClean="0"/>
-              <a:t>2021/6/2</a:t>
+              <a:t>2021/6/13</a:t>
             </a:fld>
             <a:endParaRPr kumimoji="1" lang="zh-CN" altLang="en-US"/>
           </a:p>
@@ -1202,8 +1202,8 @@
         </p:nvSpPr>
         <p:spPr>
           <a:xfrm>
-            <a:off x="4872000" y="716076"/>
-            <a:ext cx="2448000" cy="403200"/>
+            <a:off x="6297887" y="738313"/>
+            <a:ext cx="1316242" cy="403200"/>
           </a:xfrm>
           <a:prstGeom prst="rect">
             <a:avLst/>
@@ -1212,7 +1212,7 @@
         <p:txBody>
           <a:bodyPr anchor="ctr"/>
           <a:lstStyle>
-            <a:lvl1pPr marL="0" indent="0" algn="ctr">
+            <a:lvl1pPr marL="0" indent="0" algn="l">
               <a:buFontTx/>
               <a:buNone/>
               <a:defRPr sz="2000">
@@ -1276,11 +1276,7 @@
           <a:p>
             <a:pPr lvl="0"/>
             <a:r>
-              <a:rPr kumimoji="1" lang="zh-CN" altLang="en-US" dirty="0" smtClean="0"/>
-              <a:t>正确解答：</a:t>
-            </a:r>
-            <a:r>
-              <a:rPr kumimoji="1" lang="en-US" altLang="zh-CN" dirty="0" smtClean="0"/>
+              <a:rPr kumimoji="1" lang="en-US" altLang="zh-CN" smtClean="0"/>
               <a:t>A</a:t>
             </a:r>
             <a:endParaRPr kumimoji="1" lang="zh-CN" altLang="en-US" dirty="0"/>
@@ -1695,7 +1691,7 @@
           <p:cNvPr id="16" name="文本框 6">
             <a:extLst>
               <a:ext uri="{FF2B5EF4-FFF2-40B4-BE49-F238E27FC236}">
-                <a16:creationId xmlns="" xmlns:a16="http://schemas.microsoft.com/office/drawing/2014/main" id="{5D38C703-0535-2649-B4A0-B8F05CF7B2C5}"/>
+                <a16:creationId xmlns:a16="http://schemas.microsoft.com/office/drawing/2014/main" xmlns="" id="{5D38C703-0535-2649-B4A0-B8F05CF7B2C5}"/>
               </a:ext>
             </a:extLst>
           </p:cNvPr>
@@ -1745,7 +1741,7 @@
           <p:cNvPr id="17" name="文本框 16">
             <a:extLst>
               <a:ext uri="{FF2B5EF4-FFF2-40B4-BE49-F238E27FC236}">
-                <a16:creationId xmlns="" xmlns:a16="http://schemas.microsoft.com/office/drawing/2014/main" id="{65E5CD98-D6C1-1848-86A2-A50598B55139}"/>
+                <a16:creationId xmlns:a16="http://schemas.microsoft.com/office/drawing/2014/main" xmlns="" id="{65E5CD98-D6C1-1848-86A2-A50598B55139}"/>
               </a:ext>
             </a:extLst>
           </p:cNvPr>
@@ -1795,7 +1791,7 @@
           <p:cNvPr id="18" name="文本框 6">
             <a:extLst>
               <a:ext uri="{FF2B5EF4-FFF2-40B4-BE49-F238E27FC236}">
-                <a16:creationId xmlns="" xmlns:a16="http://schemas.microsoft.com/office/drawing/2014/main" id="{5F9E940D-7090-E94B-8B49-5CA1D127071A}"/>
+                <a16:creationId xmlns:a16="http://schemas.microsoft.com/office/drawing/2014/main" xmlns="" id="{5F9E940D-7090-E94B-8B49-5CA1D127071A}"/>
               </a:ext>
             </a:extLst>
           </p:cNvPr>
@@ -1845,7 +1841,7 @@
           <p:cNvPr id="19" name="文本框 6">
             <a:extLst>
               <a:ext uri="{FF2B5EF4-FFF2-40B4-BE49-F238E27FC236}">
-                <a16:creationId xmlns="" xmlns:a16="http://schemas.microsoft.com/office/drawing/2014/main" id="{BB9196A1-74E2-5046-99D0-EB0B468753EC}"/>
+                <a16:creationId xmlns:a16="http://schemas.microsoft.com/office/drawing/2014/main" xmlns="" id="{BB9196A1-74E2-5046-99D0-EB0B468753EC}"/>
               </a:ext>
             </a:extLst>
           </p:cNvPr>
@@ -1914,9 +1910,21 @@
             <a:noAutofit/>
           </a:bodyPr>
           <a:lstStyle>
-            <a:lvl1pPr marL="0" indent="0" algn="l">
-              <a:buFontTx/>
-              <a:buNone/>
+            <a:lvl1pPr marL="0" marR="0" indent="0" algn="l" defTabSz="914400" rtl="0" eaLnBrk="1" fontAlgn="auto" latinLnBrk="0" hangingPunct="1">
+              <a:lnSpc>
+                <a:spcPct val="90000"/>
+              </a:lnSpc>
+              <a:spcBef>
+                <a:spcPts val="1000"/>
+              </a:spcBef>
+              <a:spcAft>
+                <a:spcPts val="0"/>
+              </a:spcAft>
+              <a:buClrTx/>
+              <a:buSzTx/>
+              <a:buFontTx/>
+              <a:buNone/>
+              <a:tabLst/>
               <a:defRPr sz="2000" baseline="0">
                 <a:solidFill>
                   <a:srgbClr val="ECFAFF"/>
@@ -1976,7 +1984,23 @@
             </a:lvl5pPr>
           </a:lstStyle>
           <a:p>
-            <a:pPr lvl="0"/>
+            <a:pPr marL="0" marR="0" lvl="0" indent="0" algn="l" defTabSz="914400" rtl="0" eaLnBrk="1" fontAlgn="auto" latinLnBrk="0" hangingPunct="1">
+              <a:lnSpc>
+                <a:spcPct val="90000"/>
+              </a:lnSpc>
+              <a:spcBef>
+                <a:spcPts val="1000"/>
+              </a:spcBef>
+              <a:spcAft>
+                <a:spcPts val="0"/>
+              </a:spcAft>
+              <a:buClrTx/>
+              <a:buSzTx/>
+              <a:buFontTx/>
+              <a:buNone/>
+              <a:tabLst/>
+              <a:defRPr/>
+            </a:pPr>
             <a:r>
               <a:rPr kumimoji="1" lang="en-US" altLang="zh-CN" dirty="0" smtClean="0"/>
               <a:t>Choice</a:t>
@@ -1989,7 +2013,18 @@
               <a:rPr kumimoji="1" lang="en-US" altLang="zh-CN" dirty="0" smtClean="0"/>
               <a:t>A</a:t>
             </a:r>
-            <a:endParaRPr kumimoji="1" lang="zh-CN" altLang="en-US" dirty="0"/>
+            <a:r>
+              <a:rPr kumimoji="1" lang="zh-CN" altLang="en-US" dirty="0" smtClean="0"/>
+              <a:t> </a:t>
+            </a:r>
+            <a:r>
+              <a:rPr kumimoji="1" lang="en-US" altLang="zh-CN" dirty="0" smtClean="0"/>
+              <a:t>+</a:t>
+            </a:r>
+            <a:r>
+              <a:rPr kumimoji="1" lang="zh-CN" altLang="en-US" dirty="0" smtClean="0"/>
+              <a:t> 释义</a:t>
+            </a:r>
           </a:p>
         </p:txBody>
       </p:sp>
@@ -2017,9 +2052,21 @@
             <a:noAutofit/>
           </a:bodyPr>
           <a:lstStyle>
-            <a:lvl1pPr marL="0" indent="0" algn="l">
-              <a:buFontTx/>
-              <a:buNone/>
+            <a:lvl1pPr marL="0" marR="0" indent="0" algn="l" defTabSz="914400" rtl="0" eaLnBrk="1" fontAlgn="auto" latinLnBrk="0" hangingPunct="1">
+              <a:lnSpc>
+                <a:spcPct val="90000"/>
+              </a:lnSpc>
+              <a:spcBef>
+                <a:spcPts val="1000"/>
+              </a:spcBef>
+              <a:spcAft>
+                <a:spcPts val="0"/>
+              </a:spcAft>
+              <a:buClrTx/>
+              <a:buSzTx/>
+              <a:buFontTx/>
+              <a:buNone/>
+              <a:tabLst/>
               <a:defRPr sz="2000" baseline="0">
                 <a:solidFill>
                   <a:srgbClr val="ECFAFF"/>
@@ -2079,7 +2126,23 @@
             </a:lvl5pPr>
           </a:lstStyle>
           <a:p>
-            <a:pPr lvl="0"/>
+            <a:pPr marL="0" marR="0" lvl="0" indent="0" algn="l" defTabSz="914400" rtl="0" eaLnBrk="1" fontAlgn="auto" latinLnBrk="0" hangingPunct="1">
+              <a:lnSpc>
+                <a:spcPct val="90000"/>
+              </a:lnSpc>
+              <a:spcBef>
+                <a:spcPts val="1000"/>
+              </a:spcBef>
+              <a:spcAft>
+                <a:spcPts val="0"/>
+              </a:spcAft>
+              <a:buClrTx/>
+              <a:buSzTx/>
+              <a:buFontTx/>
+              <a:buNone/>
+              <a:tabLst/>
+              <a:defRPr/>
+            </a:pPr>
             <a:r>
               <a:rPr kumimoji="1" lang="en-US" altLang="zh-CN" dirty="0" smtClean="0"/>
               <a:t>Choice</a:t>
@@ -2092,7 +2155,18 @@
               <a:rPr kumimoji="1" lang="en-US" altLang="zh-CN" dirty="0" smtClean="0"/>
               <a:t>B</a:t>
             </a:r>
-            <a:endParaRPr kumimoji="1" lang="zh-CN" altLang="en-US" dirty="0"/>
+            <a:r>
+              <a:rPr kumimoji="1" lang="zh-CN" altLang="en-US" dirty="0" smtClean="0"/>
+              <a:t> </a:t>
+            </a:r>
+            <a:r>
+              <a:rPr kumimoji="1" lang="en-US" altLang="zh-CN" dirty="0" smtClean="0"/>
+              <a:t>+</a:t>
+            </a:r>
+            <a:r>
+              <a:rPr kumimoji="1" lang="zh-CN" altLang="en-US" dirty="0" smtClean="0"/>
+              <a:t> 释义</a:t>
+            </a:r>
           </a:p>
         </p:txBody>
       </p:sp>
@@ -2120,9 +2194,21 @@
             <a:noAutofit/>
           </a:bodyPr>
           <a:lstStyle>
-            <a:lvl1pPr marL="0" indent="0" algn="l">
-              <a:buFontTx/>
-              <a:buNone/>
+            <a:lvl1pPr marL="0" marR="0" indent="0" algn="l" defTabSz="914400" rtl="0" eaLnBrk="1" fontAlgn="auto" latinLnBrk="0" hangingPunct="1">
+              <a:lnSpc>
+                <a:spcPct val="90000"/>
+              </a:lnSpc>
+              <a:spcBef>
+                <a:spcPts val="1000"/>
+              </a:spcBef>
+              <a:spcAft>
+                <a:spcPts val="0"/>
+              </a:spcAft>
+              <a:buClrTx/>
+              <a:buSzTx/>
+              <a:buFontTx/>
+              <a:buNone/>
+              <a:tabLst/>
               <a:defRPr sz="2000" baseline="0">
                 <a:solidFill>
                   <a:srgbClr val="ECFAFF"/>
@@ -2182,7 +2268,23 @@
             </a:lvl5pPr>
           </a:lstStyle>
           <a:p>
-            <a:pPr lvl="0"/>
+            <a:pPr marL="0" marR="0" lvl="0" indent="0" algn="l" defTabSz="914400" rtl="0" eaLnBrk="1" fontAlgn="auto" latinLnBrk="0" hangingPunct="1">
+              <a:lnSpc>
+                <a:spcPct val="90000"/>
+              </a:lnSpc>
+              <a:spcBef>
+                <a:spcPts val="1000"/>
+              </a:spcBef>
+              <a:spcAft>
+                <a:spcPts val="0"/>
+              </a:spcAft>
+              <a:buClrTx/>
+              <a:buSzTx/>
+              <a:buFontTx/>
+              <a:buNone/>
+              <a:tabLst/>
+              <a:defRPr/>
+            </a:pPr>
             <a:r>
               <a:rPr kumimoji="1" lang="en-US" altLang="zh-CN" dirty="0" smtClean="0"/>
               <a:t>Choice</a:t>
@@ -2195,7 +2297,18 @@
               <a:rPr kumimoji="1" lang="en-US" altLang="zh-CN" dirty="0" smtClean="0"/>
               <a:t>C</a:t>
             </a:r>
-            <a:endParaRPr kumimoji="1" lang="zh-CN" altLang="en-US" dirty="0"/>
+            <a:r>
+              <a:rPr kumimoji="1" lang="zh-CN" altLang="en-US" dirty="0" smtClean="0"/>
+              <a:t> </a:t>
+            </a:r>
+            <a:r>
+              <a:rPr kumimoji="1" lang="en-US" altLang="zh-CN" dirty="0" smtClean="0"/>
+              <a:t>+</a:t>
+            </a:r>
+            <a:r>
+              <a:rPr kumimoji="1" lang="zh-CN" altLang="en-US" dirty="0" smtClean="0"/>
+              <a:t> 释义</a:t>
+            </a:r>
           </a:p>
         </p:txBody>
       </p:sp>
@@ -2223,9 +2336,21 @@
             <a:noAutofit/>
           </a:bodyPr>
           <a:lstStyle>
-            <a:lvl1pPr marL="0" indent="0" algn="l">
-              <a:buFontTx/>
-              <a:buNone/>
+            <a:lvl1pPr marL="0" marR="0" indent="0" algn="l" defTabSz="914400" rtl="0" eaLnBrk="1" fontAlgn="auto" latinLnBrk="0" hangingPunct="1">
+              <a:lnSpc>
+                <a:spcPct val="90000"/>
+              </a:lnSpc>
+              <a:spcBef>
+                <a:spcPts val="1000"/>
+              </a:spcBef>
+              <a:spcAft>
+                <a:spcPts val="0"/>
+              </a:spcAft>
+              <a:buClrTx/>
+              <a:buSzTx/>
+              <a:buFontTx/>
+              <a:buNone/>
+              <a:tabLst/>
               <a:defRPr sz="2000" baseline="0">
                 <a:solidFill>
                   <a:srgbClr val="ECFAFF"/>
@@ -2285,7 +2410,23 @@
             </a:lvl5pPr>
           </a:lstStyle>
           <a:p>
-            <a:pPr lvl="0"/>
+            <a:pPr marL="0" marR="0" lvl="0" indent="0" algn="l" defTabSz="914400" rtl="0" eaLnBrk="1" fontAlgn="auto" latinLnBrk="0" hangingPunct="1">
+              <a:lnSpc>
+                <a:spcPct val="90000"/>
+              </a:lnSpc>
+              <a:spcBef>
+                <a:spcPts val="1000"/>
+              </a:spcBef>
+              <a:spcAft>
+                <a:spcPts val="0"/>
+              </a:spcAft>
+              <a:buClrTx/>
+              <a:buSzTx/>
+              <a:buFontTx/>
+              <a:buNone/>
+              <a:tabLst/>
+              <a:defRPr/>
+            </a:pPr>
             <a:r>
               <a:rPr kumimoji="1" lang="en-US" altLang="zh-CN" dirty="0" smtClean="0"/>
               <a:t>Choice</a:t>
@@ -2298,7 +2439,85 @@
               <a:rPr kumimoji="1" lang="en-US" altLang="zh-CN" dirty="0" smtClean="0"/>
               <a:t>D</a:t>
             </a:r>
-            <a:endParaRPr kumimoji="1" lang="zh-CN" altLang="en-US" dirty="0"/>
+            <a:r>
+              <a:rPr kumimoji="1" lang="zh-CN" altLang="en-US" dirty="0" smtClean="0"/>
+              <a:t> </a:t>
+            </a:r>
+            <a:r>
+              <a:rPr kumimoji="1" lang="en-US" altLang="zh-CN" dirty="0" smtClean="0"/>
+              <a:t>+</a:t>
+            </a:r>
+            <a:r>
+              <a:rPr kumimoji="1" lang="zh-CN" altLang="en-US" smtClean="0"/>
+              <a:t> 释义</a:t>
+            </a:r>
+          </a:p>
+        </p:txBody>
+      </p:sp>
+      <p:sp>
+        <p:nvSpPr>
+          <p:cNvPr id="20" name="文本框 19"/>
+          <p:cNvSpPr txBox="1"/>
+          <p:nvPr userDrawn="1"/>
+        </p:nvSpPr>
+        <p:spPr>
+          <a:xfrm>
+            <a:off x="5048572" y="739858"/>
+            <a:ext cx="1722618" cy="400110"/>
+          </a:xfrm>
+          <a:prstGeom prst="rect">
+            <a:avLst/>
+          </a:prstGeom>
+          <a:noFill/>
+        </p:spPr>
+        <p:txBody>
+          <a:bodyPr wrap="square" rtlCol="0" anchor="ctr">
+            <a:spAutoFit/>
+          </a:bodyPr>
+          <a:lstStyle/>
+          <a:p>
+            <a:pPr marL="0" marR="0" indent="0" algn="l" defTabSz="914400" rtl="0" eaLnBrk="1" fontAlgn="auto" latinLnBrk="0" hangingPunct="1">
+              <a:lnSpc>
+                <a:spcPct val="100000"/>
+              </a:lnSpc>
+              <a:spcBef>
+                <a:spcPts val="0"/>
+              </a:spcBef>
+              <a:spcAft>
+                <a:spcPts val="0"/>
+              </a:spcAft>
+              <a:buClrTx/>
+              <a:buSzTx/>
+              <a:buFontTx/>
+              <a:buNone/>
+              <a:tabLst/>
+              <a:defRPr/>
+            </a:pPr>
+            <a:r>
+              <a:rPr kumimoji="1" lang="zh-CN" altLang="en-US" sz="2000" b="0" i="0" u="none" strike="noStrike" kern="1200" cap="none" spc="0" normalizeH="0" baseline="0" noProof="0" dirty="0" smtClean="0">
+                <a:ln>
+                  <a:noFill/>
+                </a:ln>
+                <a:solidFill>
+                  <a:srgbClr val="ECFAFF"/>
+                </a:solidFill>
+                <a:effectLst/>
+                <a:uLnTx/>
+                <a:uFillTx/>
+                <a:latin typeface="PingFang SC" charset="-122"/>
+                <a:ea typeface="PingFang SC" charset="-122"/>
+                <a:cs typeface="PingFang SC" charset="-122"/>
+              </a:rPr>
+              <a:t>正确解答：</a:t>
+            </a:r>
+            <a:endParaRPr kumimoji="1" lang="zh-CN" altLang="en-US" sz="2000" dirty="0">
+              <a:solidFill>
+                <a:srgbClr val="ECFAFF"/>
+              </a:solidFill>
+              <a:latin typeface="PingFang SC" charset="-122"/>
+              <a:ea typeface="PingFang SC" charset="-122"/>
+              <a:cs typeface="PingFang SC" charset="-122"/>
+            </a:endParaRPr>
           </a:p>
         </p:txBody>
       </p:sp>
@@ -2306,6 +2525,2638 @@
     <p:extLst>
       <p:ext uri="{BB962C8B-B14F-4D97-AF65-F5344CB8AC3E}">
         <p14:creationId xmlns:p14="http://schemas.microsoft.com/office/powerpoint/2010/main" val="1315485378"/>
+      </p:ext>
+    </p:extLst>
+  </p:cSld>
+  <p:clrMapOvr>
+    <a:masterClrMapping/>
+  </p:clrMapOvr>
+</p:sldLayout>
+</file>
+
+<file path=ppt/slideLayouts/slideLayout12.xml><?xml version="1.0" encoding="utf-8"?>
+<p:sldLayout xmlns:a="http://schemas.openxmlformats.org/drawingml/2006/main" xmlns:r="http://schemas.openxmlformats.org/officeDocument/2006/relationships" xmlns:p="http://schemas.openxmlformats.org/presentationml/2006/main" preserve="1" userDrawn="1">
+  <p:cSld name="VocabPhrase with choices">
+    <p:spTree>
+      <p:nvGrpSpPr>
+        <p:cNvPr id="1" name=""/>
+        <p:cNvGrpSpPr/>
+        <p:nvPr/>
+      </p:nvGrpSpPr>
+      <p:grpSpPr>
+        <a:xfrm>
+          <a:off x="0" y="0"/>
+          <a:ext cx="0" cy="0"/>
+          <a:chOff x="0" y="0"/>
+          <a:chExt cx="0" cy="0"/>
+        </a:xfrm>
+      </p:grpSpPr>
+      <p:sp>
+        <p:nvSpPr>
+          <p:cNvPr id="3" name="文本占位符 2"/>
+          <p:cNvSpPr>
+            <a:spLocks noGrp="1"/>
+          </p:cNvSpPr>
+          <p:nvPr>
+            <p:ph type="body" sz="quarter" idx="10" hasCustomPrompt="1"/>
+          </p:nvPr>
+        </p:nvSpPr>
+        <p:spPr>
+          <a:xfrm>
+            <a:off x="531758" y="680672"/>
+            <a:ext cx="1728000" cy="518482"/>
+          </a:xfrm>
+          <a:prstGeom prst="rect">
+            <a:avLst/>
+          </a:prstGeom>
+        </p:spPr>
+        <p:txBody>
+          <a:bodyPr/>
+          <a:lstStyle>
+            <a:lvl1pPr marL="0" indent="0">
+              <a:buFontTx/>
+              <a:buNone/>
+              <a:defRPr sz="3200" b="0" i="0">
+                <a:solidFill>
+                  <a:srgbClr val="ECFAFF">
+                    <a:alpha val="50000"/>
+                  </a:srgbClr>
+                </a:solidFill>
+                <a:latin typeface="Helvetica Neue Medium" charset="0"/>
+                <a:ea typeface="Helvetica Neue Medium" charset="0"/>
+                <a:cs typeface="Helvetica Neue Medium" charset="0"/>
+              </a:defRPr>
+            </a:lvl1pPr>
+          </a:lstStyle>
+          <a:p>
+            <a:pPr marL="228600" marR="0" lvl="0" indent="-228600" algn="l" defTabSz="914400" rtl="0" eaLnBrk="1" fontAlgn="auto" latinLnBrk="0" hangingPunct="1">
+              <a:lnSpc>
+                <a:spcPct val="90000"/>
+              </a:lnSpc>
+              <a:spcBef>
+                <a:spcPts val="1000"/>
+              </a:spcBef>
+              <a:spcAft>
+                <a:spcPts val="0"/>
+              </a:spcAft>
+              <a:buClrTx/>
+              <a:buSzTx/>
+              <a:buFont typeface="Arial"/>
+              <a:buNone/>
+              <a:tabLst/>
+              <a:defRPr/>
+            </a:pPr>
+            <a:r>
+              <a:rPr kumimoji="1" lang="en-US" altLang="zh-CN" dirty="0" smtClean="0"/>
+              <a:t>Q.1</a:t>
+            </a:r>
+            <a:endParaRPr kumimoji="1" lang="zh-CN" altLang="en-US" dirty="0"/>
+          </a:p>
+        </p:txBody>
+      </p:sp>
+      <p:sp>
+        <p:nvSpPr>
+          <p:cNvPr id="4" name="文本占位符 4"/>
+          <p:cNvSpPr>
+            <a:spLocks noGrp="1"/>
+          </p:cNvSpPr>
+          <p:nvPr>
+            <p:ph type="body" sz="quarter" idx="11" hasCustomPrompt="1"/>
+          </p:nvPr>
+        </p:nvSpPr>
+        <p:spPr>
+          <a:xfrm>
+            <a:off x="531758" y="1199154"/>
+            <a:ext cx="11128486" cy="1800000"/>
+          </a:xfrm>
+          <a:prstGeom prst="rect">
+            <a:avLst/>
+          </a:prstGeom>
+        </p:spPr>
+        <p:txBody>
+          <a:bodyPr anchor="ctr" anchorCtr="0">
+            <a:normAutofit/>
+          </a:bodyPr>
+          <a:lstStyle>
+            <a:lvl1pPr marL="0" indent="0" algn="ctr">
+              <a:lnSpc>
+                <a:spcPct val="120000"/>
+              </a:lnSpc>
+              <a:buFontTx/>
+              <a:buNone/>
+              <a:defRPr sz="6000">
+                <a:solidFill>
+                  <a:srgbClr val="ECFAFF"/>
+                </a:solidFill>
+                <a:latin typeface="PingFang SC" charset="-122"/>
+                <a:ea typeface="PingFang SC" charset="-122"/>
+                <a:cs typeface="PingFang SC" charset="-122"/>
+              </a:defRPr>
+            </a:lvl1pPr>
+            <a:lvl2pPr marL="457200" indent="0" algn="ctr">
+              <a:lnSpc>
+                <a:spcPct val="120000"/>
+              </a:lnSpc>
+              <a:buFontTx/>
+              <a:buNone/>
+              <a:defRPr>
+                <a:solidFill>
+                  <a:srgbClr val="ECFAFF"/>
+                </a:solidFill>
+                <a:latin typeface="PingFang SC" charset="-122"/>
+                <a:ea typeface="PingFang SC" charset="-122"/>
+                <a:cs typeface="PingFang SC" charset="-122"/>
+              </a:defRPr>
+            </a:lvl2pPr>
+            <a:lvl3pPr marL="914400" indent="0" algn="ctr">
+              <a:lnSpc>
+                <a:spcPct val="120000"/>
+              </a:lnSpc>
+              <a:buFontTx/>
+              <a:buNone/>
+              <a:defRPr>
+                <a:solidFill>
+                  <a:srgbClr val="ECFAFF"/>
+                </a:solidFill>
+                <a:latin typeface="PingFang SC" charset="-122"/>
+                <a:ea typeface="PingFang SC" charset="-122"/>
+                <a:cs typeface="PingFang SC" charset="-122"/>
+              </a:defRPr>
+            </a:lvl3pPr>
+            <a:lvl4pPr marL="1371600" indent="0" algn="ctr">
+              <a:lnSpc>
+                <a:spcPct val="120000"/>
+              </a:lnSpc>
+              <a:buFontTx/>
+              <a:buNone/>
+              <a:defRPr>
+                <a:solidFill>
+                  <a:srgbClr val="ECFAFF"/>
+                </a:solidFill>
+                <a:latin typeface="PingFang SC" charset="-122"/>
+                <a:ea typeface="PingFang SC" charset="-122"/>
+                <a:cs typeface="PingFang SC" charset="-122"/>
+              </a:defRPr>
+            </a:lvl4pPr>
+            <a:lvl5pPr marL="1828800" indent="0" algn="ctr">
+              <a:lnSpc>
+                <a:spcPct val="120000"/>
+              </a:lnSpc>
+              <a:buFontTx/>
+              <a:buNone/>
+              <a:defRPr>
+                <a:solidFill>
+                  <a:srgbClr val="ECFAFF"/>
+                </a:solidFill>
+                <a:latin typeface="PingFang SC" charset="-122"/>
+                <a:ea typeface="PingFang SC" charset="-122"/>
+                <a:cs typeface="PingFang SC" charset="-122"/>
+              </a:defRPr>
+            </a:lvl5pPr>
+          </a:lstStyle>
+          <a:p>
+            <a:pPr lvl="0"/>
+            <a:r>
+              <a:rPr kumimoji="1" lang="zh-CN" altLang="en-US" dirty="0" smtClean="0"/>
+              <a:t>球</a:t>
+            </a:r>
+            <a:endParaRPr kumimoji="1" lang="zh-CN" altLang="en-US" dirty="0"/>
+          </a:p>
+        </p:txBody>
+      </p:sp>
+      <p:sp>
+        <p:nvSpPr>
+          <p:cNvPr id="5" name="文本占位符 13"/>
+          <p:cNvSpPr>
+            <a:spLocks noGrp="1"/>
+          </p:cNvSpPr>
+          <p:nvPr>
+            <p:ph type="body" sz="quarter" idx="12" hasCustomPrompt="1"/>
+          </p:nvPr>
+        </p:nvSpPr>
+        <p:spPr>
+          <a:xfrm>
+            <a:off x="531758" y="3161241"/>
+            <a:ext cx="11128484" cy="496359"/>
+          </a:xfrm>
+          <a:prstGeom prst="rect">
+            <a:avLst/>
+          </a:prstGeom>
+        </p:spPr>
+        <p:txBody>
+          <a:bodyPr anchor="ctr" anchorCtr="0"/>
+          <a:lstStyle>
+            <a:lvl1pPr marL="0" indent="0" algn="ctr">
+              <a:lnSpc>
+                <a:spcPct val="120000"/>
+              </a:lnSpc>
+              <a:buFontTx/>
+              <a:buNone/>
+              <a:defRPr sz="2000">
+                <a:solidFill>
+                  <a:schemeClr val="bg1"/>
+                </a:solidFill>
+                <a:latin typeface="PingFang SC" charset="-122"/>
+                <a:ea typeface="PingFang SC" charset="-122"/>
+                <a:cs typeface="PingFang SC" charset="-122"/>
+              </a:defRPr>
+            </a:lvl1pPr>
+            <a:lvl2pPr marL="457200" indent="0" algn="ctr">
+              <a:lnSpc>
+                <a:spcPct val="120000"/>
+              </a:lnSpc>
+              <a:buFontTx/>
+              <a:buNone/>
+              <a:defRPr>
+                <a:solidFill>
+                  <a:srgbClr val="ECFAFF"/>
+                </a:solidFill>
+                <a:latin typeface="PingFang SC" charset="-122"/>
+                <a:ea typeface="PingFang SC" charset="-122"/>
+                <a:cs typeface="PingFang SC" charset="-122"/>
+              </a:defRPr>
+            </a:lvl2pPr>
+            <a:lvl3pPr marL="914400" indent="0" algn="ctr">
+              <a:lnSpc>
+                <a:spcPct val="120000"/>
+              </a:lnSpc>
+              <a:buFontTx/>
+              <a:buNone/>
+              <a:defRPr>
+                <a:solidFill>
+                  <a:srgbClr val="ECFAFF"/>
+                </a:solidFill>
+                <a:latin typeface="PingFang SC" charset="-122"/>
+                <a:ea typeface="PingFang SC" charset="-122"/>
+                <a:cs typeface="PingFang SC" charset="-122"/>
+              </a:defRPr>
+            </a:lvl3pPr>
+            <a:lvl4pPr marL="1371600" indent="0" algn="ctr">
+              <a:lnSpc>
+                <a:spcPct val="120000"/>
+              </a:lnSpc>
+              <a:buFontTx/>
+              <a:buNone/>
+              <a:defRPr>
+                <a:solidFill>
+                  <a:srgbClr val="ECFAFF"/>
+                </a:solidFill>
+                <a:latin typeface="PingFang SC" charset="-122"/>
+                <a:ea typeface="PingFang SC" charset="-122"/>
+                <a:cs typeface="PingFang SC" charset="-122"/>
+              </a:defRPr>
+            </a:lvl4pPr>
+            <a:lvl5pPr marL="1828800" indent="0" algn="ctr">
+              <a:lnSpc>
+                <a:spcPct val="120000"/>
+              </a:lnSpc>
+              <a:buFontTx/>
+              <a:buNone/>
+              <a:defRPr>
+                <a:solidFill>
+                  <a:srgbClr val="ECFAFF"/>
+                </a:solidFill>
+                <a:latin typeface="PingFang SC" charset="-122"/>
+                <a:ea typeface="PingFang SC" charset="-122"/>
+                <a:cs typeface="PingFang SC" charset="-122"/>
+              </a:defRPr>
+            </a:lvl5pPr>
+          </a:lstStyle>
+          <a:p>
+            <a:pPr lvl="0"/>
+            <a:r>
+              <a:rPr kumimoji="1" lang="zh-CN" altLang="en-US" dirty="0" smtClean="0"/>
+              <a:t>考点：</a:t>
+            </a:r>
+            <a:r>
+              <a:rPr kumimoji="1" lang="en-US" altLang="zh-CN" dirty="0" smtClean="0"/>
+              <a:t>A2</a:t>
+            </a:r>
+            <a:r>
+              <a:rPr kumimoji="1" lang="zh-CN" altLang="en-US" dirty="0" smtClean="0"/>
+              <a:t> </a:t>
+            </a:r>
+            <a:r>
+              <a:rPr kumimoji="1" lang="en-US" altLang="zh-CN" dirty="0" smtClean="0"/>
+              <a:t>–</a:t>
+            </a:r>
+            <a:r>
+              <a:rPr kumimoji="1" lang="zh-CN" altLang="en-US" dirty="0" smtClean="0"/>
+              <a:t> 运动</a:t>
+            </a:r>
+            <a:endParaRPr kumimoji="1" lang="zh-CN" altLang="en-US" dirty="0"/>
+          </a:p>
+        </p:txBody>
+      </p:sp>
+      <p:sp>
+        <p:nvSpPr>
+          <p:cNvPr id="6" name="矩形 5"/>
+          <p:cNvSpPr/>
+          <p:nvPr userDrawn="1"/>
+        </p:nvSpPr>
+        <p:spPr>
+          <a:xfrm>
+            <a:off x="531758" y="5182543"/>
+            <a:ext cx="5472000" cy="724284"/>
+          </a:xfrm>
+          <a:prstGeom prst="rect">
+            <a:avLst/>
+          </a:prstGeom>
+          <a:solidFill>
+            <a:srgbClr val="ECFAFF">
+              <a:alpha val="9000"/>
+            </a:srgbClr>
+          </a:solidFill>
+          <a:ln>
+            <a:solidFill>
+              <a:srgbClr val="ECFAFF">
+                <a:alpha val="40000"/>
+              </a:srgbClr>
+            </a:solidFill>
+          </a:ln>
+        </p:spPr>
+        <p:style>
+          <a:lnRef idx="2">
+            <a:schemeClr val="accent1"/>
+          </a:lnRef>
+          <a:fillRef idx="1">
+            <a:schemeClr val="lt1"/>
+          </a:fillRef>
+          <a:effectRef idx="0">
+            <a:schemeClr val="accent1"/>
+          </a:effectRef>
+          <a:fontRef idx="minor">
+            <a:schemeClr val="dk1"/>
+          </a:fontRef>
+        </p:style>
+        <p:txBody>
+          <a:bodyPr rtlCol="0" anchor="ctr"/>
+          <a:lstStyle/>
+          <a:p>
+            <a:pPr algn="ctr"/>
+            <a:endParaRPr kumimoji="1" lang="zh-CN" altLang="en-US" dirty="0"/>
+          </a:p>
+        </p:txBody>
+      </p:sp>
+      <p:sp>
+        <p:nvSpPr>
+          <p:cNvPr id="7" name="矩形 6"/>
+          <p:cNvSpPr/>
+          <p:nvPr userDrawn="1"/>
+        </p:nvSpPr>
+        <p:spPr>
+          <a:xfrm>
+            <a:off x="6188242" y="5182543"/>
+            <a:ext cx="5472000" cy="724284"/>
+          </a:xfrm>
+          <a:prstGeom prst="rect">
+            <a:avLst/>
+          </a:prstGeom>
+          <a:solidFill>
+            <a:srgbClr val="ECFAFF">
+              <a:alpha val="9000"/>
+            </a:srgbClr>
+          </a:solidFill>
+          <a:ln>
+            <a:solidFill>
+              <a:srgbClr val="ECFAFF">
+                <a:alpha val="40000"/>
+              </a:srgbClr>
+            </a:solidFill>
+          </a:ln>
+        </p:spPr>
+        <p:style>
+          <a:lnRef idx="2">
+            <a:schemeClr val="accent1"/>
+          </a:lnRef>
+          <a:fillRef idx="1">
+            <a:schemeClr val="lt1"/>
+          </a:fillRef>
+          <a:effectRef idx="0">
+            <a:schemeClr val="accent1"/>
+          </a:effectRef>
+          <a:fontRef idx="minor">
+            <a:schemeClr val="dk1"/>
+          </a:fontRef>
+        </p:style>
+        <p:txBody>
+          <a:bodyPr rtlCol="0" anchor="ctr"/>
+          <a:lstStyle/>
+          <a:p>
+            <a:pPr algn="ctr"/>
+            <a:endParaRPr kumimoji="1" lang="zh-CN" altLang="en-US" dirty="0"/>
+          </a:p>
+        </p:txBody>
+      </p:sp>
+      <p:sp>
+        <p:nvSpPr>
+          <p:cNvPr id="8" name="矩形 7"/>
+          <p:cNvSpPr/>
+          <p:nvPr userDrawn="1"/>
+        </p:nvSpPr>
+        <p:spPr>
+          <a:xfrm>
+            <a:off x="531758" y="4225627"/>
+            <a:ext cx="5472000" cy="724284"/>
+          </a:xfrm>
+          <a:prstGeom prst="rect">
+            <a:avLst/>
+          </a:prstGeom>
+          <a:solidFill>
+            <a:srgbClr val="ECFAFF">
+              <a:alpha val="9000"/>
+            </a:srgbClr>
+          </a:solidFill>
+          <a:ln>
+            <a:solidFill>
+              <a:srgbClr val="ECFAFF">
+                <a:alpha val="40000"/>
+              </a:srgbClr>
+            </a:solidFill>
+          </a:ln>
+        </p:spPr>
+        <p:style>
+          <a:lnRef idx="2">
+            <a:schemeClr val="accent1"/>
+          </a:lnRef>
+          <a:fillRef idx="1">
+            <a:schemeClr val="lt1"/>
+          </a:fillRef>
+          <a:effectRef idx="0">
+            <a:schemeClr val="accent1"/>
+          </a:effectRef>
+          <a:fontRef idx="minor">
+            <a:schemeClr val="dk1"/>
+          </a:fontRef>
+        </p:style>
+        <p:txBody>
+          <a:bodyPr rtlCol="0" anchor="ctr"/>
+          <a:lstStyle/>
+          <a:p>
+            <a:pPr algn="ctr"/>
+            <a:endParaRPr kumimoji="1" lang="zh-CN" altLang="en-US" dirty="0"/>
+          </a:p>
+        </p:txBody>
+      </p:sp>
+      <p:sp>
+        <p:nvSpPr>
+          <p:cNvPr id="9" name="矩形 8"/>
+          <p:cNvSpPr/>
+          <p:nvPr userDrawn="1"/>
+        </p:nvSpPr>
+        <p:spPr>
+          <a:xfrm>
+            <a:off x="6188242" y="4225627"/>
+            <a:ext cx="5472000" cy="724284"/>
+          </a:xfrm>
+          <a:prstGeom prst="rect">
+            <a:avLst/>
+          </a:prstGeom>
+          <a:solidFill>
+            <a:srgbClr val="ECFAFF">
+              <a:alpha val="9000"/>
+            </a:srgbClr>
+          </a:solidFill>
+          <a:ln>
+            <a:solidFill>
+              <a:srgbClr val="ECFAFF">
+                <a:alpha val="40000"/>
+              </a:srgbClr>
+            </a:solidFill>
+          </a:ln>
+        </p:spPr>
+        <p:style>
+          <a:lnRef idx="2">
+            <a:schemeClr val="accent1"/>
+          </a:lnRef>
+          <a:fillRef idx="1">
+            <a:schemeClr val="lt1"/>
+          </a:fillRef>
+          <a:effectRef idx="0">
+            <a:schemeClr val="accent1"/>
+          </a:effectRef>
+          <a:fontRef idx="minor">
+            <a:schemeClr val="dk1"/>
+          </a:fontRef>
+        </p:style>
+        <p:txBody>
+          <a:bodyPr rtlCol="0" anchor="ctr"/>
+          <a:lstStyle/>
+          <a:p>
+            <a:pPr algn="ctr"/>
+            <a:endParaRPr kumimoji="1" lang="zh-CN" altLang="en-US" dirty="0"/>
+          </a:p>
+        </p:txBody>
+      </p:sp>
+      <p:sp>
+        <p:nvSpPr>
+          <p:cNvPr id="10" name="文本框 6">
+            <a:extLst>
+              <a:ext uri="{FF2B5EF4-FFF2-40B4-BE49-F238E27FC236}">
+                <a16:creationId xmlns:a16="http://schemas.microsoft.com/office/drawing/2014/main" xmlns="" id="{5D38C703-0535-2649-B4A0-B8F05CF7B2C5}"/>
+              </a:ext>
+            </a:extLst>
+          </p:cNvPr>
+          <p:cNvSpPr txBox="1"/>
+          <p:nvPr userDrawn="1"/>
+        </p:nvSpPr>
+        <p:spPr>
+          <a:xfrm>
+            <a:off x="1971758" y="4387714"/>
+            <a:ext cx="548810" cy="400110"/>
+          </a:xfrm>
+          <a:prstGeom prst="rect">
+            <a:avLst/>
+          </a:prstGeom>
+          <a:noFill/>
+        </p:spPr>
+        <p:txBody>
+          <a:bodyPr wrap="square" rtlCol="0" anchor="ctr" anchorCtr="0">
+            <a:spAutoFit/>
+          </a:bodyPr>
+          <a:lstStyle/>
+          <a:p>
+            <a:r>
+              <a:rPr kumimoji="1" lang="en-US" altLang="zh-CN" sz="2000" b="0" i="0" dirty="0">
+                <a:solidFill>
+                  <a:srgbClr val="ECFAFF"/>
+                </a:solidFill>
+                <a:latin typeface="PingFang SC" charset="-122"/>
+                <a:ea typeface="PingFang SC" charset="-122"/>
+                <a:cs typeface="PingFang SC" charset="-122"/>
+              </a:rPr>
+              <a:t>A.</a:t>
+            </a:r>
+            <a:endParaRPr kumimoji="1" lang="zh-CN" altLang="en-US" sz="2000" b="0" i="0" dirty="0">
+              <a:solidFill>
+                <a:srgbClr val="ECFAFF"/>
+              </a:solidFill>
+              <a:latin typeface="PingFang SC" charset="-122"/>
+              <a:ea typeface="PingFang SC" charset="-122"/>
+              <a:cs typeface="PingFang SC" charset="-122"/>
+            </a:endParaRPr>
+          </a:p>
+        </p:txBody>
+      </p:sp>
+      <p:sp>
+        <p:nvSpPr>
+          <p:cNvPr id="11" name="文本框 10">
+            <a:extLst>
+              <a:ext uri="{FF2B5EF4-FFF2-40B4-BE49-F238E27FC236}">
+                <a16:creationId xmlns:a16="http://schemas.microsoft.com/office/drawing/2014/main" xmlns="" id="{65E5CD98-D6C1-1848-86A2-A50598B55139}"/>
+              </a:ext>
+            </a:extLst>
+          </p:cNvPr>
+          <p:cNvSpPr txBox="1"/>
+          <p:nvPr userDrawn="1"/>
+        </p:nvSpPr>
+        <p:spPr>
+          <a:xfrm>
+            <a:off x="1971758" y="5344630"/>
+            <a:ext cx="548810" cy="400110"/>
+          </a:xfrm>
+          <a:prstGeom prst="rect">
+            <a:avLst/>
+          </a:prstGeom>
+          <a:noFill/>
+        </p:spPr>
+        <p:txBody>
+          <a:bodyPr wrap="square" rtlCol="0" anchor="ctr" anchorCtr="0">
+            <a:spAutoFit/>
+          </a:bodyPr>
+          <a:lstStyle/>
+          <a:p>
+            <a:r>
+              <a:rPr kumimoji="1" lang="en-US" altLang="zh-CN" sz="2000" b="0" i="0" dirty="0">
+                <a:solidFill>
+                  <a:srgbClr val="ECFAFF"/>
+                </a:solidFill>
+                <a:latin typeface="PingFang SC" charset="-122"/>
+                <a:ea typeface="PingFang SC" charset="-122"/>
+                <a:cs typeface="PingFang SC" charset="-122"/>
+              </a:rPr>
+              <a:t>C.</a:t>
+            </a:r>
+            <a:endParaRPr kumimoji="1" lang="zh-CN" altLang="en-US" sz="2000" b="0" i="0" dirty="0">
+              <a:solidFill>
+                <a:srgbClr val="ECFAFF"/>
+              </a:solidFill>
+              <a:latin typeface="PingFang SC" charset="-122"/>
+              <a:ea typeface="PingFang SC" charset="-122"/>
+              <a:cs typeface="PingFang SC" charset="-122"/>
+            </a:endParaRPr>
+          </a:p>
+        </p:txBody>
+      </p:sp>
+      <p:sp>
+        <p:nvSpPr>
+          <p:cNvPr id="12" name="文本框 6">
+            <a:extLst>
+              <a:ext uri="{FF2B5EF4-FFF2-40B4-BE49-F238E27FC236}">
+                <a16:creationId xmlns:a16="http://schemas.microsoft.com/office/drawing/2014/main" xmlns="" id="{5F9E940D-7090-E94B-8B49-5CA1D127071A}"/>
+              </a:ext>
+            </a:extLst>
+          </p:cNvPr>
+          <p:cNvSpPr txBox="1"/>
+          <p:nvPr userDrawn="1"/>
+        </p:nvSpPr>
+        <p:spPr>
+          <a:xfrm>
+            <a:off x="7614129" y="4387714"/>
+            <a:ext cx="548810" cy="400110"/>
+          </a:xfrm>
+          <a:prstGeom prst="rect">
+            <a:avLst/>
+          </a:prstGeom>
+          <a:noFill/>
+        </p:spPr>
+        <p:txBody>
+          <a:bodyPr wrap="square" rtlCol="0" anchor="ctr" anchorCtr="0">
+            <a:spAutoFit/>
+          </a:bodyPr>
+          <a:lstStyle/>
+          <a:p>
+            <a:r>
+              <a:rPr kumimoji="1" lang="en-US" altLang="zh-CN" sz="2000" b="0" i="0" dirty="0">
+                <a:solidFill>
+                  <a:srgbClr val="ECFAFF"/>
+                </a:solidFill>
+                <a:latin typeface="PingFang SC" charset="-122"/>
+                <a:ea typeface="PingFang SC" charset="-122"/>
+                <a:cs typeface="PingFang SC" charset="-122"/>
+              </a:rPr>
+              <a:t>B.</a:t>
+            </a:r>
+            <a:endParaRPr kumimoji="1" lang="zh-CN" altLang="en-US" sz="2000" b="0" i="0" dirty="0">
+              <a:solidFill>
+                <a:srgbClr val="ECFAFF"/>
+              </a:solidFill>
+              <a:latin typeface="PingFang SC" charset="-122"/>
+              <a:ea typeface="PingFang SC" charset="-122"/>
+              <a:cs typeface="PingFang SC" charset="-122"/>
+            </a:endParaRPr>
+          </a:p>
+        </p:txBody>
+      </p:sp>
+      <p:sp>
+        <p:nvSpPr>
+          <p:cNvPr id="13" name="文本框 6">
+            <a:extLst>
+              <a:ext uri="{FF2B5EF4-FFF2-40B4-BE49-F238E27FC236}">
+                <a16:creationId xmlns:a16="http://schemas.microsoft.com/office/drawing/2014/main" xmlns="" id="{BB9196A1-74E2-5046-99D0-EB0B468753EC}"/>
+              </a:ext>
+            </a:extLst>
+          </p:cNvPr>
+          <p:cNvSpPr txBox="1"/>
+          <p:nvPr userDrawn="1"/>
+        </p:nvSpPr>
+        <p:spPr>
+          <a:xfrm>
+            <a:off x="7614129" y="5344630"/>
+            <a:ext cx="548810" cy="400110"/>
+          </a:xfrm>
+          <a:prstGeom prst="rect">
+            <a:avLst/>
+          </a:prstGeom>
+          <a:noFill/>
+        </p:spPr>
+        <p:txBody>
+          <a:bodyPr wrap="square" rtlCol="0" anchor="ctr" anchorCtr="0">
+            <a:spAutoFit/>
+          </a:bodyPr>
+          <a:lstStyle/>
+          <a:p>
+            <a:r>
+              <a:rPr kumimoji="1" lang="en-US" altLang="zh-CN" sz="2000" b="0" i="0" dirty="0">
+                <a:solidFill>
+                  <a:srgbClr val="ECFAFF"/>
+                </a:solidFill>
+                <a:latin typeface="PingFang SC" charset="-122"/>
+                <a:ea typeface="PingFang SC" charset="-122"/>
+                <a:cs typeface="PingFang SC" charset="-122"/>
+              </a:rPr>
+              <a:t>D.</a:t>
+            </a:r>
+            <a:endParaRPr kumimoji="1" lang="zh-CN" altLang="en-US" sz="2000" b="0" i="0" dirty="0">
+              <a:solidFill>
+                <a:srgbClr val="ECFAFF"/>
+              </a:solidFill>
+              <a:latin typeface="PingFang SC" charset="-122"/>
+              <a:ea typeface="PingFang SC" charset="-122"/>
+              <a:cs typeface="PingFang SC" charset="-122"/>
+            </a:endParaRPr>
+          </a:p>
+        </p:txBody>
+      </p:sp>
+      <p:sp>
+        <p:nvSpPr>
+          <p:cNvPr id="15" name="文本占位符 14"/>
+          <p:cNvSpPr>
+            <a:spLocks noGrp="1"/>
+          </p:cNvSpPr>
+          <p:nvPr>
+            <p:ph type="body" sz="quarter" idx="13" hasCustomPrompt="1"/>
+          </p:nvPr>
+        </p:nvSpPr>
+        <p:spPr>
+          <a:xfrm>
+            <a:off x="2398992" y="4387715"/>
+            <a:ext cx="3205293" cy="400109"/>
+          </a:xfrm>
+          <a:prstGeom prst="rect">
+            <a:avLst/>
+          </a:prstGeom>
+        </p:spPr>
+        <p:txBody>
+          <a:bodyPr anchor="ctr"/>
+          <a:lstStyle>
+            <a:lvl1pPr marL="0" indent="0">
+              <a:buFontTx/>
+              <a:buNone/>
+              <a:defRPr sz="2000">
+                <a:solidFill>
+                  <a:srgbClr val="ECFAFF"/>
+                </a:solidFill>
+                <a:latin typeface="PingFang SC" charset="-122"/>
+                <a:ea typeface="PingFang SC" charset="-122"/>
+                <a:cs typeface="PingFang SC" charset="-122"/>
+              </a:defRPr>
+            </a:lvl1pPr>
+            <a:lvl2pPr marL="457200" indent="0">
+              <a:buFontTx/>
+              <a:buNone/>
+              <a:defRPr sz="2000">
+                <a:solidFill>
+                  <a:srgbClr val="ECFAFF"/>
+                </a:solidFill>
+                <a:latin typeface="PingFang SC" charset="-122"/>
+                <a:ea typeface="PingFang SC" charset="-122"/>
+                <a:cs typeface="PingFang SC" charset="-122"/>
+              </a:defRPr>
+            </a:lvl2pPr>
+            <a:lvl3pPr marL="914400" indent="0">
+              <a:buFontTx/>
+              <a:buNone/>
+              <a:defRPr sz="2000">
+                <a:solidFill>
+                  <a:srgbClr val="ECFAFF"/>
+                </a:solidFill>
+                <a:latin typeface="PingFang SC" charset="-122"/>
+                <a:ea typeface="PingFang SC" charset="-122"/>
+                <a:cs typeface="PingFang SC" charset="-122"/>
+              </a:defRPr>
+            </a:lvl3pPr>
+            <a:lvl4pPr marL="1371600" indent="0">
+              <a:buFontTx/>
+              <a:buNone/>
+              <a:defRPr sz="2000">
+                <a:solidFill>
+                  <a:srgbClr val="ECFAFF"/>
+                </a:solidFill>
+                <a:latin typeface="PingFang SC" charset="-122"/>
+                <a:ea typeface="PingFang SC" charset="-122"/>
+                <a:cs typeface="PingFang SC" charset="-122"/>
+              </a:defRPr>
+            </a:lvl4pPr>
+            <a:lvl5pPr marL="1828800" indent="0">
+              <a:buFontTx/>
+              <a:buNone/>
+              <a:defRPr sz="2000">
+                <a:solidFill>
+                  <a:srgbClr val="ECFAFF"/>
+                </a:solidFill>
+                <a:latin typeface="PingFang SC" charset="-122"/>
+                <a:ea typeface="PingFang SC" charset="-122"/>
+                <a:cs typeface="PingFang SC" charset="-122"/>
+              </a:defRPr>
+            </a:lvl5pPr>
+          </a:lstStyle>
+          <a:p>
+            <a:pPr lvl="0"/>
+            <a:r>
+              <a:rPr kumimoji="1" lang="en-US" altLang="zh-CN" dirty="0" smtClean="0"/>
+              <a:t>Choice</a:t>
+            </a:r>
+            <a:r>
+              <a:rPr kumimoji="1" lang="zh-CN" altLang="en-US" dirty="0" smtClean="0"/>
+              <a:t> </a:t>
+            </a:r>
+            <a:r>
+              <a:rPr kumimoji="1" lang="en-US" altLang="zh-CN" dirty="0" smtClean="0"/>
+              <a:t>A</a:t>
+            </a:r>
+            <a:endParaRPr kumimoji="1" lang="zh-CN" altLang="en-US" dirty="0"/>
+          </a:p>
+        </p:txBody>
+      </p:sp>
+      <p:sp>
+        <p:nvSpPr>
+          <p:cNvPr id="16" name="文本占位符 14"/>
+          <p:cNvSpPr>
+            <a:spLocks noGrp="1"/>
+          </p:cNvSpPr>
+          <p:nvPr>
+            <p:ph type="body" sz="quarter" idx="14" hasCustomPrompt="1"/>
+          </p:nvPr>
+        </p:nvSpPr>
+        <p:spPr>
+          <a:xfrm>
+            <a:off x="8072999" y="4387715"/>
+            <a:ext cx="3205293" cy="400109"/>
+          </a:xfrm>
+          <a:prstGeom prst="rect">
+            <a:avLst/>
+          </a:prstGeom>
+        </p:spPr>
+        <p:txBody>
+          <a:bodyPr anchor="ctr"/>
+          <a:lstStyle>
+            <a:lvl1pPr marL="0" indent="0">
+              <a:buFontTx/>
+              <a:buNone/>
+              <a:defRPr sz="2000">
+                <a:solidFill>
+                  <a:srgbClr val="ECFAFF"/>
+                </a:solidFill>
+                <a:latin typeface="PingFang SC" charset="-122"/>
+                <a:ea typeface="PingFang SC" charset="-122"/>
+                <a:cs typeface="PingFang SC" charset="-122"/>
+              </a:defRPr>
+            </a:lvl1pPr>
+            <a:lvl2pPr marL="457200" indent="0">
+              <a:buFontTx/>
+              <a:buNone/>
+              <a:defRPr sz="2000">
+                <a:solidFill>
+                  <a:srgbClr val="ECFAFF"/>
+                </a:solidFill>
+                <a:latin typeface="PingFang SC" charset="-122"/>
+                <a:ea typeface="PingFang SC" charset="-122"/>
+                <a:cs typeface="PingFang SC" charset="-122"/>
+              </a:defRPr>
+            </a:lvl2pPr>
+            <a:lvl3pPr marL="914400" indent="0">
+              <a:buFontTx/>
+              <a:buNone/>
+              <a:defRPr sz="2000">
+                <a:solidFill>
+                  <a:srgbClr val="ECFAFF"/>
+                </a:solidFill>
+                <a:latin typeface="PingFang SC" charset="-122"/>
+                <a:ea typeface="PingFang SC" charset="-122"/>
+                <a:cs typeface="PingFang SC" charset="-122"/>
+              </a:defRPr>
+            </a:lvl3pPr>
+            <a:lvl4pPr marL="1371600" indent="0">
+              <a:buFontTx/>
+              <a:buNone/>
+              <a:defRPr sz="2000">
+                <a:solidFill>
+                  <a:srgbClr val="ECFAFF"/>
+                </a:solidFill>
+                <a:latin typeface="PingFang SC" charset="-122"/>
+                <a:ea typeface="PingFang SC" charset="-122"/>
+                <a:cs typeface="PingFang SC" charset="-122"/>
+              </a:defRPr>
+            </a:lvl4pPr>
+            <a:lvl5pPr marL="1828800" indent="0">
+              <a:buFontTx/>
+              <a:buNone/>
+              <a:defRPr sz="2000">
+                <a:solidFill>
+                  <a:srgbClr val="ECFAFF"/>
+                </a:solidFill>
+                <a:latin typeface="PingFang SC" charset="-122"/>
+                <a:ea typeface="PingFang SC" charset="-122"/>
+                <a:cs typeface="PingFang SC" charset="-122"/>
+              </a:defRPr>
+            </a:lvl5pPr>
+          </a:lstStyle>
+          <a:p>
+            <a:pPr lvl="0"/>
+            <a:r>
+              <a:rPr kumimoji="1" lang="en-US" altLang="zh-CN" dirty="0" smtClean="0"/>
+              <a:t>Choice</a:t>
+            </a:r>
+            <a:r>
+              <a:rPr kumimoji="1" lang="zh-CN" altLang="en-US" dirty="0" smtClean="0"/>
+              <a:t> </a:t>
+            </a:r>
+            <a:r>
+              <a:rPr kumimoji="1" lang="en-US" altLang="zh-CN" dirty="0" smtClean="0"/>
+              <a:t>B</a:t>
+            </a:r>
+            <a:endParaRPr kumimoji="1" lang="zh-CN" altLang="en-US" dirty="0"/>
+          </a:p>
+        </p:txBody>
+      </p:sp>
+      <p:sp>
+        <p:nvSpPr>
+          <p:cNvPr id="17" name="文本占位符 14"/>
+          <p:cNvSpPr>
+            <a:spLocks noGrp="1"/>
+          </p:cNvSpPr>
+          <p:nvPr>
+            <p:ph type="body" sz="quarter" idx="15" hasCustomPrompt="1"/>
+          </p:nvPr>
+        </p:nvSpPr>
+        <p:spPr>
+          <a:xfrm>
+            <a:off x="2398992" y="5344631"/>
+            <a:ext cx="3205293" cy="400109"/>
+          </a:xfrm>
+          <a:prstGeom prst="rect">
+            <a:avLst/>
+          </a:prstGeom>
+        </p:spPr>
+        <p:txBody>
+          <a:bodyPr anchor="ctr"/>
+          <a:lstStyle>
+            <a:lvl1pPr marL="0" indent="0">
+              <a:buFontTx/>
+              <a:buNone/>
+              <a:defRPr sz="2000">
+                <a:solidFill>
+                  <a:srgbClr val="ECFAFF"/>
+                </a:solidFill>
+                <a:latin typeface="PingFang SC" charset="-122"/>
+                <a:ea typeface="PingFang SC" charset="-122"/>
+                <a:cs typeface="PingFang SC" charset="-122"/>
+              </a:defRPr>
+            </a:lvl1pPr>
+            <a:lvl2pPr marL="457200" indent="0">
+              <a:buFontTx/>
+              <a:buNone/>
+              <a:defRPr sz="2000">
+                <a:solidFill>
+                  <a:srgbClr val="ECFAFF"/>
+                </a:solidFill>
+                <a:latin typeface="PingFang SC" charset="-122"/>
+                <a:ea typeface="PingFang SC" charset="-122"/>
+                <a:cs typeface="PingFang SC" charset="-122"/>
+              </a:defRPr>
+            </a:lvl2pPr>
+            <a:lvl3pPr marL="914400" indent="0">
+              <a:buFontTx/>
+              <a:buNone/>
+              <a:defRPr sz="2000">
+                <a:solidFill>
+                  <a:srgbClr val="ECFAFF"/>
+                </a:solidFill>
+                <a:latin typeface="PingFang SC" charset="-122"/>
+                <a:ea typeface="PingFang SC" charset="-122"/>
+                <a:cs typeface="PingFang SC" charset="-122"/>
+              </a:defRPr>
+            </a:lvl3pPr>
+            <a:lvl4pPr marL="1371600" indent="0">
+              <a:buFontTx/>
+              <a:buNone/>
+              <a:defRPr sz="2000">
+                <a:solidFill>
+                  <a:srgbClr val="ECFAFF"/>
+                </a:solidFill>
+                <a:latin typeface="PingFang SC" charset="-122"/>
+                <a:ea typeface="PingFang SC" charset="-122"/>
+                <a:cs typeface="PingFang SC" charset="-122"/>
+              </a:defRPr>
+            </a:lvl4pPr>
+            <a:lvl5pPr marL="1828800" indent="0">
+              <a:buFontTx/>
+              <a:buNone/>
+              <a:defRPr sz="2000">
+                <a:solidFill>
+                  <a:srgbClr val="ECFAFF"/>
+                </a:solidFill>
+                <a:latin typeface="PingFang SC" charset="-122"/>
+                <a:ea typeface="PingFang SC" charset="-122"/>
+                <a:cs typeface="PingFang SC" charset="-122"/>
+              </a:defRPr>
+            </a:lvl5pPr>
+          </a:lstStyle>
+          <a:p>
+            <a:pPr lvl="0"/>
+            <a:r>
+              <a:rPr kumimoji="1" lang="en-US" altLang="zh-CN" dirty="0" smtClean="0"/>
+              <a:t>Choice</a:t>
+            </a:r>
+            <a:r>
+              <a:rPr kumimoji="1" lang="zh-CN" altLang="en-US" dirty="0" smtClean="0"/>
+              <a:t> </a:t>
+            </a:r>
+            <a:r>
+              <a:rPr kumimoji="1" lang="en-US" altLang="zh-CN" dirty="0" smtClean="0"/>
+              <a:t>C</a:t>
+            </a:r>
+            <a:endParaRPr kumimoji="1" lang="zh-CN" altLang="en-US" dirty="0"/>
+          </a:p>
+        </p:txBody>
+      </p:sp>
+      <p:sp>
+        <p:nvSpPr>
+          <p:cNvPr id="18" name="文本占位符 14"/>
+          <p:cNvSpPr>
+            <a:spLocks noGrp="1"/>
+          </p:cNvSpPr>
+          <p:nvPr>
+            <p:ph type="body" sz="quarter" idx="16" hasCustomPrompt="1"/>
+          </p:nvPr>
+        </p:nvSpPr>
+        <p:spPr>
+          <a:xfrm>
+            <a:off x="8072999" y="5344631"/>
+            <a:ext cx="3205293" cy="400109"/>
+          </a:xfrm>
+          <a:prstGeom prst="rect">
+            <a:avLst/>
+          </a:prstGeom>
+        </p:spPr>
+        <p:txBody>
+          <a:bodyPr anchor="ctr"/>
+          <a:lstStyle>
+            <a:lvl1pPr marL="0" indent="0">
+              <a:buFontTx/>
+              <a:buNone/>
+              <a:defRPr sz="2000">
+                <a:solidFill>
+                  <a:srgbClr val="ECFAFF"/>
+                </a:solidFill>
+                <a:latin typeface="PingFang SC" charset="-122"/>
+                <a:ea typeface="PingFang SC" charset="-122"/>
+                <a:cs typeface="PingFang SC" charset="-122"/>
+              </a:defRPr>
+            </a:lvl1pPr>
+            <a:lvl2pPr marL="457200" indent="0">
+              <a:buFontTx/>
+              <a:buNone/>
+              <a:defRPr sz="2000">
+                <a:solidFill>
+                  <a:srgbClr val="ECFAFF"/>
+                </a:solidFill>
+                <a:latin typeface="PingFang SC" charset="-122"/>
+                <a:ea typeface="PingFang SC" charset="-122"/>
+                <a:cs typeface="PingFang SC" charset="-122"/>
+              </a:defRPr>
+            </a:lvl2pPr>
+            <a:lvl3pPr marL="914400" indent="0">
+              <a:buFontTx/>
+              <a:buNone/>
+              <a:defRPr sz="2000">
+                <a:solidFill>
+                  <a:srgbClr val="ECFAFF"/>
+                </a:solidFill>
+                <a:latin typeface="PingFang SC" charset="-122"/>
+                <a:ea typeface="PingFang SC" charset="-122"/>
+                <a:cs typeface="PingFang SC" charset="-122"/>
+              </a:defRPr>
+            </a:lvl3pPr>
+            <a:lvl4pPr marL="1371600" indent="0">
+              <a:buFontTx/>
+              <a:buNone/>
+              <a:defRPr sz="2000">
+                <a:solidFill>
+                  <a:srgbClr val="ECFAFF"/>
+                </a:solidFill>
+                <a:latin typeface="PingFang SC" charset="-122"/>
+                <a:ea typeface="PingFang SC" charset="-122"/>
+                <a:cs typeface="PingFang SC" charset="-122"/>
+              </a:defRPr>
+            </a:lvl4pPr>
+            <a:lvl5pPr marL="1828800" indent="0">
+              <a:buFontTx/>
+              <a:buNone/>
+              <a:defRPr sz="2000">
+                <a:solidFill>
+                  <a:srgbClr val="ECFAFF"/>
+                </a:solidFill>
+                <a:latin typeface="PingFang SC" charset="-122"/>
+                <a:ea typeface="PingFang SC" charset="-122"/>
+                <a:cs typeface="PingFang SC" charset="-122"/>
+              </a:defRPr>
+            </a:lvl5pPr>
+          </a:lstStyle>
+          <a:p>
+            <a:pPr lvl="0"/>
+            <a:r>
+              <a:rPr kumimoji="1" lang="en-US" altLang="zh-CN" dirty="0" smtClean="0"/>
+              <a:t>Choice</a:t>
+            </a:r>
+            <a:r>
+              <a:rPr kumimoji="1" lang="zh-CN" altLang="en-US" dirty="0" smtClean="0"/>
+              <a:t> </a:t>
+            </a:r>
+            <a:r>
+              <a:rPr kumimoji="1" lang="en-US" altLang="zh-CN" dirty="0" smtClean="0"/>
+              <a:t>D</a:t>
+            </a:r>
+            <a:endParaRPr kumimoji="1" lang="zh-CN" altLang="en-US" dirty="0"/>
+          </a:p>
+        </p:txBody>
+      </p:sp>
+    </p:spTree>
+    <p:extLst>
+      <p:ext uri="{BB962C8B-B14F-4D97-AF65-F5344CB8AC3E}">
+        <p14:creationId xmlns:p14="http://schemas.microsoft.com/office/powerpoint/2010/main" val="778216869"/>
+      </p:ext>
+    </p:extLst>
+  </p:cSld>
+  <p:clrMapOvr>
+    <a:masterClrMapping/>
+  </p:clrMapOvr>
+</p:sldLayout>
+</file>
+
+<file path=ppt/slideLayouts/slideLayout13.xml><?xml version="1.0" encoding="utf-8"?>
+<p:sldLayout xmlns:a="http://schemas.openxmlformats.org/drawingml/2006/main" xmlns:r="http://schemas.openxmlformats.org/officeDocument/2006/relationships" xmlns:p="http://schemas.openxmlformats.org/presentationml/2006/main" preserve="1" userDrawn="1">
+  <p:cSld name="VocabPhrase analysis with choices">
+    <p:spTree>
+      <p:nvGrpSpPr>
+        <p:cNvPr id="1" name=""/>
+        <p:cNvGrpSpPr/>
+        <p:nvPr/>
+      </p:nvGrpSpPr>
+      <p:grpSpPr>
+        <a:xfrm>
+          <a:off x="0" y="0"/>
+          <a:ext cx="0" cy="0"/>
+          <a:chOff x="0" y="0"/>
+          <a:chExt cx="0" cy="0"/>
+        </a:xfrm>
+      </p:grpSpPr>
+      <p:sp>
+        <p:nvSpPr>
+          <p:cNvPr id="3" name="文本占位符 2"/>
+          <p:cNvSpPr>
+            <a:spLocks noGrp="1"/>
+          </p:cNvSpPr>
+          <p:nvPr>
+            <p:ph type="body" sz="quarter" idx="10" hasCustomPrompt="1"/>
+          </p:nvPr>
+        </p:nvSpPr>
+        <p:spPr>
+          <a:xfrm>
+            <a:off x="531758" y="680672"/>
+            <a:ext cx="1728000" cy="518482"/>
+          </a:xfrm>
+          <a:prstGeom prst="rect">
+            <a:avLst/>
+          </a:prstGeom>
+        </p:spPr>
+        <p:txBody>
+          <a:bodyPr/>
+          <a:lstStyle>
+            <a:lvl1pPr marL="0" indent="0">
+              <a:buFontTx/>
+              <a:buNone/>
+              <a:defRPr sz="3200" b="0" i="0">
+                <a:solidFill>
+                  <a:srgbClr val="ECFAFF">
+                    <a:alpha val="50000"/>
+                  </a:srgbClr>
+                </a:solidFill>
+                <a:latin typeface="Helvetica Neue Medium" charset="0"/>
+                <a:ea typeface="Helvetica Neue Medium" charset="0"/>
+                <a:cs typeface="Helvetica Neue Medium" charset="0"/>
+              </a:defRPr>
+            </a:lvl1pPr>
+          </a:lstStyle>
+          <a:p>
+            <a:pPr marL="228600" marR="0" lvl="0" indent="-228600" algn="l" defTabSz="914400" rtl="0" eaLnBrk="1" fontAlgn="auto" latinLnBrk="0" hangingPunct="1">
+              <a:lnSpc>
+                <a:spcPct val="90000"/>
+              </a:lnSpc>
+              <a:spcBef>
+                <a:spcPts val="1000"/>
+              </a:spcBef>
+              <a:spcAft>
+                <a:spcPts val="0"/>
+              </a:spcAft>
+              <a:buClrTx/>
+              <a:buSzTx/>
+              <a:buFont typeface="Arial"/>
+              <a:buNone/>
+              <a:tabLst/>
+              <a:defRPr/>
+            </a:pPr>
+            <a:r>
+              <a:rPr kumimoji="1" lang="en-US" altLang="zh-CN" dirty="0" smtClean="0"/>
+              <a:t>Q.1</a:t>
+            </a:r>
+            <a:endParaRPr kumimoji="1" lang="zh-CN" altLang="en-US" dirty="0"/>
+          </a:p>
+        </p:txBody>
+      </p:sp>
+      <p:sp>
+        <p:nvSpPr>
+          <p:cNvPr id="4" name="文本占位符 6"/>
+          <p:cNvSpPr>
+            <a:spLocks noGrp="1"/>
+          </p:cNvSpPr>
+          <p:nvPr>
+            <p:ph type="body" sz="quarter" idx="11" hasCustomPrompt="1"/>
+          </p:nvPr>
+        </p:nvSpPr>
+        <p:spPr>
+          <a:xfrm>
+            <a:off x="6395285" y="738313"/>
+            <a:ext cx="1218844" cy="403200"/>
+          </a:xfrm>
+          <a:prstGeom prst="rect">
+            <a:avLst/>
+          </a:prstGeom>
+        </p:spPr>
+        <p:txBody>
+          <a:bodyPr anchor="ctr"/>
+          <a:lstStyle>
+            <a:lvl1pPr marL="0" indent="0" algn="l">
+              <a:buFontTx/>
+              <a:buNone/>
+              <a:defRPr sz="2000">
+                <a:solidFill>
+                  <a:srgbClr val="ECFAFF"/>
+                </a:solidFill>
+                <a:latin typeface="PingFang SC" charset="-122"/>
+                <a:ea typeface="PingFang SC" charset="-122"/>
+                <a:cs typeface="PingFang SC" charset="-122"/>
+              </a:defRPr>
+            </a:lvl1pPr>
+            <a:lvl2pPr marL="457200" indent="0" algn="ctr">
+              <a:buFontTx/>
+              <a:buNone/>
+              <a:defRPr sz="2000">
+                <a:solidFill>
+                  <a:srgbClr val="ECFAFF"/>
+                </a:solidFill>
+                <a:latin typeface="PingFang SC" charset="-122"/>
+                <a:ea typeface="PingFang SC" charset="-122"/>
+                <a:cs typeface="PingFang SC" charset="-122"/>
+              </a:defRPr>
+            </a:lvl2pPr>
+            <a:lvl3pPr marL="914400" indent="0" algn="ctr">
+              <a:buFontTx/>
+              <a:buNone/>
+              <a:defRPr sz="2000">
+                <a:solidFill>
+                  <a:srgbClr val="ECFAFF"/>
+                </a:solidFill>
+                <a:latin typeface="PingFang SC" charset="-122"/>
+                <a:ea typeface="PingFang SC" charset="-122"/>
+                <a:cs typeface="PingFang SC" charset="-122"/>
+              </a:defRPr>
+            </a:lvl3pPr>
+            <a:lvl4pPr marL="1371600" indent="0" algn="ctr">
+              <a:buFontTx/>
+              <a:buNone/>
+              <a:defRPr sz="2000">
+                <a:solidFill>
+                  <a:srgbClr val="ECFAFF"/>
+                </a:solidFill>
+                <a:latin typeface="PingFang SC" charset="-122"/>
+                <a:ea typeface="PingFang SC" charset="-122"/>
+                <a:cs typeface="PingFang SC" charset="-122"/>
+              </a:defRPr>
+            </a:lvl4pPr>
+            <a:lvl5pPr marL="1828800" indent="0" algn="ctr">
+              <a:buFontTx/>
+              <a:buNone/>
+              <a:defRPr sz="2000">
+                <a:solidFill>
+                  <a:srgbClr val="ECFAFF"/>
+                </a:solidFill>
+                <a:latin typeface="PingFang SC" charset="-122"/>
+                <a:ea typeface="PingFang SC" charset="-122"/>
+                <a:cs typeface="PingFang SC" charset="-122"/>
+              </a:defRPr>
+            </a:lvl5pPr>
+          </a:lstStyle>
+          <a:p>
+            <a:pPr lvl="0"/>
+            <a:r>
+              <a:rPr kumimoji="1" lang="en-US" altLang="zh-CN" dirty="0" smtClean="0"/>
+              <a:t>A</a:t>
+            </a:r>
+            <a:endParaRPr kumimoji="1" lang="zh-CN" altLang="en-US" dirty="0"/>
+          </a:p>
+        </p:txBody>
+      </p:sp>
+      <p:sp>
+        <p:nvSpPr>
+          <p:cNvPr id="5" name="文本占位符 8"/>
+          <p:cNvSpPr>
+            <a:spLocks noGrp="1"/>
+          </p:cNvSpPr>
+          <p:nvPr>
+            <p:ph type="body" sz="quarter" idx="12" hasCustomPrompt="1"/>
+          </p:nvPr>
+        </p:nvSpPr>
+        <p:spPr>
+          <a:xfrm>
+            <a:off x="531758" y="1199153"/>
+            <a:ext cx="11128484" cy="1584000"/>
+          </a:xfrm>
+          <a:prstGeom prst="rect">
+            <a:avLst/>
+          </a:prstGeom>
+        </p:spPr>
+        <p:txBody>
+          <a:bodyPr anchor="ctr">
+            <a:normAutofit/>
+          </a:bodyPr>
+          <a:lstStyle>
+            <a:lvl1pPr marL="0" indent="0" algn="ctr">
+              <a:lnSpc>
+                <a:spcPct val="120000"/>
+              </a:lnSpc>
+              <a:buFontTx/>
+              <a:buNone/>
+              <a:defRPr sz="6000">
+                <a:solidFill>
+                  <a:srgbClr val="ECFAFF"/>
+                </a:solidFill>
+                <a:latin typeface="PingFang SC" charset="-122"/>
+                <a:ea typeface="PingFang SC" charset="-122"/>
+                <a:cs typeface="PingFang SC" charset="-122"/>
+              </a:defRPr>
+            </a:lvl1pPr>
+            <a:lvl2pPr marL="457200" indent="0" algn="ctr">
+              <a:buFontTx/>
+              <a:buNone/>
+              <a:defRPr>
+                <a:solidFill>
+                  <a:srgbClr val="ECFAFF"/>
+                </a:solidFill>
+                <a:latin typeface="PingFang SC" charset="-122"/>
+                <a:ea typeface="PingFang SC" charset="-122"/>
+                <a:cs typeface="PingFang SC" charset="-122"/>
+              </a:defRPr>
+            </a:lvl2pPr>
+            <a:lvl3pPr marL="914400" indent="0" algn="ctr">
+              <a:buFontTx/>
+              <a:buNone/>
+              <a:defRPr>
+                <a:solidFill>
+                  <a:srgbClr val="ECFAFF"/>
+                </a:solidFill>
+                <a:latin typeface="PingFang SC" charset="-122"/>
+                <a:ea typeface="PingFang SC" charset="-122"/>
+                <a:cs typeface="PingFang SC" charset="-122"/>
+              </a:defRPr>
+            </a:lvl3pPr>
+            <a:lvl4pPr marL="1371600" indent="0" algn="ctr">
+              <a:buFontTx/>
+              <a:buNone/>
+              <a:defRPr>
+                <a:solidFill>
+                  <a:srgbClr val="ECFAFF"/>
+                </a:solidFill>
+                <a:latin typeface="PingFang SC" charset="-122"/>
+                <a:ea typeface="PingFang SC" charset="-122"/>
+                <a:cs typeface="PingFang SC" charset="-122"/>
+              </a:defRPr>
+            </a:lvl4pPr>
+            <a:lvl5pPr marL="1828800" indent="0" algn="ctr">
+              <a:buFontTx/>
+              <a:buNone/>
+              <a:defRPr>
+                <a:solidFill>
+                  <a:srgbClr val="ECFAFF"/>
+                </a:solidFill>
+                <a:latin typeface="PingFang SC" charset="-122"/>
+                <a:ea typeface="PingFang SC" charset="-122"/>
+                <a:cs typeface="PingFang SC" charset="-122"/>
+              </a:defRPr>
+            </a:lvl5pPr>
+          </a:lstStyle>
+          <a:p>
+            <a:pPr lvl="0"/>
+            <a:r>
+              <a:rPr kumimoji="1" lang="zh-CN" altLang="en-US" dirty="0" smtClean="0"/>
+              <a:t>球 </a:t>
+            </a:r>
+            <a:r>
+              <a:rPr kumimoji="1" lang="en-US" altLang="zh-CN" dirty="0" smtClean="0"/>
+              <a:t>ball</a:t>
+            </a:r>
+            <a:endParaRPr kumimoji="1" lang="zh-CN" altLang="en-US" dirty="0"/>
+          </a:p>
+        </p:txBody>
+      </p:sp>
+      <p:sp>
+        <p:nvSpPr>
+          <p:cNvPr id="6" name="文本占位符 10"/>
+          <p:cNvSpPr>
+            <a:spLocks noGrp="1"/>
+          </p:cNvSpPr>
+          <p:nvPr>
+            <p:ph type="body" sz="quarter" idx="13" hasCustomPrompt="1"/>
+          </p:nvPr>
+        </p:nvSpPr>
+        <p:spPr>
+          <a:xfrm>
+            <a:off x="531758" y="2863030"/>
+            <a:ext cx="11128484" cy="484243"/>
+          </a:xfrm>
+          <a:prstGeom prst="rect">
+            <a:avLst/>
+          </a:prstGeom>
+        </p:spPr>
+        <p:txBody>
+          <a:bodyPr anchor="ctr"/>
+          <a:lstStyle>
+            <a:lvl1pPr marL="0" indent="0" algn="ctr">
+              <a:buFontTx/>
+              <a:buNone/>
+              <a:defRPr sz="2000">
+                <a:solidFill>
+                  <a:srgbClr val="ECFAFF"/>
+                </a:solidFill>
+                <a:latin typeface="PingFang SC" charset="-122"/>
+                <a:ea typeface="PingFang SC" charset="-122"/>
+                <a:cs typeface="PingFang SC" charset="-122"/>
+              </a:defRPr>
+            </a:lvl1pPr>
+            <a:lvl2pPr marL="457200" indent="0" algn="ctr">
+              <a:buFontTx/>
+              <a:buNone/>
+              <a:defRPr sz="2000">
+                <a:solidFill>
+                  <a:srgbClr val="ECFAFF"/>
+                </a:solidFill>
+                <a:latin typeface="PingFang SC" charset="-122"/>
+                <a:ea typeface="PingFang SC" charset="-122"/>
+                <a:cs typeface="PingFang SC" charset="-122"/>
+              </a:defRPr>
+            </a:lvl2pPr>
+            <a:lvl3pPr marL="914400" indent="0" algn="ctr">
+              <a:buFontTx/>
+              <a:buNone/>
+              <a:defRPr sz="2000">
+                <a:solidFill>
+                  <a:srgbClr val="ECFAFF"/>
+                </a:solidFill>
+                <a:latin typeface="PingFang SC" charset="-122"/>
+                <a:ea typeface="PingFang SC" charset="-122"/>
+                <a:cs typeface="PingFang SC" charset="-122"/>
+              </a:defRPr>
+            </a:lvl3pPr>
+            <a:lvl4pPr marL="1371600" indent="0" algn="ctr">
+              <a:buFontTx/>
+              <a:buNone/>
+              <a:defRPr sz="2000">
+                <a:solidFill>
+                  <a:srgbClr val="ECFAFF"/>
+                </a:solidFill>
+                <a:latin typeface="PingFang SC" charset="-122"/>
+                <a:ea typeface="PingFang SC" charset="-122"/>
+                <a:cs typeface="PingFang SC" charset="-122"/>
+              </a:defRPr>
+            </a:lvl4pPr>
+            <a:lvl5pPr marL="1828800" indent="0" algn="ctr">
+              <a:buFontTx/>
+              <a:buNone/>
+              <a:defRPr sz="2000">
+                <a:solidFill>
+                  <a:srgbClr val="ECFAFF"/>
+                </a:solidFill>
+                <a:latin typeface="PingFang SC" charset="-122"/>
+                <a:ea typeface="PingFang SC" charset="-122"/>
+                <a:cs typeface="PingFang SC" charset="-122"/>
+              </a:defRPr>
+            </a:lvl5pPr>
+          </a:lstStyle>
+          <a:p>
+            <a:pPr lvl="0"/>
+            <a:r>
+              <a:rPr kumimoji="1" lang="zh-CN" altLang="en-US" dirty="0" smtClean="0"/>
+              <a:t>考点：</a:t>
+            </a:r>
+            <a:r>
+              <a:rPr kumimoji="1" lang="en-US" altLang="zh-CN" dirty="0" smtClean="0"/>
+              <a:t>A1-</a:t>
+            </a:r>
+            <a:r>
+              <a:rPr kumimoji="1" lang="zh-CN" altLang="en-US" dirty="0" smtClean="0"/>
+              <a:t>运动</a:t>
+            </a:r>
+            <a:endParaRPr kumimoji="1" lang="zh-CN" altLang="en-US" dirty="0"/>
+          </a:p>
+        </p:txBody>
+      </p:sp>
+      <p:sp>
+        <p:nvSpPr>
+          <p:cNvPr id="7" name="矩形 6"/>
+          <p:cNvSpPr/>
+          <p:nvPr userDrawn="1"/>
+        </p:nvSpPr>
+        <p:spPr>
+          <a:xfrm>
+            <a:off x="531758" y="4600066"/>
+            <a:ext cx="5472000" cy="724284"/>
+          </a:xfrm>
+          <a:prstGeom prst="rect">
+            <a:avLst/>
+          </a:prstGeom>
+          <a:solidFill>
+            <a:srgbClr val="ECFAFF">
+              <a:alpha val="9000"/>
+            </a:srgbClr>
+          </a:solidFill>
+          <a:ln>
+            <a:solidFill>
+              <a:srgbClr val="ECFAFF">
+                <a:alpha val="40000"/>
+              </a:srgbClr>
+            </a:solidFill>
+          </a:ln>
+        </p:spPr>
+        <p:style>
+          <a:lnRef idx="2">
+            <a:schemeClr val="accent1"/>
+          </a:lnRef>
+          <a:fillRef idx="1">
+            <a:schemeClr val="lt1"/>
+          </a:fillRef>
+          <a:effectRef idx="0">
+            <a:schemeClr val="accent1"/>
+          </a:effectRef>
+          <a:fontRef idx="minor">
+            <a:schemeClr val="dk1"/>
+          </a:fontRef>
+        </p:style>
+        <p:txBody>
+          <a:bodyPr rtlCol="0" anchor="ctr"/>
+          <a:lstStyle/>
+          <a:p>
+            <a:pPr algn="ctr"/>
+            <a:endParaRPr kumimoji="1" lang="zh-CN" altLang="en-US" dirty="0"/>
+          </a:p>
+        </p:txBody>
+      </p:sp>
+      <p:sp>
+        <p:nvSpPr>
+          <p:cNvPr id="8" name="矩形 7"/>
+          <p:cNvSpPr/>
+          <p:nvPr userDrawn="1"/>
+        </p:nvSpPr>
+        <p:spPr>
+          <a:xfrm>
+            <a:off x="6188242" y="4600066"/>
+            <a:ext cx="5472000" cy="724284"/>
+          </a:xfrm>
+          <a:prstGeom prst="rect">
+            <a:avLst/>
+          </a:prstGeom>
+          <a:solidFill>
+            <a:srgbClr val="ECFAFF">
+              <a:alpha val="9000"/>
+            </a:srgbClr>
+          </a:solidFill>
+          <a:ln>
+            <a:solidFill>
+              <a:srgbClr val="ECFAFF">
+                <a:alpha val="40000"/>
+              </a:srgbClr>
+            </a:solidFill>
+          </a:ln>
+        </p:spPr>
+        <p:style>
+          <a:lnRef idx="2">
+            <a:schemeClr val="accent1"/>
+          </a:lnRef>
+          <a:fillRef idx="1">
+            <a:schemeClr val="lt1"/>
+          </a:fillRef>
+          <a:effectRef idx="0">
+            <a:schemeClr val="accent1"/>
+          </a:effectRef>
+          <a:fontRef idx="minor">
+            <a:schemeClr val="dk1"/>
+          </a:fontRef>
+        </p:style>
+        <p:txBody>
+          <a:bodyPr rtlCol="0" anchor="ctr"/>
+          <a:lstStyle/>
+          <a:p>
+            <a:pPr algn="ctr"/>
+            <a:endParaRPr kumimoji="1" lang="zh-CN" altLang="en-US" dirty="0"/>
+          </a:p>
+        </p:txBody>
+      </p:sp>
+      <p:sp>
+        <p:nvSpPr>
+          <p:cNvPr id="9" name="矩形 8"/>
+          <p:cNvSpPr/>
+          <p:nvPr userDrawn="1"/>
+        </p:nvSpPr>
+        <p:spPr>
+          <a:xfrm>
+            <a:off x="531758" y="3643150"/>
+            <a:ext cx="5472000" cy="724284"/>
+          </a:xfrm>
+          <a:prstGeom prst="rect">
+            <a:avLst/>
+          </a:prstGeom>
+          <a:solidFill>
+            <a:srgbClr val="ECFAFF">
+              <a:alpha val="9000"/>
+            </a:srgbClr>
+          </a:solidFill>
+          <a:ln>
+            <a:solidFill>
+              <a:srgbClr val="ECFAFF">
+                <a:alpha val="40000"/>
+              </a:srgbClr>
+            </a:solidFill>
+          </a:ln>
+        </p:spPr>
+        <p:style>
+          <a:lnRef idx="2">
+            <a:schemeClr val="accent1"/>
+          </a:lnRef>
+          <a:fillRef idx="1">
+            <a:schemeClr val="lt1"/>
+          </a:fillRef>
+          <a:effectRef idx="0">
+            <a:schemeClr val="accent1"/>
+          </a:effectRef>
+          <a:fontRef idx="minor">
+            <a:schemeClr val="dk1"/>
+          </a:fontRef>
+        </p:style>
+        <p:txBody>
+          <a:bodyPr rtlCol="0" anchor="ctr"/>
+          <a:lstStyle/>
+          <a:p>
+            <a:pPr algn="ctr"/>
+            <a:endParaRPr kumimoji="1" lang="zh-CN" altLang="en-US" dirty="0"/>
+          </a:p>
+        </p:txBody>
+      </p:sp>
+      <p:sp>
+        <p:nvSpPr>
+          <p:cNvPr id="10" name="矩形 9"/>
+          <p:cNvSpPr/>
+          <p:nvPr userDrawn="1"/>
+        </p:nvSpPr>
+        <p:spPr>
+          <a:xfrm>
+            <a:off x="6188242" y="3643150"/>
+            <a:ext cx="5472000" cy="724284"/>
+          </a:xfrm>
+          <a:prstGeom prst="rect">
+            <a:avLst/>
+          </a:prstGeom>
+          <a:solidFill>
+            <a:srgbClr val="ECFAFF">
+              <a:alpha val="9000"/>
+            </a:srgbClr>
+          </a:solidFill>
+          <a:ln>
+            <a:solidFill>
+              <a:srgbClr val="ECFAFF">
+                <a:alpha val="40000"/>
+              </a:srgbClr>
+            </a:solidFill>
+          </a:ln>
+        </p:spPr>
+        <p:style>
+          <a:lnRef idx="2">
+            <a:schemeClr val="accent1"/>
+          </a:lnRef>
+          <a:fillRef idx="1">
+            <a:schemeClr val="lt1"/>
+          </a:fillRef>
+          <a:effectRef idx="0">
+            <a:schemeClr val="accent1"/>
+          </a:effectRef>
+          <a:fontRef idx="minor">
+            <a:schemeClr val="dk1"/>
+          </a:fontRef>
+        </p:style>
+        <p:txBody>
+          <a:bodyPr rtlCol="0" anchor="ctr"/>
+          <a:lstStyle/>
+          <a:p>
+            <a:pPr algn="ctr"/>
+            <a:endParaRPr kumimoji="1" lang="zh-CN" altLang="en-US" dirty="0"/>
+          </a:p>
+        </p:txBody>
+      </p:sp>
+      <p:sp>
+        <p:nvSpPr>
+          <p:cNvPr id="11" name="文本框 6">
+            <a:extLst>
+              <a:ext uri="{FF2B5EF4-FFF2-40B4-BE49-F238E27FC236}">
+                <a16:creationId xmlns:a16="http://schemas.microsoft.com/office/drawing/2014/main" xmlns="" id="{5D38C703-0535-2649-B4A0-B8F05CF7B2C5}"/>
+              </a:ext>
+            </a:extLst>
+          </p:cNvPr>
+          <p:cNvSpPr txBox="1"/>
+          <p:nvPr userDrawn="1"/>
+        </p:nvSpPr>
+        <p:spPr>
+          <a:xfrm>
+            <a:off x="1971758" y="3805237"/>
+            <a:ext cx="548810" cy="400110"/>
+          </a:xfrm>
+          <a:prstGeom prst="rect">
+            <a:avLst/>
+          </a:prstGeom>
+          <a:noFill/>
+        </p:spPr>
+        <p:txBody>
+          <a:bodyPr wrap="square" rtlCol="0" anchor="ctr" anchorCtr="0">
+            <a:spAutoFit/>
+          </a:bodyPr>
+          <a:lstStyle/>
+          <a:p>
+            <a:r>
+              <a:rPr kumimoji="1" lang="en-US" altLang="zh-CN" sz="2000" b="0" i="0" dirty="0">
+                <a:solidFill>
+                  <a:srgbClr val="ECFAFF"/>
+                </a:solidFill>
+                <a:latin typeface="PingFang SC" charset="-122"/>
+                <a:ea typeface="PingFang SC" charset="-122"/>
+                <a:cs typeface="PingFang SC" charset="-122"/>
+              </a:rPr>
+              <a:t>A.</a:t>
+            </a:r>
+            <a:endParaRPr kumimoji="1" lang="zh-CN" altLang="en-US" sz="2000" b="0" i="0" dirty="0">
+              <a:solidFill>
+                <a:srgbClr val="ECFAFF"/>
+              </a:solidFill>
+              <a:latin typeface="PingFang SC" charset="-122"/>
+              <a:ea typeface="PingFang SC" charset="-122"/>
+              <a:cs typeface="PingFang SC" charset="-122"/>
+            </a:endParaRPr>
+          </a:p>
+        </p:txBody>
+      </p:sp>
+      <p:sp>
+        <p:nvSpPr>
+          <p:cNvPr id="12" name="文本框 11">
+            <a:extLst>
+              <a:ext uri="{FF2B5EF4-FFF2-40B4-BE49-F238E27FC236}">
+                <a16:creationId xmlns:a16="http://schemas.microsoft.com/office/drawing/2014/main" xmlns="" id="{65E5CD98-D6C1-1848-86A2-A50598B55139}"/>
+              </a:ext>
+            </a:extLst>
+          </p:cNvPr>
+          <p:cNvSpPr txBox="1"/>
+          <p:nvPr userDrawn="1"/>
+        </p:nvSpPr>
+        <p:spPr>
+          <a:xfrm>
+            <a:off x="1971758" y="4762153"/>
+            <a:ext cx="548810" cy="400110"/>
+          </a:xfrm>
+          <a:prstGeom prst="rect">
+            <a:avLst/>
+          </a:prstGeom>
+          <a:noFill/>
+        </p:spPr>
+        <p:txBody>
+          <a:bodyPr wrap="square" rtlCol="0" anchor="ctr" anchorCtr="0">
+            <a:spAutoFit/>
+          </a:bodyPr>
+          <a:lstStyle/>
+          <a:p>
+            <a:r>
+              <a:rPr kumimoji="1" lang="en-US" altLang="zh-CN" sz="2000" b="0" i="0" dirty="0">
+                <a:solidFill>
+                  <a:srgbClr val="ECFAFF"/>
+                </a:solidFill>
+                <a:latin typeface="PingFang SC" charset="-122"/>
+                <a:ea typeface="PingFang SC" charset="-122"/>
+                <a:cs typeface="PingFang SC" charset="-122"/>
+              </a:rPr>
+              <a:t>C.</a:t>
+            </a:r>
+            <a:endParaRPr kumimoji="1" lang="zh-CN" altLang="en-US" sz="2000" b="0" i="0" dirty="0">
+              <a:solidFill>
+                <a:srgbClr val="ECFAFF"/>
+              </a:solidFill>
+              <a:latin typeface="PingFang SC" charset="-122"/>
+              <a:ea typeface="PingFang SC" charset="-122"/>
+              <a:cs typeface="PingFang SC" charset="-122"/>
+            </a:endParaRPr>
+          </a:p>
+        </p:txBody>
+      </p:sp>
+      <p:sp>
+        <p:nvSpPr>
+          <p:cNvPr id="13" name="文本框 6">
+            <a:extLst>
+              <a:ext uri="{FF2B5EF4-FFF2-40B4-BE49-F238E27FC236}">
+                <a16:creationId xmlns:a16="http://schemas.microsoft.com/office/drawing/2014/main" xmlns="" id="{5F9E940D-7090-E94B-8B49-5CA1D127071A}"/>
+              </a:ext>
+            </a:extLst>
+          </p:cNvPr>
+          <p:cNvSpPr txBox="1"/>
+          <p:nvPr userDrawn="1"/>
+        </p:nvSpPr>
+        <p:spPr>
+          <a:xfrm>
+            <a:off x="7614129" y="3805237"/>
+            <a:ext cx="548810" cy="400110"/>
+          </a:xfrm>
+          <a:prstGeom prst="rect">
+            <a:avLst/>
+          </a:prstGeom>
+          <a:noFill/>
+        </p:spPr>
+        <p:txBody>
+          <a:bodyPr wrap="square" rtlCol="0" anchor="ctr" anchorCtr="0">
+            <a:spAutoFit/>
+          </a:bodyPr>
+          <a:lstStyle/>
+          <a:p>
+            <a:r>
+              <a:rPr kumimoji="1" lang="en-US" altLang="zh-CN" sz="2000" b="0" i="0" dirty="0">
+                <a:solidFill>
+                  <a:srgbClr val="ECFAFF"/>
+                </a:solidFill>
+                <a:latin typeface="PingFang SC" charset="-122"/>
+                <a:ea typeface="PingFang SC" charset="-122"/>
+                <a:cs typeface="PingFang SC" charset="-122"/>
+              </a:rPr>
+              <a:t>B.</a:t>
+            </a:r>
+            <a:endParaRPr kumimoji="1" lang="zh-CN" altLang="en-US" sz="2000" b="0" i="0" dirty="0">
+              <a:solidFill>
+                <a:srgbClr val="ECFAFF"/>
+              </a:solidFill>
+              <a:latin typeface="PingFang SC" charset="-122"/>
+              <a:ea typeface="PingFang SC" charset="-122"/>
+              <a:cs typeface="PingFang SC" charset="-122"/>
+            </a:endParaRPr>
+          </a:p>
+        </p:txBody>
+      </p:sp>
+      <p:sp>
+        <p:nvSpPr>
+          <p:cNvPr id="14" name="文本框 6">
+            <a:extLst>
+              <a:ext uri="{FF2B5EF4-FFF2-40B4-BE49-F238E27FC236}">
+                <a16:creationId xmlns:a16="http://schemas.microsoft.com/office/drawing/2014/main" xmlns="" id="{BB9196A1-74E2-5046-99D0-EB0B468753EC}"/>
+              </a:ext>
+            </a:extLst>
+          </p:cNvPr>
+          <p:cNvSpPr txBox="1"/>
+          <p:nvPr userDrawn="1"/>
+        </p:nvSpPr>
+        <p:spPr>
+          <a:xfrm>
+            <a:off x="7614129" y="4762153"/>
+            <a:ext cx="548810" cy="400110"/>
+          </a:xfrm>
+          <a:prstGeom prst="rect">
+            <a:avLst/>
+          </a:prstGeom>
+          <a:noFill/>
+        </p:spPr>
+        <p:txBody>
+          <a:bodyPr wrap="square" rtlCol="0" anchor="ctr" anchorCtr="0">
+            <a:spAutoFit/>
+          </a:bodyPr>
+          <a:lstStyle/>
+          <a:p>
+            <a:r>
+              <a:rPr kumimoji="1" lang="en-US" altLang="zh-CN" sz="2000" b="0" i="0" dirty="0">
+                <a:solidFill>
+                  <a:srgbClr val="ECFAFF"/>
+                </a:solidFill>
+                <a:latin typeface="PingFang SC" charset="-122"/>
+                <a:ea typeface="PingFang SC" charset="-122"/>
+                <a:cs typeface="PingFang SC" charset="-122"/>
+              </a:rPr>
+              <a:t>D.</a:t>
+            </a:r>
+            <a:endParaRPr kumimoji="1" lang="zh-CN" altLang="en-US" sz="2000" b="0" i="0" dirty="0">
+              <a:solidFill>
+                <a:srgbClr val="ECFAFF"/>
+              </a:solidFill>
+              <a:latin typeface="PingFang SC" charset="-122"/>
+              <a:ea typeface="PingFang SC" charset="-122"/>
+              <a:cs typeface="PingFang SC" charset="-122"/>
+            </a:endParaRPr>
+          </a:p>
+        </p:txBody>
+      </p:sp>
+      <p:sp>
+        <p:nvSpPr>
+          <p:cNvPr id="15" name="文本占位符 20"/>
+          <p:cNvSpPr>
+            <a:spLocks noGrp="1"/>
+          </p:cNvSpPr>
+          <p:nvPr>
+            <p:ph type="body" sz="quarter" idx="14" hasCustomPrompt="1"/>
+          </p:nvPr>
+        </p:nvSpPr>
+        <p:spPr>
+          <a:xfrm>
+            <a:off x="2394274" y="3820626"/>
+            <a:ext cx="3452388" cy="369332"/>
+          </a:xfrm>
+          <a:prstGeom prst="rect">
+            <a:avLst/>
+          </a:prstGeom>
+        </p:spPr>
+        <p:txBody>
+          <a:bodyPr wrap="square" anchor="ctr" anchorCtr="0">
+            <a:noAutofit/>
+          </a:bodyPr>
+          <a:lstStyle>
+            <a:lvl1pPr marL="0" indent="0" algn="l">
+              <a:buFontTx/>
+              <a:buNone/>
+              <a:defRPr sz="2000" baseline="0">
+                <a:solidFill>
+                  <a:srgbClr val="ECFAFF"/>
+                </a:solidFill>
+                <a:latin typeface="PingFang SC" charset="-122"/>
+                <a:ea typeface="PingFang SC" charset="-122"/>
+                <a:cs typeface="PingFang SC" charset="-122"/>
+              </a:defRPr>
+            </a:lvl1pPr>
+            <a:lvl2pPr marL="457200" indent="0" algn="l">
+              <a:buFontTx/>
+              <a:buNone/>
+              <a:defRPr sz="2000">
+                <a:solidFill>
+                  <a:srgbClr val="ECFAFF"/>
+                </a:solidFill>
+                <a:latin typeface="PingFang SC" charset="-122"/>
+                <a:ea typeface="PingFang SC" charset="-122"/>
+                <a:cs typeface="PingFang SC" charset="-122"/>
+              </a:defRPr>
+            </a:lvl2pPr>
+            <a:lvl3pPr marL="914400" indent="0" algn="l">
+              <a:buFontTx/>
+              <a:buNone/>
+              <a:defRPr sz="2000">
+                <a:solidFill>
+                  <a:srgbClr val="ECFAFF"/>
+                </a:solidFill>
+                <a:latin typeface="PingFang SC" charset="-122"/>
+                <a:ea typeface="PingFang SC" charset="-122"/>
+                <a:cs typeface="PingFang SC" charset="-122"/>
+              </a:defRPr>
+            </a:lvl3pPr>
+            <a:lvl4pPr marL="1371600" indent="0" algn="l">
+              <a:buFontTx/>
+              <a:buNone/>
+              <a:defRPr sz="2000">
+                <a:solidFill>
+                  <a:srgbClr val="ECFAFF"/>
+                </a:solidFill>
+                <a:latin typeface="PingFang SC" charset="-122"/>
+                <a:ea typeface="PingFang SC" charset="-122"/>
+                <a:cs typeface="PingFang SC" charset="-122"/>
+              </a:defRPr>
+            </a:lvl4pPr>
+            <a:lvl5pPr marL="1828800" indent="0" algn="l">
+              <a:buFontTx/>
+              <a:buNone/>
+              <a:defRPr sz="2000">
+                <a:solidFill>
+                  <a:srgbClr val="ECFAFF"/>
+                </a:solidFill>
+                <a:latin typeface="PingFang SC" charset="-122"/>
+                <a:ea typeface="PingFang SC" charset="-122"/>
+                <a:cs typeface="PingFang SC" charset="-122"/>
+              </a:defRPr>
+            </a:lvl5pPr>
+          </a:lstStyle>
+          <a:p>
+            <a:pPr lvl="0"/>
+            <a:r>
+              <a:rPr kumimoji="1" lang="en-US" altLang="zh-CN" dirty="0" smtClean="0"/>
+              <a:t>Choice</a:t>
+            </a:r>
+            <a:r>
+              <a:rPr kumimoji="1" lang="zh-CN" altLang="en-US" dirty="0" smtClean="0"/>
+              <a:t> </a:t>
+            </a:r>
+            <a:r>
+              <a:rPr kumimoji="1" lang="en-US" altLang="zh-CN" dirty="0" smtClean="0"/>
+              <a:t>A</a:t>
+            </a:r>
+            <a:r>
+              <a:rPr kumimoji="1" lang="zh-CN" altLang="en-US" dirty="0" smtClean="0"/>
+              <a:t> </a:t>
+            </a:r>
+            <a:r>
+              <a:rPr kumimoji="1" lang="en-US" altLang="zh-CN" dirty="0" smtClean="0"/>
+              <a:t>+</a:t>
+            </a:r>
+            <a:r>
+              <a:rPr kumimoji="1" lang="zh-CN" altLang="en-US" dirty="0" smtClean="0"/>
+              <a:t> 释义</a:t>
+            </a:r>
+            <a:endParaRPr kumimoji="1" lang="zh-CN" altLang="en-US" dirty="0"/>
+          </a:p>
+        </p:txBody>
+      </p:sp>
+      <p:sp>
+        <p:nvSpPr>
+          <p:cNvPr id="16" name="文本占位符 20"/>
+          <p:cNvSpPr>
+            <a:spLocks noGrp="1"/>
+          </p:cNvSpPr>
+          <p:nvPr>
+            <p:ph type="body" sz="quarter" idx="15" hasCustomPrompt="1"/>
+          </p:nvPr>
+        </p:nvSpPr>
+        <p:spPr>
+          <a:xfrm>
+            <a:off x="8050858" y="3820626"/>
+            <a:ext cx="3458939" cy="369332"/>
+          </a:xfrm>
+          <a:prstGeom prst="rect">
+            <a:avLst/>
+          </a:prstGeom>
+        </p:spPr>
+        <p:txBody>
+          <a:bodyPr wrap="square" anchor="ctr" anchorCtr="0">
+            <a:noAutofit/>
+          </a:bodyPr>
+          <a:lstStyle>
+            <a:lvl1pPr marL="0" marR="0" indent="0" algn="l" defTabSz="914400" rtl="0" eaLnBrk="1" fontAlgn="auto" latinLnBrk="0" hangingPunct="1">
+              <a:lnSpc>
+                <a:spcPct val="90000"/>
+              </a:lnSpc>
+              <a:spcBef>
+                <a:spcPts val="1000"/>
+              </a:spcBef>
+              <a:spcAft>
+                <a:spcPts val="0"/>
+              </a:spcAft>
+              <a:buClrTx/>
+              <a:buSzTx/>
+              <a:buFontTx/>
+              <a:buNone/>
+              <a:tabLst/>
+              <a:defRPr sz="2000" baseline="0">
+                <a:solidFill>
+                  <a:srgbClr val="ECFAFF"/>
+                </a:solidFill>
+                <a:latin typeface="PingFang SC" charset="-122"/>
+                <a:ea typeface="PingFang SC" charset="-122"/>
+                <a:cs typeface="PingFang SC" charset="-122"/>
+              </a:defRPr>
+            </a:lvl1pPr>
+            <a:lvl2pPr marL="457200" indent="0" algn="l">
+              <a:buFontTx/>
+              <a:buNone/>
+              <a:defRPr sz="2000">
+                <a:solidFill>
+                  <a:srgbClr val="ECFAFF"/>
+                </a:solidFill>
+                <a:latin typeface="PingFang SC" charset="-122"/>
+                <a:ea typeface="PingFang SC" charset="-122"/>
+                <a:cs typeface="PingFang SC" charset="-122"/>
+              </a:defRPr>
+            </a:lvl2pPr>
+            <a:lvl3pPr marL="914400" indent="0" algn="l">
+              <a:buFontTx/>
+              <a:buNone/>
+              <a:defRPr sz="2000">
+                <a:solidFill>
+                  <a:srgbClr val="ECFAFF"/>
+                </a:solidFill>
+                <a:latin typeface="PingFang SC" charset="-122"/>
+                <a:ea typeface="PingFang SC" charset="-122"/>
+                <a:cs typeface="PingFang SC" charset="-122"/>
+              </a:defRPr>
+            </a:lvl3pPr>
+            <a:lvl4pPr marL="1371600" indent="0" algn="l">
+              <a:buFontTx/>
+              <a:buNone/>
+              <a:defRPr sz="2000">
+                <a:solidFill>
+                  <a:srgbClr val="ECFAFF"/>
+                </a:solidFill>
+                <a:latin typeface="PingFang SC" charset="-122"/>
+                <a:ea typeface="PingFang SC" charset="-122"/>
+                <a:cs typeface="PingFang SC" charset="-122"/>
+              </a:defRPr>
+            </a:lvl4pPr>
+            <a:lvl5pPr marL="1828800" indent="0" algn="l">
+              <a:buFontTx/>
+              <a:buNone/>
+              <a:defRPr sz="2000">
+                <a:solidFill>
+                  <a:srgbClr val="ECFAFF"/>
+                </a:solidFill>
+                <a:latin typeface="PingFang SC" charset="-122"/>
+                <a:ea typeface="PingFang SC" charset="-122"/>
+                <a:cs typeface="PingFang SC" charset="-122"/>
+              </a:defRPr>
+            </a:lvl5pPr>
+          </a:lstStyle>
+          <a:p>
+            <a:pPr marL="0" marR="0" lvl="0" indent="0" algn="l" defTabSz="914400" rtl="0" eaLnBrk="1" fontAlgn="auto" latinLnBrk="0" hangingPunct="1">
+              <a:lnSpc>
+                <a:spcPct val="90000"/>
+              </a:lnSpc>
+              <a:spcBef>
+                <a:spcPts val="1000"/>
+              </a:spcBef>
+              <a:spcAft>
+                <a:spcPts val="0"/>
+              </a:spcAft>
+              <a:buClrTx/>
+              <a:buSzTx/>
+              <a:buFontTx/>
+              <a:buNone/>
+              <a:tabLst/>
+              <a:defRPr/>
+            </a:pPr>
+            <a:r>
+              <a:rPr kumimoji="1" lang="en-US" altLang="zh-CN" dirty="0" smtClean="0"/>
+              <a:t>Choice</a:t>
+            </a:r>
+            <a:r>
+              <a:rPr kumimoji="1" lang="zh-CN" altLang="en-US" dirty="0" smtClean="0"/>
+              <a:t> </a:t>
+            </a:r>
+            <a:r>
+              <a:rPr kumimoji="1" lang="en-US" altLang="zh-CN" dirty="0" smtClean="0"/>
+              <a:t>B</a:t>
+            </a:r>
+            <a:r>
+              <a:rPr kumimoji="1" lang="zh-CN" altLang="en-US" dirty="0" smtClean="0"/>
+              <a:t> </a:t>
+            </a:r>
+            <a:r>
+              <a:rPr kumimoji="1" lang="en-US" altLang="zh-CN" dirty="0" smtClean="0"/>
+              <a:t>+</a:t>
+            </a:r>
+            <a:r>
+              <a:rPr kumimoji="1" lang="zh-CN" altLang="en-US" dirty="0" smtClean="0"/>
+              <a:t> 释义</a:t>
+            </a:r>
+          </a:p>
+        </p:txBody>
+      </p:sp>
+      <p:sp>
+        <p:nvSpPr>
+          <p:cNvPr id="17" name="文本占位符 20"/>
+          <p:cNvSpPr>
+            <a:spLocks noGrp="1"/>
+          </p:cNvSpPr>
+          <p:nvPr>
+            <p:ph type="body" sz="quarter" idx="16" hasCustomPrompt="1"/>
+          </p:nvPr>
+        </p:nvSpPr>
+        <p:spPr>
+          <a:xfrm>
+            <a:off x="2392353" y="4777542"/>
+            <a:ext cx="3500447" cy="369332"/>
+          </a:xfrm>
+          <a:prstGeom prst="rect">
+            <a:avLst/>
+          </a:prstGeom>
+        </p:spPr>
+        <p:txBody>
+          <a:bodyPr wrap="square" anchor="ctr" anchorCtr="0">
+            <a:noAutofit/>
+          </a:bodyPr>
+          <a:lstStyle>
+            <a:lvl1pPr marL="0" marR="0" indent="0" algn="l" defTabSz="914400" rtl="0" eaLnBrk="1" fontAlgn="auto" latinLnBrk="0" hangingPunct="1">
+              <a:lnSpc>
+                <a:spcPct val="90000"/>
+              </a:lnSpc>
+              <a:spcBef>
+                <a:spcPts val="1000"/>
+              </a:spcBef>
+              <a:spcAft>
+                <a:spcPts val="0"/>
+              </a:spcAft>
+              <a:buClrTx/>
+              <a:buSzTx/>
+              <a:buFontTx/>
+              <a:buNone/>
+              <a:tabLst/>
+              <a:defRPr sz="2000" baseline="0">
+                <a:solidFill>
+                  <a:srgbClr val="ECFAFF"/>
+                </a:solidFill>
+                <a:latin typeface="PingFang SC" charset="-122"/>
+                <a:ea typeface="PingFang SC" charset="-122"/>
+                <a:cs typeface="PingFang SC" charset="-122"/>
+              </a:defRPr>
+            </a:lvl1pPr>
+            <a:lvl2pPr marL="457200" indent="0" algn="l">
+              <a:buFontTx/>
+              <a:buNone/>
+              <a:defRPr sz="2000">
+                <a:solidFill>
+                  <a:srgbClr val="ECFAFF"/>
+                </a:solidFill>
+                <a:latin typeface="PingFang SC" charset="-122"/>
+                <a:ea typeface="PingFang SC" charset="-122"/>
+                <a:cs typeface="PingFang SC" charset="-122"/>
+              </a:defRPr>
+            </a:lvl2pPr>
+            <a:lvl3pPr marL="914400" indent="0" algn="l">
+              <a:buFontTx/>
+              <a:buNone/>
+              <a:defRPr sz="2000">
+                <a:solidFill>
+                  <a:srgbClr val="ECFAFF"/>
+                </a:solidFill>
+                <a:latin typeface="PingFang SC" charset="-122"/>
+                <a:ea typeface="PingFang SC" charset="-122"/>
+                <a:cs typeface="PingFang SC" charset="-122"/>
+              </a:defRPr>
+            </a:lvl3pPr>
+            <a:lvl4pPr marL="1371600" indent="0" algn="l">
+              <a:buFontTx/>
+              <a:buNone/>
+              <a:defRPr sz="2000">
+                <a:solidFill>
+                  <a:srgbClr val="ECFAFF"/>
+                </a:solidFill>
+                <a:latin typeface="PingFang SC" charset="-122"/>
+                <a:ea typeface="PingFang SC" charset="-122"/>
+                <a:cs typeface="PingFang SC" charset="-122"/>
+              </a:defRPr>
+            </a:lvl4pPr>
+            <a:lvl5pPr marL="1828800" indent="0" algn="l">
+              <a:buFontTx/>
+              <a:buNone/>
+              <a:defRPr sz="2000">
+                <a:solidFill>
+                  <a:srgbClr val="ECFAFF"/>
+                </a:solidFill>
+                <a:latin typeface="PingFang SC" charset="-122"/>
+                <a:ea typeface="PingFang SC" charset="-122"/>
+                <a:cs typeface="PingFang SC" charset="-122"/>
+              </a:defRPr>
+            </a:lvl5pPr>
+          </a:lstStyle>
+          <a:p>
+            <a:pPr marL="0" marR="0" lvl="0" indent="0" algn="l" defTabSz="914400" rtl="0" eaLnBrk="1" fontAlgn="auto" latinLnBrk="0" hangingPunct="1">
+              <a:lnSpc>
+                <a:spcPct val="90000"/>
+              </a:lnSpc>
+              <a:spcBef>
+                <a:spcPts val="1000"/>
+              </a:spcBef>
+              <a:spcAft>
+                <a:spcPts val="0"/>
+              </a:spcAft>
+              <a:buClrTx/>
+              <a:buSzTx/>
+              <a:buFontTx/>
+              <a:buNone/>
+              <a:tabLst/>
+              <a:defRPr/>
+            </a:pPr>
+            <a:r>
+              <a:rPr kumimoji="1" lang="en-US" altLang="zh-CN" dirty="0" smtClean="0"/>
+              <a:t>Choice</a:t>
+            </a:r>
+            <a:r>
+              <a:rPr kumimoji="1" lang="zh-CN" altLang="en-US" dirty="0" smtClean="0"/>
+              <a:t> </a:t>
+            </a:r>
+            <a:r>
+              <a:rPr kumimoji="1" lang="en-US" altLang="zh-CN" dirty="0" smtClean="0"/>
+              <a:t>C</a:t>
+            </a:r>
+            <a:r>
+              <a:rPr kumimoji="1" lang="zh-CN" altLang="en-US" dirty="0" smtClean="0"/>
+              <a:t> </a:t>
+            </a:r>
+            <a:r>
+              <a:rPr kumimoji="1" lang="en-US" altLang="zh-CN" dirty="0" smtClean="0"/>
+              <a:t>+</a:t>
+            </a:r>
+            <a:r>
+              <a:rPr kumimoji="1" lang="zh-CN" altLang="en-US" dirty="0" smtClean="0"/>
+              <a:t> 释义</a:t>
+            </a:r>
+          </a:p>
+        </p:txBody>
+      </p:sp>
+      <p:sp>
+        <p:nvSpPr>
+          <p:cNvPr id="18" name="文本占位符 20"/>
+          <p:cNvSpPr>
+            <a:spLocks noGrp="1"/>
+          </p:cNvSpPr>
+          <p:nvPr>
+            <p:ph type="body" sz="quarter" idx="17" hasCustomPrompt="1"/>
+          </p:nvPr>
+        </p:nvSpPr>
+        <p:spPr>
+          <a:xfrm>
+            <a:off x="8050859" y="4777542"/>
+            <a:ext cx="3480742" cy="369332"/>
+          </a:xfrm>
+          <a:prstGeom prst="rect">
+            <a:avLst/>
+          </a:prstGeom>
+        </p:spPr>
+        <p:txBody>
+          <a:bodyPr wrap="square" anchor="ctr" anchorCtr="0">
+            <a:noAutofit/>
+          </a:bodyPr>
+          <a:lstStyle>
+            <a:lvl1pPr marL="0" marR="0" indent="0" algn="l" defTabSz="914400" rtl="0" eaLnBrk="1" fontAlgn="auto" latinLnBrk="0" hangingPunct="1">
+              <a:lnSpc>
+                <a:spcPct val="90000"/>
+              </a:lnSpc>
+              <a:spcBef>
+                <a:spcPts val="1000"/>
+              </a:spcBef>
+              <a:spcAft>
+                <a:spcPts val="0"/>
+              </a:spcAft>
+              <a:buClrTx/>
+              <a:buSzTx/>
+              <a:buFontTx/>
+              <a:buNone/>
+              <a:tabLst/>
+              <a:defRPr sz="2000" baseline="0">
+                <a:solidFill>
+                  <a:srgbClr val="ECFAFF"/>
+                </a:solidFill>
+                <a:latin typeface="PingFang SC" charset="-122"/>
+                <a:ea typeface="PingFang SC" charset="-122"/>
+                <a:cs typeface="PingFang SC" charset="-122"/>
+              </a:defRPr>
+            </a:lvl1pPr>
+            <a:lvl2pPr marL="457200" indent="0" algn="l">
+              <a:buFontTx/>
+              <a:buNone/>
+              <a:defRPr sz="2000">
+                <a:solidFill>
+                  <a:srgbClr val="ECFAFF"/>
+                </a:solidFill>
+                <a:latin typeface="PingFang SC" charset="-122"/>
+                <a:ea typeface="PingFang SC" charset="-122"/>
+                <a:cs typeface="PingFang SC" charset="-122"/>
+              </a:defRPr>
+            </a:lvl2pPr>
+            <a:lvl3pPr marL="914400" indent="0" algn="l">
+              <a:buFontTx/>
+              <a:buNone/>
+              <a:defRPr sz="2000">
+                <a:solidFill>
+                  <a:srgbClr val="ECFAFF"/>
+                </a:solidFill>
+                <a:latin typeface="PingFang SC" charset="-122"/>
+                <a:ea typeface="PingFang SC" charset="-122"/>
+                <a:cs typeface="PingFang SC" charset="-122"/>
+              </a:defRPr>
+            </a:lvl3pPr>
+            <a:lvl4pPr marL="1371600" indent="0" algn="l">
+              <a:buFontTx/>
+              <a:buNone/>
+              <a:defRPr sz="2000">
+                <a:solidFill>
+                  <a:srgbClr val="ECFAFF"/>
+                </a:solidFill>
+                <a:latin typeface="PingFang SC" charset="-122"/>
+                <a:ea typeface="PingFang SC" charset="-122"/>
+                <a:cs typeface="PingFang SC" charset="-122"/>
+              </a:defRPr>
+            </a:lvl4pPr>
+            <a:lvl5pPr marL="1828800" indent="0" algn="l">
+              <a:buFontTx/>
+              <a:buNone/>
+              <a:defRPr sz="2000">
+                <a:solidFill>
+                  <a:srgbClr val="ECFAFF"/>
+                </a:solidFill>
+                <a:latin typeface="PingFang SC" charset="-122"/>
+                <a:ea typeface="PingFang SC" charset="-122"/>
+                <a:cs typeface="PingFang SC" charset="-122"/>
+              </a:defRPr>
+            </a:lvl5pPr>
+          </a:lstStyle>
+          <a:p>
+            <a:pPr marL="0" marR="0" lvl="0" indent="0" algn="l" defTabSz="914400" rtl="0" eaLnBrk="1" fontAlgn="auto" latinLnBrk="0" hangingPunct="1">
+              <a:lnSpc>
+                <a:spcPct val="90000"/>
+              </a:lnSpc>
+              <a:spcBef>
+                <a:spcPts val="1000"/>
+              </a:spcBef>
+              <a:spcAft>
+                <a:spcPts val="0"/>
+              </a:spcAft>
+              <a:buClrTx/>
+              <a:buSzTx/>
+              <a:buFontTx/>
+              <a:buNone/>
+              <a:tabLst/>
+              <a:defRPr/>
+            </a:pPr>
+            <a:r>
+              <a:rPr kumimoji="1" lang="en-US" altLang="zh-CN" dirty="0" smtClean="0"/>
+              <a:t>Choice</a:t>
+            </a:r>
+            <a:r>
+              <a:rPr kumimoji="1" lang="zh-CN" altLang="en-US" dirty="0" smtClean="0"/>
+              <a:t> </a:t>
+            </a:r>
+            <a:r>
+              <a:rPr kumimoji="1" lang="en-US" altLang="zh-CN" dirty="0" smtClean="0"/>
+              <a:t>D</a:t>
+            </a:r>
+            <a:r>
+              <a:rPr kumimoji="1" lang="zh-CN" altLang="en-US" dirty="0" smtClean="0"/>
+              <a:t> </a:t>
+            </a:r>
+            <a:r>
+              <a:rPr kumimoji="1" lang="en-US" altLang="zh-CN" dirty="0" smtClean="0"/>
+              <a:t>+</a:t>
+            </a:r>
+            <a:r>
+              <a:rPr kumimoji="1" lang="zh-CN" altLang="en-US" dirty="0" smtClean="0"/>
+              <a:t> 释义</a:t>
+            </a:r>
+          </a:p>
+        </p:txBody>
+      </p:sp>
+      <p:sp>
+        <p:nvSpPr>
+          <p:cNvPr id="23" name="文本占位符 22"/>
+          <p:cNvSpPr>
+            <a:spLocks noGrp="1"/>
+          </p:cNvSpPr>
+          <p:nvPr>
+            <p:ph type="body" sz="quarter" idx="18" hasCustomPrompt="1"/>
+          </p:nvPr>
+        </p:nvSpPr>
+        <p:spPr>
+          <a:xfrm>
+            <a:off x="531813" y="5513398"/>
+            <a:ext cx="11128375" cy="989001"/>
+          </a:xfrm>
+          <a:prstGeom prst="rect">
+            <a:avLst/>
+          </a:prstGeom>
+        </p:spPr>
+        <p:txBody>
+          <a:bodyPr anchor="ctr"/>
+          <a:lstStyle>
+            <a:lvl1pPr marL="0" indent="0" algn="ctr">
+              <a:lnSpc>
+                <a:spcPct val="100000"/>
+              </a:lnSpc>
+              <a:buFontTx/>
+              <a:buNone/>
+              <a:defRPr sz="2000">
+                <a:solidFill>
+                  <a:srgbClr val="ECFAFF"/>
+                </a:solidFill>
+                <a:latin typeface="PingFang SC" charset="-122"/>
+                <a:ea typeface="PingFang SC" charset="-122"/>
+                <a:cs typeface="PingFang SC" charset="-122"/>
+              </a:defRPr>
+            </a:lvl1pPr>
+            <a:lvl2pPr marL="457200" indent="0" algn="ctr">
+              <a:buFontTx/>
+              <a:buNone/>
+              <a:defRPr sz="2000">
+                <a:solidFill>
+                  <a:srgbClr val="ECFAFF"/>
+                </a:solidFill>
+                <a:latin typeface="PingFang SC" charset="-122"/>
+                <a:ea typeface="PingFang SC" charset="-122"/>
+                <a:cs typeface="PingFang SC" charset="-122"/>
+              </a:defRPr>
+            </a:lvl2pPr>
+            <a:lvl3pPr marL="914400" indent="0" algn="ctr">
+              <a:buFontTx/>
+              <a:buNone/>
+              <a:defRPr sz="2000">
+                <a:solidFill>
+                  <a:srgbClr val="ECFAFF"/>
+                </a:solidFill>
+                <a:latin typeface="PingFang SC" charset="-122"/>
+                <a:ea typeface="PingFang SC" charset="-122"/>
+                <a:cs typeface="PingFang SC" charset="-122"/>
+              </a:defRPr>
+            </a:lvl3pPr>
+            <a:lvl4pPr marL="1371600" indent="0" algn="ctr">
+              <a:buFontTx/>
+              <a:buNone/>
+              <a:defRPr sz="2000">
+                <a:solidFill>
+                  <a:srgbClr val="ECFAFF"/>
+                </a:solidFill>
+                <a:latin typeface="PingFang SC" charset="-122"/>
+                <a:ea typeface="PingFang SC" charset="-122"/>
+                <a:cs typeface="PingFang SC" charset="-122"/>
+              </a:defRPr>
+            </a:lvl4pPr>
+            <a:lvl5pPr marL="1828800" indent="0" algn="ctr">
+              <a:buFontTx/>
+              <a:buNone/>
+              <a:defRPr sz="2000">
+                <a:solidFill>
+                  <a:srgbClr val="ECFAFF"/>
+                </a:solidFill>
+                <a:latin typeface="PingFang SC" charset="-122"/>
+                <a:ea typeface="PingFang SC" charset="-122"/>
+                <a:cs typeface="PingFang SC" charset="-122"/>
+              </a:defRPr>
+            </a:lvl5pPr>
+          </a:lstStyle>
+          <a:p>
+            <a:pPr lvl="0"/>
+            <a:r>
+              <a:rPr kumimoji="1" lang="zh-CN" altLang="en-US" dirty="0" smtClean="0"/>
+              <a:t>更多解释</a:t>
+            </a:r>
+            <a:r>
+              <a:rPr kumimoji="1" lang="en-US" altLang="zh-CN" dirty="0" smtClean="0"/>
+              <a:t>/</a:t>
+            </a:r>
+            <a:r>
+              <a:rPr kumimoji="1" lang="zh-CN" altLang="en-US" dirty="0" smtClean="0"/>
+              <a:t>备注：这里是文字</a:t>
+            </a:r>
+            <a:endParaRPr kumimoji="1" lang="zh-CN" altLang="en-US" dirty="0"/>
+          </a:p>
+        </p:txBody>
+      </p:sp>
+      <p:sp>
+        <p:nvSpPr>
+          <p:cNvPr id="2" name="文本框 1"/>
+          <p:cNvSpPr txBox="1"/>
+          <p:nvPr userDrawn="1"/>
+        </p:nvSpPr>
+        <p:spPr>
+          <a:xfrm>
+            <a:off x="5145969" y="739858"/>
+            <a:ext cx="1798841" cy="400110"/>
+          </a:xfrm>
+          <a:prstGeom prst="rect">
+            <a:avLst/>
+          </a:prstGeom>
+          <a:noFill/>
+        </p:spPr>
+        <p:txBody>
+          <a:bodyPr wrap="square" rtlCol="0" anchor="ctr">
+            <a:spAutoFit/>
+          </a:bodyPr>
+          <a:lstStyle/>
+          <a:p>
+            <a:pPr marL="0" marR="0" indent="0" algn="l" defTabSz="914400" rtl="0" eaLnBrk="1" fontAlgn="auto" latinLnBrk="0" hangingPunct="1">
+              <a:lnSpc>
+                <a:spcPct val="100000"/>
+              </a:lnSpc>
+              <a:spcBef>
+                <a:spcPts val="0"/>
+              </a:spcBef>
+              <a:spcAft>
+                <a:spcPts val="0"/>
+              </a:spcAft>
+              <a:buClrTx/>
+              <a:buSzTx/>
+              <a:buFontTx/>
+              <a:buNone/>
+              <a:tabLst/>
+              <a:defRPr/>
+            </a:pPr>
+            <a:r>
+              <a:rPr kumimoji="1" lang="zh-CN" altLang="en-US" sz="2000" b="0" i="0" u="none" strike="noStrike" kern="1200" cap="none" spc="0" normalizeH="0" baseline="0" noProof="0" dirty="0" smtClean="0">
+                <a:ln>
+                  <a:noFill/>
+                </a:ln>
+                <a:solidFill>
+                  <a:srgbClr val="ECFAFF"/>
+                </a:solidFill>
+                <a:effectLst/>
+                <a:uLnTx/>
+                <a:uFillTx/>
+                <a:latin typeface="PingFang SC" charset="-122"/>
+                <a:ea typeface="PingFang SC" charset="-122"/>
+                <a:cs typeface="PingFang SC" charset="-122"/>
+              </a:rPr>
+              <a:t>正确解答：</a:t>
+            </a:r>
+            <a:endParaRPr kumimoji="1" lang="zh-CN" altLang="en-US" sz="2000" dirty="0">
+              <a:solidFill>
+                <a:srgbClr val="ECFAFF"/>
+              </a:solidFill>
+              <a:latin typeface="PingFang SC" charset="-122"/>
+              <a:ea typeface="PingFang SC" charset="-122"/>
+              <a:cs typeface="PingFang SC" charset="-122"/>
+            </a:endParaRPr>
+          </a:p>
+        </p:txBody>
+      </p:sp>
+    </p:spTree>
+    <p:extLst>
+      <p:ext uri="{BB962C8B-B14F-4D97-AF65-F5344CB8AC3E}">
+        <p14:creationId xmlns:p14="http://schemas.microsoft.com/office/powerpoint/2010/main" val="2095891715"/>
       </p:ext>
     </p:extLst>
   </p:cSld>
@@ -3058,7 +5909,7 @@
           <p:cNvPr id="8" name="文本占位符 3">
             <a:extLst>
               <a:ext uri="{FF2B5EF4-FFF2-40B4-BE49-F238E27FC236}">
-                <a16:creationId xmlns:a16="http://schemas.microsoft.com/office/drawing/2014/main" xmlns="" id="{5BA5F626-1F8E-054A-918D-94622AD4EABF}"/>
+                <a16:creationId xmlns="" xmlns:a16="http://schemas.microsoft.com/office/drawing/2014/main" id="{5BA5F626-1F8E-054A-918D-94622AD4EABF}"/>
               </a:ext>
             </a:extLst>
           </p:cNvPr>
@@ -3147,7 +5998,7 @@
           <p:cNvPr id="9" name="文本占位符 3">
             <a:extLst>
               <a:ext uri="{FF2B5EF4-FFF2-40B4-BE49-F238E27FC236}">
-                <a16:creationId xmlns:a16="http://schemas.microsoft.com/office/drawing/2014/main" xmlns="" id="{5FCCDF54-3207-5346-9F95-0AC916F61892}"/>
+                <a16:creationId xmlns="" xmlns:a16="http://schemas.microsoft.com/office/drawing/2014/main" id="{5FCCDF54-3207-5346-9F95-0AC916F61892}"/>
               </a:ext>
             </a:extLst>
           </p:cNvPr>
@@ -3236,7 +6087,7 @@
           <p:cNvPr id="10" name="文本占位符 3">
             <a:extLst>
               <a:ext uri="{FF2B5EF4-FFF2-40B4-BE49-F238E27FC236}">
-                <a16:creationId xmlns:a16="http://schemas.microsoft.com/office/drawing/2014/main" xmlns="" id="{B191C670-839A-7542-ADC9-27051AC8F6B2}"/>
+                <a16:creationId xmlns="" xmlns:a16="http://schemas.microsoft.com/office/drawing/2014/main" id="{B191C670-839A-7542-ADC9-27051AC8F6B2}"/>
               </a:ext>
             </a:extLst>
           </p:cNvPr>
@@ -3325,7 +6176,7 @@
           <p:cNvPr id="11" name="文本框 6">
             <a:extLst>
               <a:ext uri="{FF2B5EF4-FFF2-40B4-BE49-F238E27FC236}">
-                <a16:creationId xmlns:a16="http://schemas.microsoft.com/office/drawing/2014/main" xmlns="" id="{CFFCA465-7096-CF48-82C4-BBF12BAED15D}"/>
+                <a16:creationId xmlns="" xmlns:a16="http://schemas.microsoft.com/office/drawing/2014/main" id="{CFFCA465-7096-CF48-82C4-BBF12BAED15D}"/>
               </a:ext>
             </a:extLst>
           </p:cNvPr>
@@ -3375,7 +6226,7 @@
           <p:cNvPr id="12" name="文本框 6">
             <a:extLst>
               <a:ext uri="{FF2B5EF4-FFF2-40B4-BE49-F238E27FC236}">
-                <a16:creationId xmlns:a16="http://schemas.microsoft.com/office/drawing/2014/main" xmlns="" id="{58BB7382-28F7-B140-99CA-079FE427AFED}"/>
+                <a16:creationId xmlns="" xmlns:a16="http://schemas.microsoft.com/office/drawing/2014/main" id="{58BB7382-28F7-B140-99CA-079FE427AFED}"/>
               </a:ext>
             </a:extLst>
           </p:cNvPr>
@@ -3425,7 +6276,7 @@
           <p:cNvPr id="13" name="文本框 6">
             <a:extLst>
               <a:ext uri="{FF2B5EF4-FFF2-40B4-BE49-F238E27FC236}">
-                <a16:creationId xmlns:a16="http://schemas.microsoft.com/office/drawing/2014/main" xmlns="" id="{6857E332-9933-9042-B7A8-9060834982B6}"/>
+                <a16:creationId xmlns="" xmlns:a16="http://schemas.microsoft.com/office/drawing/2014/main" id="{6857E332-9933-9042-B7A8-9060834982B6}"/>
               </a:ext>
             </a:extLst>
           </p:cNvPr>
@@ -3475,7 +6326,7 @@
           <p:cNvPr id="14" name="文本框 6">
             <a:extLst>
               <a:ext uri="{FF2B5EF4-FFF2-40B4-BE49-F238E27FC236}">
-                <a16:creationId xmlns:a16="http://schemas.microsoft.com/office/drawing/2014/main" xmlns="" id="{9708D859-D292-E44F-97EB-598216544539}"/>
+                <a16:creationId xmlns="" xmlns:a16="http://schemas.microsoft.com/office/drawing/2014/main" id="{9708D859-D292-E44F-97EB-598216544539}"/>
               </a:ext>
             </a:extLst>
           </p:cNvPr>
@@ -3525,7 +6376,7 @@
           <p:cNvPr id="15" name="文本占位符 3">
             <a:extLst>
               <a:ext uri="{FF2B5EF4-FFF2-40B4-BE49-F238E27FC236}">
-                <a16:creationId xmlns:a16="http://schemas.microsoft.com/office/drawing/2014/main" xmlns="" id="{61048211-379D-CD4C-8037-C4240B243345}"/>
+                <a16:creationId xmlns="" xmlns:a16="http://schemas.microsoft.com/office/drawing/2014/main" id="{61048211-379D-CD4C-8037-C4240B243345}"/>
               </a:ext>
             </a:extLst>
           </p:cNvPr>
@@ -3745,7 +6596,7 @@
         </p:nvSpPr>
         <p:spPr>
           <a:xfrm>
-            <a:off x="2784001" y="314124"/>
+            <a:off x="2784001" y="342700"/>
             <a:ext cx="1624714" cy="523220"/>
           </a:xfrm>
           <a:prstGeom prst="rect">
@@ -4259,7 +7110,7 @@
         <p:spPr>
           <a:xfrm>
             <a:off x="1056000" y="220689"/>
-            <a:ext cx="1728000" cy="523220"/>
+            <a:ext cx="1584000" cy="523220"/>
           </a:xfrm>
           <a:prstGeom prst="rect">
             <a:avLst/>
@@ -4271,7 +7122,7 @@
             <a:lvl1pPr marL="0" indent="0">
               <a:buFontTx/>
               <a:buNone/>
-              <a:defRPr sz="3600" b="0" i="0">
+              <a:defRPr sz="3200" b="0" i="0">
                 <a:solidFill>
                   <a:srgbClr val="ECFAFF"/>
                 </a:solidFill>
@@ -4315,8 +7166,8 @@
         </p:nvSpPr>
         <p:spPr>
           <a:xfrm>
-            <a:off x="2784001" y="220689"/>
-            <a:ext cx="1624714" cy="523220"/>
+            <a:off x="2784001" y="265754"/>
+            <a:ext cx="1584000" cy="461665"/>
           </a:xfrm>
           <a:prstGeom prst="rect">
             <a:avLst/>
@@ -4330,7 +7181,7 @@
           <a:lstStyle/>
           <a:p>
             <a:r>
-              <a:rPr kumimoji="1" lang="zh-CN" altLang="en-US" sz="2800" b="0" i="0" dirty="0">
+              <a:rPr kumimoji="1" lang="zh-CN" altLang="en-US" sz="2400" b="0" i="0" dirty="0">
                 <a:solidFill>
                   <a:srgbClr val="ECFAFF"/>
                 </a:solidFill>
@@ -4355,7 +7206,7 @@
         </p:nvSpPr>
         <p:spPr>
           <a:xfrm>
-            <a:off x="4408715" y="220689"/>
+            <a:off x="4137253" y="220689"/>
             <a:ext cx="1152000" cy="523220"/>
           </a:xfrm>
           <a:prstGeom prst="rect">
@@ -4368,7 +7219,7 @@
             <a:lvl1pPr marL="0" indent="0">
               <a:buFontTx/>
               <a:buNone/>
-              <a:defRPr sz="3600" b="0" i="0">
+              <a:defRPr sz="3200" b="0" i="0">
                 <a:solidFill>
                   <a:srgbClr val="ECFAFF"/>
                 </a:solidFill>
@@ -4529,7 +7380,7 @@
           <p:cNvPr id="16" name="文本占位符 3">
             <a:extLst>
               <a:ext uri="{FF2B5EF4-FFF2-40B4-BE49-F238E27FC236}">
-                <a16:creationId xmlns="" xmlns:a16="http://schemas.microsoft.com/office/drawing/2014/main" id="{A74FB077-6AA3-0B43-AC21-EE33C7C61E10}"/>
+                <a16:creationId xmlns:a16="http://schemas.microsoft.com/office/drawing/2014/main" xmlns="" id="{A74FB077-6AA3-0B43-AC21-EE33C7C61E10}"/>
               </a:ext>
             </a:extLst>
           </p:cNvPr>
@@ -4612,7 +7463,7 @@
           <p:cNvPr id="17" name="文本占位符 3">
             <a:extLst>
               <a:ext uri="{FF2B5EF4-FFF2-40B4-BE49-F238E27FC236}">
-                <a16:creationId xmlns="" xmlns:a16="http://schemas.microsoft.com/office/drawing/2014/main" id="{AD89B8CD-8466-564E-98F9-0FDFC2E5A77B}"/>
+                <a16:creationId xmlns:a16="http://schemas.microsoft.com/office/drawing/2014/main" xmlns="" id="{AD89B8CD-8466-564E-98F9-0FDFC2E5A77B}"/>
               </a:ext>
             </a:extLst>
           </p:cNvPr>
@@ -4701,7 +7552,7 @@
           <p:cNvPr id="18" name="文本占位符 3">
             <a:extLst>
               <a:ext uri="{FF2B5EF4-FFF2-40B4-BE49-F238E27FC236}">
-                <a16:creationId xmlns="" xmlns:a16="http://schemas.microsoft.com/office/drawing/2014/main" id="{DC7420E9-D400-EC49-BA07-FADE6C3CD450}"/>
+                <a16:creationId xmlns:a16="http://schemas.microsoft.com/office/drawing/2014/main" xmlns="" id="{DC7420E9-D400-EC49-BA07-FADE6C3CD450}"/>
               </a:ext>
             </a:extLst>
           </p:cNvPr>
@@ -4790,7 +7641,7 @@
           <p:cNvPr id="19" name="文本占位符 3">
             <a:extLst>
               <a:ext uri="{FF2B5EF4-FFF2-40B4-BE49-F238E27FC236}">
-                <a16:creationId xmlns="" xmlns:a16="http://schemas.microsoft.com/office/drawing/2014/main" id="{911556EF-2E53-D44E-B558-5C114F0FAA7C}"/>
+                <a16:creationId xmlns:a16="http://schemas.microsoft.com/office/drawing/2014/main" xmlns="" id="{911556EF-2E53-D44E-B558-5C114F0FAA7C}"/>
               </a:ext>
             </a:extLst>
           </p:cNvPr>
@@ -4879,7 +7730,7 @@
           <p:cNvPr id="20" name="文本框 6">
             <a:extLst>
               <a:ext uri="{FF2B5EF4-FFF2-40B4-BE49-F238E27FC236}">
-                <a16:creationId xmlns="" xmlns:a16="http://schemas.microsoft.com/office/drawing/2014/main" id="{5D38C703-0535-2649-B4A0-B8F05CF7B2C5}"/>
+                <a16:creationId xmlns:a16="http://schemas.microsoft.com/office/drawing/2014/main" xmlns="" id="{5D38C703-0535-2649-B4A0-B8F05CF7B2C5}"/>
               </a:ext>
             </a:extLst>
           </p:cNvPr>
@@ -4929,7 +7780,7 @@
           <p:cNvPr id="21" name="文本框 6">
             <a:extLst>
               <a:ext uri="{FF2B5EF4-FFF2-40B4-BE49-F238E27FC236}">
-                <a16:creationId xmlns="" xmlns:a16="http://schemas.microsoft.com/office/drawing/2014/main" id="{65E5CD98-D6C1-1848-86A2-A50598B55139}"/>
+                <a16:creationId xmlns:a16="http://schemas.microsoft.com/office/drawing/2014/main" xmlns="" id="{65E5CD98-D6C1-1848-86A2-A50598B55139}"/>
               </a:ext>
             </a:extLst>
           </p:cNvPr>
@@ -4979,7 +7830,7 @@
           <p:cNvPr id="22" name="文本框 6">
             <a:extLst>
               <a:ext uri="{FF2B5EF4-FFF2-40B4-BE49-F238E27FC236}">
-                <a16:creationId xmlns="" xmlns:a16="http://schemas.microsoft.com/office/drawing/2014/main" id="{5F9E940D-7090-E94B-8B49-5CA1D127071A}"/>
+                <a16:creationId xmlns:a16="http://schemas.microsoft.com/office/drawing/2014/main" xmlns="" id="{5F9E940D-7090-E94B-8B49-5CA1D127071A}"/>
               </a:ext>
             </a:extLst>
           </p:cNvPr>
@@ -5029,7 +7880,7 @@
           <p:cNvPr id="23" name="文本框 6">
             <a:extLst>
               <a:ext uri="{FF2B5EF4-FFF2-40B4-BE49-F238E27FC236}">
-                <a16:creationId xmlns="" xmlns:a16="http://schemas.microsoft.com/office/drawing/2014/main" id="{BB9196A1-74E2-5046-99D0-EB0B468753EC}"/>
+                <a16:creationId xmlns:a16="http://schemas.microsoft.com/office/drawing/2014/main" xmlns="" id="{BB9196A1-74E2-5046-99D0-EB0B468753EC}"/>
               </a:ext>
             </a:extLst>
           </p:cNvPr>
@@ -5079,7 +7930,7 @@
           <p:cNvPr id="24" name="文本占位符 8">
             <a:extLst>
               <a:ext uri="{FF2B5EF4-FFF2-40B4-BE49-F238E27FC236}">
-                <a16:creationId xmlns="" xmlns:a16="http://schemas.microsoft.com/office/drawing/2014/main" id="{DC4E8E34-3460-3444-B72A-429476C3F597}"/>
+                <a16:creationId xmlns:a16="http://schemas.microsoft.com/office/drawing/2014/main" xmlns="" id="{DC4E8E34-3460-3444-B72A-429476C3F597}"/>
               </a:ext>
             </a:extLst>
           </p:cNvPr>
@@ -5145,7 +7996,7 @@
           <p:cNvPr id="25" name="文本占位符 8">
             <a:extLst>
               <a:ext uri="{FF2B5EF4-FFF2-40B4-BE49-F238E27FC236}">
-                <a16:creationId xmlns="" xmlns:a16="http://schemas.microsoft.com/office/drawing/2014/main" id="{993DB0B2-65A6-8C4E-BC99-5DD87B1ACE41}"/>
+                <a16:creationId xmlns:a16="http://schemas.microsoft.com/office/drawing/2014/main" xmlns="" id="{993DB0B2-65A6-8C4E-BC99-5DD87B1ACE41}"/>
               </a:ext>
             </a:extLst>
           </p:cNvPr>
@@ -5214,7 +8065,7 @@
           <p:cNvPr id="26" name="文本占位符 12">
             <a:extLst>
               <a:ext uri="{FF2B5EF4-FFF2-40B4-BE49-F238E27FC236}">
-                <a16:creationId xmlns="" xmlns:a16="http://schemas.microsoft.com/office/drawing/2014/main" id="{C20C845D-B437-B644-A0DC-11B9DDD011BE}"/>
+                <a16:creationId xmlns:a16="http://schemas.microsoft.com/office/drawing/2014/main" xmlns="" id="{C20C845D-B437-B644-A0DC-11B9DDD011BE}"/>
               </a:ext>
             </a:extLst>
           </p:cNvPr>
@@ -5662,8 +8513,8 @@
         </p:nvSpPr>
         <p:spPr>
           <a:xfrm>
-            <a:off x="1749233" y="2015609"/>
-            <a:ext cx="8693535" cy="1611852"/>
+            <a:off x="4464784" y="3381422"/>
+            <a:ext cx="3262432" cy="597536"/>
           </a:xfrm>
           <a:prstGeom prst="rect">
             <a:avLst/>
@@ -5677,7 +8528,7 @@
           <a:p>
             <a:pPr marL="0" marR="0" indent="0" algn="ctr" defTabSz="914400" rtl="0" eaLnBrk="1" fontAlgn="auto" latinLnBrk="0" hangingPunct="1">
               <a:lnSpc>
-                <a:spcPct val="120000"/>
+                <a:spcPct val="150000"/>
               </a:lnSpc>
               <a:spcBef>
                 <a:spcPts val="0"/>
@@ -5693,79 +8544,57 @@
               <a:defRPr/>
             </a:pPr>
             <a:r>
-              <a:rPr lang="es-ES_tradnl" altLang="zh-CN" sz="4800" b="0" i="0" dirty="0" err="1" smtClean="0">
+              <a:rPr lang="zh-CN" altLang="en-US" sz="2400" b="0" i="0" dirty="0" smtClean="0">
                 <a:solidFill>
                   <a:srgbClr val="ECFAFF"/>
                 </a:solidFill>
                 <a:effectLst/>
-                <a:latin typeface="Helvetica Neue Medium" panose="02000503000000020004" pitchFamily="2" charset="0"/>
-                <a:ea typeface="Helvetica Neue Medium" panose="02000503000000020004" pitchFamily="2" charset="0"/>
-                <a:cs typeface="Helvetica Neue Medium" panose="02000503000000020004" pitchFamily="2" charset="0"/>
+                <a:latin typeface="PingFang SC" charset="-122"/>
+                <a:ea typeface="PingFang SC" charset="-122"/>
+                <a:cs typeface="PingFang SC" charset="-122"/>
               </a:rPr>
-              <a:t>Calculating</a:t>
-            </a:r>
-            <a:r>
-              <a:rPr lang="es-ES_tradnl" altLang="zh-CN" sz="4800" b="0" i="0" dirty="0" smtClean="0">
+              <a:t>正在</a:t>
+            </a:r>
+            <a:r>
+              <a:rPr lang="zh-CN" altLang="en-US" sz="2400" b="0" i="0" dirty="0">
                 <a:solidFill>
                   <a:srgbClr val="ECFAFF"/>
                 </a:solidFill>
                 <a:effectLst/>
-                <a:latin typeface="Helvetica Neue Medium" panose="02000503000000020004" pitchFamily="2" charset="0"/>
-                <a:ea typeface="Helvetica Neue Medium" panose="02000503000000020004" pitchFamily="2" charset="0"/>
-                <a:cs typeface="Helvetica Neue Medium" panose="02000503000000020004" pitchFamily="2" charset="0"/>
+                <a:latin typeface="PingFang SC" charset="-122"/>
+                <a:ea typeface="PingFang SC" charset="-122"/>
+                <a:cs typeface="PingFang SC" charset="-122"/>
               </a:rPr>
-              <a:t> score, </a:t>
-            </a:r>
-            <a:r>
-              <a:rPr lang="es-ES_tradnl" altLang="zh-CN" sz="4800" b="0" i="0" dirty="0" err="1" smtClean="0">
-                <a:solidFill>
-                  <a:srgbClr val="ECFAFF"/>
-                </a:solidFill>
-                <a:effectLst/>
-                <a:latin typeface="Helvetica Neue Medium" panose="02000503000000020004" pitchFamily="2" charset="0"/>
-                <a:ea typeface="Helvetica Neue Medium" panose="02000503000000020004" pitchFamily="2" charset="0"/>
-                <a:cs typeface="Helvetica Neue Medium" panose="02000503000000020004" pitchFamily="2" charset="0"/>
-              </a:rPr>
-              <a:t>please</a:t>
-            </a:r>
-            <a:r>
-              <a:rPr lang="es-ES_tradnl" altLang="zh-CN" sz="4800" b="0" i="0" dirty="0" smtClean="0">
-                <a:solidFill>
-                  <a:srgbClr val="ECFAFF"/>
-                </a:solidFill>
-                <a:effectLst/>
-                <a:latin typeface="Helvetica Neue Medium" panose="02000503000000020004" pitchFamily="2" charset="0"/>
-                <a:ea typeface="Helvetica Neue Medium" panose="02000503000000020004" pitchFamily="2" charset="0"/>
-                <a:cs typeface="Helvetica Neue Medium" panose="02000503000000020004" pitchFamily="2" charset="0"/>
-              </a:rPr>
-              <a:t> </a:t>
-            </a:r>
-            <a:r>
-              <a:rPr lang="es-ES_tradnl" altLang="zh-CN" sz="4800" b="0" i="0" dirty="0" err="1" smtClean="0">
-                <a:solidFill>
-                  <a:srgbClr val="ECFAFF"/>
-                </a:solidFill>
-                <a:effectLst/>
-                <a:latin typeface="Helvetica Neue Medium" panose="02000503000000020004" pitchFamily="2" charset="0"/>
-                <a:ea typeface="Helvetica Neue Medium" panose="02000503000000020004" pitchFamily="2" charset="0"/>
-                <a:cs typeface="Helvetica Neue Medium" panose="02000503000000020004" pitchFamily="2" charset="0"/>
-              </a:rPr>
-              <a:t>wait</a:t>
-            </a:r>
-            <a:endParaRPr lang="es-ES_tradnl" altLang="zh-CN" sz="4800" b="0" i="0" dirty="0" smtClean="0">
-              <a:solidFill>
-                <a:srgbClr val="ECFAFF"/>
-              </a:solidFill>
-              <a:effectLst/>
-              <a:latin typeface="Helvetica Neue Medium" panose="02000503000000020004" pitchFamily="2" charset="0"/>
-              <a:ea typeface="Helvetica Neue Medium" panose="02000503000000020004" pitchFamily="2" charset="0"/>
-              <a:cs typeface="Helvetica Neue Medium" panose="02000503000000020004" pitchFamily="2" charset="0"/>
-            </a:endParaRPr>
-          </a:p>
-          <a:p>
-            <a:pPr marL="0" marR="0" indent="0" algn="ctr" defTabSz="914400" rtl="0" eaLnBrk="1" fontAlgn="auto" latinLnBrk="0" hangingPunct="1">
-              <a:lnSpc>
-                <a:spcPct val="120000"/>
+              <a:t>计算分数，请稍后</a:t>
+            </a:r>
+          </a:p>
+        </p:txBody>
+      </p:sp>
+      <p:sp>
+        <p:nvSpPr>
+          <p:cNvPr id="4" name="文本占位符 3"/>
+          <p:cNvSpPr>
+            <a:spLocks noGrp="1"/>
+          </p:cNvSpPr>
+          <p:nvPr>
+            <p:ph type="body" sz="quarter" idx="10" hasCustomPrompt="1"/>
+          </p:nvPr>
+        </p:nvSpPr>
+        <p:spPr>
+          <a:xfrm>
+            <a:off x="336000" y="1032044"/>
+            <a:ext cx="11520000" cy="2160000"/>
+          </a:xfrm>
+          <a:prstGeom prst="rect">
+            <a:avLst/>
+          </a:prstGeom>
+        </p:spPr>
+        <p:txBody>
+          <a:bodyPr anchor="b" anchorCtr="0"/>
+          <a:lstStyle>
+            <a:lvl1pPr marL="0" marR="0" indent="0" algn="ctr" defTabSz="914400" rtl="0" eaLnBrk="1" fontAlgn="auto" latinLnBrk="0" hangingPunct="1">
+              <a:lnSpc>
+                <a:spcPct val="150000"/>
               </a:lnSpc>
               <a:spcBef>
                 <a:spcPts val="0"/>
@@ -5778,31 +8607,85 @@
               <a:buFontTx/>
               <a:buNone/>
               <a:tabLst/>
+              <a:defRPr sz="4400" b="1">
+                <a:solidFill>
+                  <a:srgbClr val="ECFAFF"/>
+                </a:solidFill>
+                <a:latin typeface="PingFang SC" charset="-122"/>
+                <a:ea typeface="PingFang SC" charset="-122"/>
+                <a:cs typeface="PingFang SC" charset="-122"/>
+              </a:defRPr>
+            </a:lvl1pPr>
+            <a:lvl2pPr marL="457200" indent="0" algn="ctr">
+              <a:lnSpc>
+                <a:spcPct val="120000"/>
+              </a:lnSpc>
+              <a:buFontTx/>
+              <a:buNone/>
+              <a:defRPr sz="4000">
+                <a:latin typeface="PingFang SC" charset="-122"/>
+                <a:ea typeface="PingFang SC" charset="-122"/>
+                <a:cs typeface="PingFang SC" charset="-122"/>
+              </a:defRPr>
+            </a:lvl2pPr>
+            <a:lvl3pPr marL="914400" indent="0" algn="ctr">
+              <a:lnSpc>
+                <a:spcPct val="120000"/>
+              </a:lnSpc>
+              <a:buFontTx/>
+              <a:buNone/>
+              <a:defRPr sz="4000">
+                <a:latin typeface="PingFang SC" charset="-122"/>
+                <a:ea typeface="PingFang SC" charset="-122"/>
+                <a:cs typeface="PingFang SC" charset="-122"/>
+              </a:defRPr>
+            </a:lvl3pPr>
+            <a:lvl4pPr marL="1371600" indent="0" algn="ctr">
+              <a:lnSpc>
+                <a:spcPct val="120000"/>
+              </a:lnSpc>
+              <a:buFontTx/>
+              <a:buNone/>
+              <a:defRPr sz="4000">
+                <a:latin typeface="PingFang SC" charset="-122"/>
+                <a:ea typeface="PingFang SC" charset="-122"/>
+                <a:cs typeface="PingFang SC" charset="-122"/>
+              </a:defRPr>
+            </a:lvl4pPr>
+            <a:lvl5pPr marL="1828800" indent="0" algn="ctr">
+              <a:lnSpc>
+                <a:spcPct val="120000"/>
+              </a:lnSpc>
+              <a:buFontTx/>
+              <a:buNone/>
+              <a:defRPr sz="4000">
+                <a:latin typeface="PingFang SC" charset="-122"/>
+                <a:ea typeface="PingFang SC" charset="-122"/>
+                <a:cs typeface="PingFang SC" charset="-122"/>
+              </a:defRPr>
+            </a:lvl5pPr>
+          </a:lstStyle>
+          <a:p>
+            <a:pPr marL="0" marR="0" lvl="0" indent="0" algn="ctr" defTabSz="914400" rtl="0" eaLnBrk="1" fontAlgn="auto" latinLnBrk="0" hangingPunct="1">
+              <a:lnSpc>
+                <a:spcPct val="150000"/>
+              </a:lnSpc>
+              <a:spcBef>
+                <a:spcPts val="0"/>
+              </a:spcBef>
+              <a:spcAft>
+                <a:spcPts val="0"/>
+              </a:spcAft>
+              <a:buClrTx/>
+              <a:buSzTx/>
+              <a:buFontTx/>
+              <a:buNone/>
+              <a:tabLst/>
               <a:defRPr/>
             </a:pPr>
             <a:r>
-              <a:rPr lang="zh-CN" altLang="en-US" sz="3600" b="0" i="0" dirty="0" smtClean="0">
-                <a:solidFill>
-                  <a:srgbClr val="ECFAFF"/>
-                </a:solidFill>
-                <a:effectLst/>
-                <a:latin typeface="PingFang SC" charset="-122"/>
-                <a:ea typeface="PingFang SC" charset="-122"/>
-                <a:cs typeface="PingFang SC" charset="-122"/>
-              </a:rPr>
-              <a:t>正在</a:t>
-            </a:r>
-            <a:r>
-              <a:rPr lang="zh-CN" altLang="en-US" sz="3600" b="0" i="0" dirty="0">
-                <a:solidFill>
-                  <a:srgbClr val="ECFAFF"/>
-                </a:solidFill>
-                <a:effectLst/>
-                <a:latin typeface="PingFang SC" charset="-122"/>
-                <a:ea typeface="PingFang SC" charset="-122"/>
-                <a:cs typeface="PingFang SC" charset="-122"/>
-              </a:rPr>
-              <a:t>计算分数，请稍后</a:t>
+              <a:rPr kumimoji="1" lang="en-US" altLang="zh-CN" dirty="0" smtClean="0"/>
+              <a:t>Calculating score, please wait</a:t>
             </a:r>
           </a:p>
         </p:txBody>
@@ -5849,8 +8732,8 @@
         </p:nvSpPr>
         <p:spPr>
           <a:xfrm>
-            <a:off x="966000" y="1296619"/>
-            <a:ext cx="10260000" cy="1332000"/>
+            <a:off x="1776000" y="1090343"/>
+            <a:ext cx="8640000" cy="1332000"/>
           </a:xfrm>
           <a:prstGeom prst="rect">
             <a:avLst/>
@@ -5930,20 +8813,32 @@
         </p:nvSpPr>
         <p:spPr>
           <a:xfrm>
-            <a:off x="966788" y="2825382"/>
-            <a:ext cx="10258425" cy="504000"/>
-          </a:xfrm>
-          <a:prstGeom prst="rect">
-            <a:avLst/>
-          </a:prstGeom>
-        </p:spPr>
-        <p:txBody>
-          <a:bodyPr/>
+            <a:off x="1776000" y="2618992"/>
+            <a:ext cx="8640000" cy="1141175"/>
+          </a:xfrm>
+          <a:prstGeom prst="rect">
+            <a:avLst/>
+          </a:prstGeom>
+        </p:spPr>
+        <p:txBody>
+          <a:bodyPr anchor="ctr"/>
           <a:lstStyle>
-            <a:lvl1pPr marL="0" indent="0" algn="ctr">
-              <a:buFontTx/>
-              <a:buNone/>
-              <a:defRPr>
+            <a:lvl1pPr marL="0" marR="0" indent="0" algn="ctr" defTabSz="914400" rtl="0" eaLnBrk="1" fontAlgn="auto" latinLnBrk="0" hangingPunct="1">
+              <a:lnSpc>
+                <a:spcPct val="120000"/>
+              </a:lnSpc>
+              <a:spcBef>
+                <a:spcPts val="1000"/>
+              </a:spcBef>
+              <a:spcAft>
+                <a:spcPts val="0"/>
+              </a:spcAft>
+              <a:buClrTx/>
+              <a:buSzTx/>
+              <a:buFontTx/>
+              <a:buNone/>
+              <a:tabLst/>
+              <a:defRPr sz="2400">
                 <a:solidFill>
                   <a:srgbClr val="ECFAFF"/>
                 </a:solidFill>
@@ -6004,10 +8899,10 @@
           <a:p>
             <a:pPr lvl="0"/>
             <a:r>
-              <a:rPr kumimoji="1" lang="zh-CN" altLang="en-US" smtClean="0"/>
+              <a:rPr kumimoji="1" lang="zh-CN" altLang="en-US" dirty="0" smtClean="0"/>
               <a:t>非常棒</a:t>
             </a:r>
-            <a:endParaRPr kumimoji="1" lang="zh-CN" altLang="en-US" dirty="0"/>
+            <a:endParaRPr kumimoji="1" lang="en-US" altLang="zh-CN" dirty="0" smtClean="0"/>
           </a:p>
         </p:txBody>
       </p:sp>
@@ -6023,7 +8918,7 @@
         </p:nvSpPr>
         <p:spPr>
           <a:xfrm>
-            <a:off x="5376000" y="3743325"/>
+            <a:off x="5376000" y="4406274"/>
             <a:ext cx="1440000" cy="514350"/>
           </a:xfrm>
           <a:prstGeom prst="rect">
@@ -6127,7 +9022,7 @@
         </p:nvSpPr>
         <p:spPr>
           <a:xfrm>
-            <a:off x="4872000" y="3546676"/>
+            <a:off x="4872000" y="4209625"/>
             <a:ext cx="2448000" cy="1296000"/>
           </a:xfrm>
           <a:prstGeom prst="roundRect">
@@ -6178,7 +9073,7 @@
         </p:nvSpPr>
         <p:spPr>
           <a:xfrm>
-            <a:off x="5641775" y="4222165"/>
+            <a:off x="5641775" y="4885114"/>
             <a:ext cx="908450" cy="461665"/>
           </a:xfrm>
           <a:prstGeom prst="rect">
@@ -6254,7 +9149,7 @@
           <p:nvPr userDrawn="1"/>
         </p:nvPicPr>
         <p:blipFill>
-          <a:blip r:embed="rId13">
+          <a:blip r:embed="rId15">
             <a:alphaModFix amt="50000"/>
             <a:extLst>
               <a:ext uri="{28A0092B-C50C-407E-A947-70E740481C1C}">
@@ -6297,6 +9192,8 @@
     <p:sldLayoutId id="2147483655" r:id="rId9"/>
     <p:sldLayoutId id="2147483662" r:id="rId10"/>
     <p:sldLayoutId id="2147483665" r:id="rId11"/>
+    <p:sldLayoutId id="2147483668" r:id="rId12"/>
+    <p:sldLayoutId id="2147483667" r:id="rId13"/>
   </p:sldLayoutIdLst>
   <p:txStyles>
     <p:titleStyle>

--- a/exam2pptvideo/en/templates/exam_english_classic.pptx
+++ b/exam2pptvideo/en/templates/exam_english_classic.pptx
@@ -1691,7 +1691,7 @@
           <p:cNvPr id="16" name="文本框 6">
             <a:extLst>
               <a:ext uri="{FF2B5EF4-FFF2-40B4-BE49-F238E27FC236}">
-                <a16:creationId xmlns:a16="http://schemas.microsoft.com/office/drawing/2014/main" xmlns="" id="{5D38C703-0535-2649-B4A0-B8F05CF7B2C5}"/>
+                <a16:creationId xmlns="" xmlns:a16="http://schemas.microsoft.com/office/drawing/2014/main" id="{5D38C703-0535-2649-B4A0-B8F05CF7B2C5}"/>
               </a:ext>
             </a:extLst>
           </p:cNvPr>
@@ -1741,7 +1741,7 @@
           <p:cNvPr id="17" name="文本框 16">
             <a:extLst>
               <a:ext uri="{FF2B5EF4-FFF2-40B4-BE49-F238E27FC236}">
-                <a16:creationId xmlns:a16="http://schemas.microsoft.com/office/drawing/2014/main" xmlns="" id="{65E5CD98-D6C1-1848-86A2-A50598B55139}"/>
+                <a16:creationId xmlns="" xmlns:a16="http://schemas.microsoft.com/office/drawing/2014/main" id="{65E5CD98-D6C1-1848-86A2-A50598B55139}"/>
               </a:ext>
             </a:extLst>
           </p:cNvPr>
@@ -1791,7 +1791,7 @@
           <p:cNvPr id="18" name="文本框 6">
             <a:extLst>
               <a:ext uri="{FF2B5EF4-FFF2-40B4-BE49-F238E27FC236}">
-                <a16:creationId xmlns:a16="http://schemas.microsoft.com/office/drawing/2014/main" xmlns="" id="{5F9E940D-7090-E94B-8B49-5CA1D127071A}"/>
+                <a16:creationId xmlns="" xmlns:a16="http://schemas.microsoft.com/office/drawing/2014/main" id="{5F9E940D-7090-E94B-8B49-5CA1D127071A}"/>
               </a:ext>
             </a:extLst>
           </p:cNvPr>
@@ -1841,7 +1841,7 @@
           <p:cNvPr id="19" name="文本框 6">
             <a:extLst>
               <a:ext uri="{FF2B5EF4-FFF2-40B4-BE49-F238E27FC236}">
-                <a16:creationId xmlns:a16="http://schemas.microsoft.com/office/drawing/2014/main" xmlns="" id="{BB9196A1-74E2-5046-99D0-EB0B468753EC}"/>
+                <a16:creationId xmlns="" xmlns:a16="http://schemas.microsoft.com/office/drawing/2014/main" id="{BB9196A1-74E2-5046-99D0-EB0B468753EC}"/>
               </a:ext>
             </a:extLst>
           </p:cNvPr>
@@ -3053,7 +3053,7 @@
           <p:cNvPr id="10" name="文本框 6">
             <a:extLst>
               <a:ext uri="{FF2B5EF4-FFF2-40B4-BE49-F238E27FC236}">
-                <a16:creationId xmlns:a16="http://schemas.microsoft.com/office/drawing/2014/main" xmlns="" id="{5D38C703-0535-2649-B4A0-B8F05CF7B2C5}"/>
+                <a16:creationId xmlns="" xmlns:a16="http://schemas.microsoft.com/office/drawing/2014/main" id="{5D38C703-0535-2649-B4A0-B8F05CF7B2C5}"/>
               </a:ext>
             </a:extLst>
           </p:cNvPr>
@@ -3103,7 +3103,7 @@
           <p:cNvPr id="11" name="文本框 10">
             <a:extLst>
               <a:ext uri="{FF2B5EF4-FFF2-40B4-BE49-F238E27FC236}">
-                <a16:creationId xmlns:a16="http://schemas.microsoft.com/office/drawing/2014/main" xmlns="" id="{65E5CD98-D6C1-1848-86A2-A50598B55139}"/>
+                <a16:creationId xmlns="" xmlns:a16="http://schemas.microsoft.com/office/drawing/2014/main" id="{65E5CD98-D6C1-1848-86A2-A50598B55139}"/>
               </a:ext>
             </a:extLst>
           </p:cNvPr>
@@ -3153,7 +3153,7 @@
           <p:cNvPr id="12" name="文本框 6">
             <a:extLst>
               <a:ext uri="{FF2B5EF4-FFF2-40B4-BE49-F238E27FC236}">
-                <a16:creationId xmlns:a16="http://schemas.microsoft.com/office/drawing/2014/main" xmlns="" id="{5F9E940D-7090-E94B-8B49-5CA1D127071A}"/>
+                <a16:creationId xmlns="" xmlns:a16="http://schemas.microsoft.com/office/drawing/2014/main" id="{5F9E940D-7090-E94B-8B49-5CA1D127071A}"/>
               </a:ext>
             </a:extLst>
           </p:cNvPr>
@@ -3203,7 +3203,7 @@
           <p:cNvPr id="13" name="文本框 6">
             <a:extLst>
               <a:ext uri="{FF2B5EF4-FFF2-40B4-BE49-F238E27FC236}">
-                <a16:creationId xmlns:a16="http://schemas.microsoft.com/office/drawing/2014/main" xmlns="" id="{BB9196A1-74E2-5046-99D0-EB0B468753EC}"/>
+                <a16:creationId xmlns="" xmlns:a16="http://schemas.microsoft.com/office/drawing/2014/main" id="{BB9196A1-74E2-5046-99D0-EB0B468753EC}"/>
               </a:ext>
             </a:extLst>
           </p:cNvPr>
@@ -4246,7 +4246,7 @@
           <p:cNvPr id="11" name="文本框 6">
             <a:extLst>
               <a:ext uri="{FF2B5EF4-FFF2-40B4-BE49-F238E27FC236}">
-                <a16:creationId xmlns:a16="http://schemas.microsoft.com/office/drawing/2014/main" xmlns="" id="{5D38C703-0535-2649-B4A0-B8F05CF7B2C5}"/>
+                <a16:creationId xmlns="" xmlns:a16="http://schemas.microsoft.com/office/drawing/2014/main" id="{5D38C703-0535-2649-B4A0-B8F05CF7B2C5}"/>
               </a:ext>
             </a:extLst>
           </p:cNvPr>
@@ -4296,7 +4296,7 @@
           <p:cNvPr id="12" name="文本框 11">
             <a:extLst>
               <a:ext uri="{FF2B5EF4-FFF2-40B4-BE49-F238E27FC236}">
-                <a16:creationId xmlns:a16="http://schemas.microsoft.com/office/drawing/2014/main" xmlns="" id="{65E5CD98-D6C1-1848-86A2-A50598B55139}"/>
+                <a16:creationId xmlns="" xmlns:a16="http://schemas.microsoft.com/office/drawing/2014/main" id="{65E5CD98-D6C1-1848-86A2-A50598B55139}"/>
               </a:ext>
             </a:extLst>
           </p:cNvPr>
@@ -4346,7 +4346,7 @@
           <p:cNvPr id="13" name="文本框 6">
             <a:extLst>
               <a:ext uri="{FF2B5EF4-FFF2-40B4-BE49-F238E27FC236}">
-                <a16:creationId xmlns:a16="http://schemas.microsoft.com/office/drawing/2014/main" xmlns="" id="{5F9E940D-7090-E94B-8B49-5CA1D127071A}"/>
+                <a16:creationId xmlns="" xmlns:a16="http://schemas.microsoft.com/office/drawing/2014/main" id="{5F9E940D-7090-E94B-8B49-5CA1D127071A}"/>
               </a:ext>
             </a:extLst>
           </p:cNvPr>
@@ -4396,7 +4396,7 @@
           <p:cNvPr id="14" name="文本框 6">
             <a:extLst>
               <a:ext uri="{FF2B5EF4-FFF2-40B4-BE49-F238E27FC236}">
-                <a16:creationId xmlns:a16="http://schemas.microsoft.com/office/drawing/2014/main" xmlns="" id="{BB9196A1-74E2-5046-99D0-EB0B468753EC}"/>
+                <a16:creationId xmlns="" xmlns:a16="http://schemas.microsoft.com/office/drawing/2014/main" id="{BB9196A1-74E2-5046-99D0-EB0B468753EC}"/>
               </a:ext>
             </a:extLst>
           </p:cNvPr>
@@ -5909,7 +5909,7 @@
           <p:cNvPr id="8" name="文本占位符 3">
             <a:extLst>
               <a:ext uri="{FF2B5EF4-FFF2-40B4-BE49-F238E27FC236}">
-                <a16:creationId xmlns="" xmlns:a16="http://schemas.microsoft.com/office/drawing/2014/main" id="{5BA5F626-1F8E-054A-918D-94622AD4EABF}"/>
+                <a16:creationId xmlns:a16="http://schemas.microsoft.com/office/drawing/2014/main" xmlns="" id="{5BA5F626-1F8E-054A-918D-94622AD4EABF}"/>
               </a:ext>
             </a:extLst>
           </p:cNvPr>
@@ -5998,7 +5998,7 @@
           <p:cNvPr id="9" name="文本占位符 3">
             <a:extLst>
               <a:ext uri="{FF2B5EF4-FFF2-40B4-BE49-F238E27FC236}">
-                <a16:creationId xmlns="" xmlns:a16="http://schemas.microsoft.com/office/drawing/2014/main" id="{5FCCDF54-3207-5346-9F95-0AC916F61892}"/>
+                <a16:creationId xmlns:a16="http://schemas.microsoft.com/office/drawing/2014/main" xmlns="" id="{5FCCDF54-3207-5346-9F95-0AC916F61892}"/>
               </a:ext>
             </a:extLst>
           </p:cNvPr>
@@ -6087,7 +6087,7 @@
           <p:cNvPr id="10" name="文本占位符 3">
             <a:extLst>
               <a:ext uri="{FF2B5EF4-FFF2-40B4-BE49-F238E27FC236}">
-                <a16:creationId xmlns="" xmlns:a16="http://schemas.microsoft.com/office/drawing/2014/main" id="{B191C670-839A-7542-ADC9-27051AC8F6B2}"/>
+                <a16:creationId xmlns:a16="http://schemas.microsoft.com/office/drawing/2014/main" xmlns="" id="{B191C670-839A-7542-ADC9-27051AC8F6B2}"/>
               </a:ext>
             </a:extLst>
           </p:cNvPr>
@@ -6176,7 +6176,7 @@
           <p:cNvPr id="11" name="文本框 6">
             <a:extLst>
               <a:ext uri="{FF2B5EF4-FFF2-40B4-BE49-F238E27FC236}">
-                <a16:creationId xmlns="" xmlns:a16="http://schemas.microsoft.com/office/drawing/2014/main" id="{CFFCA465-7096-CF48-82C4-BBF12BAED15D}"/>
+                <a16:creationId xmlns:a16="http://schemas.microsoft.com/office/drawing/2014/main" xmlns="" id="{CFFCA465-7096-CF48-82C4-BBF12BAED15D}"/>
               </a:ext>
             </a:extLst>
           </p:cNvPr>
@@ -6226,7 +6226,7 @@
           <p:cNvPr id="12" name="文本框 6">
             <a:extLst>
               <a:ext uri="{FF2B5EF4-FFF2-40B4-BE49-F238E27FC236}">
-                <a16:creationId xmlns="" xmlns:a16="http://schemas.microsoft.com/office/drawing/2014/main" id="{58BB7382-28F7-B140-99CA-079FE427AFED}"/>
+                <a16:creationId xmlns:a16="http://schemas.microsoft.com/office/drawing/2014/main" xmlns="" id="{58BB7382-28F7-B140-99CA-079FE427AFED}"/>
               </a:ext>
             </a:extLst>
           </p:cNvPr>
@@ -6276,7 +6276,7 @@
           <p:cNvPr id="13" name="文本框 6">
             <a:extLst>
               <a:ext uri="{FF2B5EF4-FFF2-40B4-BE49-F238E27FC236}">
-                <a16:creationId xmlns="" xmlns:a16="http://schemas.microsoft.com/office/drawing/2014/main" id="{6857E332-9933-9042-B7A8-9060834982B6}"/>
+                <a16:creationId xmlns:a16="http://schemas.microsoft.com/office/drawing/2014/main" xmlns="" id="{6857E332-9933-9042-B7A8-9060834982B6}"/>
               </a:ext>
             </a:extLst>
           </p:cNvPr>
@@ -6326,7 +6326,7 @@
           <p:cNvPr id="14" name="文本框 6">
             <a:extLst>
               <a:ext uri="{FF2B5EF4-FFF2-40B4-BE49-F238E27FC236}">
-                <a16:creationId xmlns="" xmlns:a16="http://schemas.microsoft.com/office/drawing/2014/main" id="{9708D859-D292-E44F-97EB-598216544539}"/>
+                <a16:creationId xmlns:a16="http://schemas.microsoft.com/office/drawing/2014/main" xmlns="" id="{9708D859-D292-E44F-97EB-598216544539}"/>
               </a:ext>
             </a:extLst>
           </p:cNvPr>
@@ -6376,7 +6376,7 @@
           <p:cNvPr id="15" name="文本占位符 3">
             <a:extLst>
               <a:ext uri="{FF2B5EF4-FFF2-40B4-BE49-F238E27FC236}">
-                <a16:creationId xmlns="" xmlns:a16="http://schemas.microsoft.com/office/drawing/2014/main" id="{61048211-379D-CD4C-8037-C4240B243345}"/>
+                <a16:creationId xmlns:a16="http://schemas.microsoft.com/office/drawing/2014/main" xmlns="" id="{61048211-379D-CD4C-8037-C4240B243345}"/>
               </a:ext>
             </a:extLst>
           </p:cNvPr>
@@ -7380,7 +7380,7 @@
           <p:cNvPr id="16" name="文本占位符 3">
             <a:extLst>
               <a:ext uri="{FF2B5EF4-FFF2-40B4-BE49-F238E27FC236}">
-                <a16:creationId xmlns:a16="http://schemas.microsoft.com/office/drawing/2014/main" xmlns="" id="{A74FB077-6AA3-0B43-AC21-EE33C7C61E10}"/>
+                <a16:creationId xmlns="" xmlns:a16="http://schemas.microsoft.com/office/drawing/2014/main" id="{A74FB077-6AA3-0B43-AC21-EE33C7C61E10}"/>
               </a:ext>
             </a:extLst>
           </p:cNvPr>
@@ -7463,7 +7463,7 @@
           <p:cNvPr id="17" name="文本占位符 3">
             <a:extLst>
               <a:ext uri="{FF2B5EF4-FFF2-40B4-BE49-F238E27FC236}">
-                <a16:creationId xmlns:a16="http://schemas.microsoft.com/office/drawing/2014/main" xmlns="" id="{AD89B8CD-8466-564E-98F9-0FDFC2E5A77B}"/>
+                <a16:creationId xmlns="" xmlns:a16="http://schemas.microsoft.com/office/drawing/2014/main" id="{AD89B8CD-8466-564E-98F9-0FDFC2E5A77B}"/>
               </a:ext>
             </a:extLst>
           </p:cNvPr>
@@ -7552,7 +7552,7 @@
           <p:cNvPr id="18" name="文本占位符 3">
             <a:extLst>
               <a:ext uri="{FF2B5EF4-FFF2-40B4-BE49-F238E27FC236}">
-                <a16:creationId xmlns:a16="http://schemas.microsoft.com/office/drawing/2014/main" xmlns="" id="{DC7420E9-D400-EC49-BA07-FADE6C3CD450}"/>
+                <a16:creationId xmlns="" xmlns:a16="http://schemas.microsoft.com/office/drawing/2014/main" id="{DC7420E9-D400-EC49-BA07-FADE6C3CD450}"/>
               </a:ext>
             </a:extLst>
           </p:cNvPr>
@@ -7641,7 +7641,7 @@
           <p:cNvPr id="19" name="文本占位符 3">
             <a:extLst>
               <a:ext uri="{FF2B5EF4-FFF2-40B4-BE49-F238E27FC236}">
-                <a16:creationId xmlns:a16="http://schemas.microsoft.com/office/drawing/2014/main" xmlns="" id="{911556EF-2E53-D44E-B558-5C114F0FAA7C}"/>
+                <a16:creationId xmlns="" xmlns:a16="http://schemas.microsoft.com/office/drawing/2014/main" id="{911556EF-2E53-D44E-B558-5C114F0FAA7C}"/>
               </a:ext>
             </a:extLst>
           </p:cNvPr>
@@ -7730,7 +7730,7 @@
           <p:cNvPr id="20" name="文本框 6">
             <a:extLst>
               <a:ext uri="{FF2B5EF4-FFF2-40B4-BE49-F238E27FC236}">
-                <a16:creationId xmlns:a16="http://schemas.microsoft.com/office/drawing/2014/main" xmlns="" id="{5D38C703-0535-2649-B4A0-B8F05CF7B2C5}"/>
+                <a16:creationId xmlns="" xmlns:a16="http://schemas.microsoft.com/office/drawing/2014/main" id="{5D38C703-0535-2649-B4A0-B8F05CF7B2C5}"/>
               </a:ext>
             </a:extLst>
           </p:cNvPr>
@@ -7780,7 +7780,7 @@
           <p:cNvPr id="21" name="文本框 6">
             <a:extLst>
               <a:ext uri="{FF2B5EF4-FFF2-40B4-BE49-F238E27FC236}">
-                <a16:creationId xmlns:a16="http://schemas.microsoft.com/office/drawing/2014/main" xmlns="" id="{65E5CD98-D6C1-1848-86A2-A50598B55139}"/>
+                <a16:creationId xmlns="" xmlns:a16="http://schemas.microsoft.com/office/drawing/2014/main" id="{65E5CD98-D6C1-1848-86A2-A50598B55139}"/>
               </a:ext>
             </a:extLst>
           </p:cNvPr>
@@ -7830,7 +7830,7 @@
           <p:cNvPr id="22" name="文本框 6">
             <a:extLst>
               <a:ext uri="{FF2B5EF4-FFF2-40B4-BE49-F238E27FC236}">
-                <a16:creationId xmlns:a16="http://schemas.microsoft.com/office/drawing/2014/main" xmlns="" id="{5F9E940D-7090-E94B-8B49-5CA1D127071A}"/>
+                <a16:creationId xmlns="" xmlns:a16="http://schemas.microsoft.com/office/drawing/2014/main" id="{5F9E940D-7090-E94B-8B49-5CA1D127071A}"/>
               </a:ext>
             </a:extLst>
           </p:cNvPr>
@@ -7880,7 +7880,7 @@
           <p:cNvPr id="23" name="文本框 6">
             <a:extLst>
               <a:ext uri="{FF2B5EF4-FFF2-40B4-BE49-F238E27FC236}">
-                <a16:creationId xmlns:a16="http://schemas.microsoft.com/office/drawing/2014/main" xmlns="" id="{BB9196A1-74E2-5046-99D0-EB0B468753EC}"/>
+                <a16:creationId xmlns="" xmlns:a16="http://schemas.microsoft.com/office/drawing/2014/main" id="{BB9196A1-74E2-5046-99D0-EB0B468753EC}"/>
               </a:ext>
             </a:extLst>
           </p:cNvPr>
@@ -7930,7 +7930,7 @@
           <p:cNvPr id="24" name="文本占位符 8">
             <a:extLst>
               <a:ext uri="{FF2B5EF4-FFF2-40B4-BE49-F238E27FC236}">
-                <a16:creationId xmlns:a16="http://schemas.microsoft.com/office/drawing/2014/main" xmlns="" id="{DC4E8E34-3460-3444-B72A-429476C3F597}"/>
+                <a16:creationId xmlns="" xmlns:a16="http://schemas.microsoft.com/office/drawing/2014/main" id="{DC4E8E34-3460-3444-B72A-429476C3F597}"/>
               </a:ext>
             </a:extLst>
           </p:cNvPr>
@@ -7996,7 +7996,7 @@
           <p:cNvPr id="25" name="文本占位符 8">
             <a:extLst>
               <a:ext uri="{FF2B5EF4-FFF2-40B4-BE49-F238E27FC236}">
-                <a16:creationId xmlns:a16="http://schemas.microsoft.com/office/drawing/2014/main" xmlns="" id="{993DB0B2-65A6-8C4E-BC99-5DD87B1ACE41}"/>
+                <a16:creationId xmlns="" xmlns:a16="http://schemas.microsoft.com/office/drawing/2014/main" id="{993DB0B2-65A6-8C4E-BC99-5DD87B1ACE41}"/>
               </a:ext>
             </a:extLst>
           </p:cNvPr>
@@ -8065,7 +8065,7 @@
           <p:cNvPr id="26" name="文本占位符 12">
             <a:extLst>
               <a:ext uri="{FF2B5EF4-FFF2-40B4-BE49-F238E27FC236}">
-                <a16:creationId xmlns:a16="http://schemas.microsoft.com/office/drawing/2014/main" xmlns="" id="{C20C845D-B437-B644-A0DC-11B9DDD011BE}"/>
+                <a16:creationId xmlns="" xmlns:a16="http://schemas.microsoft.com/office/drawing/2014/main" id="{C20C845D-B437-B644-A0DC-11B9DDD011BE}"/>
               </a:ext>
             </a:extLst>
           </p:cNvPr>

--- a/exam2pptvideo/en/templates/exam_english_classic.pptx
+++ b/exam2pptvideo/en/templates/exam_english_classic.pptx
@@ -194,7 +194,7 @@
           <a:p>
             <a:fld id="{607E70D1-CD79-114F-AEE0-C37A9C943139}" type="datetimeFigureOut">
               <a:rPr kumimoji="1" lang="zh-CN" altLang="en-US" smtClean="0"/>
-              <a:t>2021/6/13</a:t>
+              <a:t>2021/6/26</a:t>
             </a:fld>
             <a:endParaRPr kumimoji="1" lang="zh-CN" altLang="en-US"/>
           </a:p>
@@ -774,6 +774,36 @@
           </a:p>
         </p:txBody>
       </p:sp>
+      <p:pic>
+        <p:nvPicPr>
+          <p:cNvPr id="2" name="图片 1"/>
+          <p:cNvPicPr>
+            <a:picLocks noChangeAspect="1"/>
+          </p:cNvPicPr>
+          <p:nvPr userDrawn="1"/>
+        </p:nvPicPr>
+        <p:blipFill>
+          <a:blip r:embed="rId6">
+            <a:extLst>
+              <a:ext uri="{28A0092B-C50C-407E-A947-70E740481C1C}">
+                <a14:useLocalDpi xmlns:a14="http://schemas.microsoft.com/office/drawing/2010/main" val="0"/>
+              </a:ext>
+            </a:extLst>
+          </a:blip>
+          <a:stretch>
+            <a:fillRect/>
+          </a:stretch>
+        </p:blipFill>
+        <p:spPr>
+          <a:xfrm>
+            <a:off x="7347142" y="5102600"/>
+            <a:ext cx="720000" cy="720000"/>
+          </a:xfrm>
+          <a:prstGeom prst="rect">
+            <a:avLst/>
+          </a:prstGeom>
+        </p:spPr>
+      </p:pic>
     </p:spTree>
     <p:extLst>
       <p:ext uri="{BB962C8B-B14F-4D97-AF65-F5344CB8AC3E}">
@@ -1691,7 +1721,7 @@
           <p:cNvPr id="16" name="文本框 6">
             <a:extLst>
               <a:ext uri="{FF2B5EF4-FFF2-40B4-BE49-F238E27FC236}">
-                <a16:creationId xmlns="" xmlns:a16="http://schemas.microsoft.com/office/drawing/2014/main" id="{5D38C703-0535-2649-B4A0-B8F05CF7B2C5}"/>
+                <a16:creationId xmlns:a16="http://schemas.microsoft.com/office/drawing/2014/main" xmlns="" id="{5D38C703-0535-2649-B4A0-B8F05CF7B2C5}"/>
               </a:ext>
             </a:extLst>
           </p:cNvPr>
@@ -1741,7 +1771,7 @@
           <p:cNvPr id="17" name="文本框 16">
             <a:extLst>
               <a:ext uri="{FF2B5EF4-FFF2-40B4-BE49-F238E27FC236}">
-                <a16:creationId xmlns="" xmlns:a16="http://schemas.microsoft.com/office/drawing/2014/main" id="{65E5CD98-D6C1-1848-86A2-A50598B55139}"/>
+                <a16:creationId xmlns:a16="http://schemas.microsoft.com/office/drawing/2014/main" xmlns="" id="{65E5CD98-D6C1-1848-86A2-A50598B55139}"/>
               </a:ext>
             </a:extLst>
           </p:cNvPr>
@@ -1791,7 +1821,7 @@
           <p:cNvPr id="18" name="文本框 6">
             <a:extLst>
               <a:ext uri="{FF2B5EF4-FFF2-40B4-BE49-F238E27FC236}">
-                <a16:creationId xmlns="" xmlns:a16="http://schemas.microsoft.com/office/drawing/2014/main" id="{5F9E940D-7090-E94B-8B49-5CA1D127071A}"/>
+                <a16:creationId xmlns:a16="http://schemas.microsoft.com/office/drawing/2014/main" xmlns="" id="{5F9E940D-7090-E94B-8B49-5CA1D127071A}"/>
               </a:ext>
             </a:extLst>
           </p:cNvPr>
@@ -1841,7 +1871,7 @@
           <p:cNvPr id="19" name="文本框 6">
             <a:extLst>
               <a:ext uri="{FF2B5EF4-FFF2-40B4-BE49-F238E27FC236}">
-                <a16:creationId xmlns="" xmlns:a16="http://schemas.microsoft.com/office/drawing/2014/main" id="{BB9196A1-74E2-5046-99D0-EB0B468753EC}"/>
+                <a16:creationId xmlns:a16="http://schemas.microsoft.com/office/drawing/2014/main" xmlns="" id="{BB9196A1-74E2-5046-99D0-EB0B468753EC}"/>
               </a:ext>
             </a:extLst>
           </p:cNvPr>
@@ -3053,7 +3083,7 @@
           <p:cNvPr id="10" name="文本框 6">
             <a:extLst>
               <a:ext uri="{FF2B5EF4-FFF2-40B4-BE49-F238E27FC236}">
-                <a16:creationId xmlns="" xmlns:a16="http://schemas.microsoft.com/office/drawing/2014/main" id="{5D38C703-0535-2649-B4A0-B8F05CF7B2C5}"/>
+                <a16:creationId xmlns:a16="http://schemas.microsoft.com/office/drawing/2014/main" xmlns="" id="{5D38C703-0535-2649-B4A0-B8F05CF7B2C5}"/>
               </a:ext>
             </a:extLst>
           </p:cNvPr>
@@ -3103,7 +3133,7 @@
           <p:cNvPr id="11" name="文本框 10">
             <a:extLst>
               <a:ext uri="{FF2B5EF4-FFF2-40B4-BE49-F238E27FC236}">
-                <a16:creationId xmlns="" xmlns:a16="http://schemas.microsoft.com/office/drawing/2014/main" id="{65E5CD98-D6C1-1848-86A2-A50598B55139}"/>
+                <a16:creationId xmlns:a16="http://schemas.microsoft.com/office/drawing/2014/main" xmlns="" id="{65E5CD98-D6C1-1848-86A2-A50598B55139}"/>
               </a:ext>
             </a:extLst>
           </p:cNvPr>
@@ -3153,7 +3183,7 @@
           <p:cNvPr id="12" name="文本框 6">
             <a:extLst>
               <a:ext uri="{FF2B5EF4-FFF2-40B4-BE49-F238E27FC236}">
-                <a16:creationId xmlns="" xmlns:a16="http://schemas.microsoft.com/office/drawing/2014/main" id="{5F9E940D-7090-E94B-8B49-5CA1D127071A}"/>
+                <a16:creationId xmlns:a16="http://schemas.microsoft.com/office/drawing/2014/main" xmlns="" id="{5F9E940D-7090-E94B-8B49-5CA1D127071A}"/>
               </a:ext>
             </a:extLst>
           </p:cNvPr>
@@ -3203,7 +3233,7 @@
           <p:cNvPr id="13" name="文本框 6">
             <a:extLst>
               <a:ext uri="{FF2B5EF4-FFF2-40B4-BE49-F238E27FC236}">
-                <a16:creationId xmlns="" xmlns:a16="http://schemas.microsoft.com/office/drawing/2014/main" id="{BB9196A1-74E2-5046-99D0-EB0B468753EC}"/>
+                <a16:creationId xmlns:a16="http://schemas.microsoft.com/office/drawing/2014/main" xmlns="" id="{BB9196A1-74E2-5046-99D0-EB0B468753EC}"/>
               </a:ext>
             </a:extLst>
           </p:cNvPr>
@@ -4246,7 +4276,7 @@
           <p:cNvPr id="11" name="文本框 6">
             <a:extLst>
               <a:ext uri="{FF2B5EF4-FFF2-40B4-BE49-F238E27FC236}">
-                <a16:creationId xmlns="" xmlns:a16="http://schemas.microsoft.com/office/drawing/2014/main" id="{5D38C703-0535-2649-B4A0-B8F05CF7B2C5}"/>
+                <a16:creationId xmlns:a16="http://schemas.microsoft.com/office/drawing/2014/main" xmlns="" id="{5D38C703-0535-2649-B4A0-B8F05CF7B2C5}"/>
               </a:ext>
             </a:extLst>
           </p:cNvPr>
@@ -4296,7 +4326,7 @@
           <p:cNvPr id="12" name="文本框 11">
             <a:extLst>
               <a:ext uri="{FF2B5EF4-FFF2-40B4-BE49-F238E27FC236}">
-                <a16:creationId xmlns="" xmlns:a16="http://schemas.microsoft.com/office/drawing/2014/main" id="{65E5CD98-D6C1-1848-86A2-A50598B55139}"/>
+                <a16:creationId xmlns:a16="http://schemas.microsoft.com/office/drawing/2014/main" xmlns="" id="{65E5CD98-D6C1-1848-86A2-A50598B55139}"/>
               </a:ext>
             </a:extLst>
           </p:cNvPr>
@@ -4346,7 +4376,7 @@
           <p:cNvPr id="13" name="文本框 6">
             <a:extLst>
               <a:ext uri="{FF2B5EF4-FFF2-40B4-BE49-F238E27FC236}">
-                <a16:creationId xmlns="" xmlns:a16="http://schemas.microsoft.com/office/drawing/2014/main" id="{5F9E940D-7090-E94B-8B49-5CA1D127071A}"/>
+                <a16:creationId xmlns:a16="http://schemas.microsoft.com/office/drawing/2014/main" xmlns="" id="{5F9E940D-7090-E94B-8B49-5CA1D127071A}"/>
               </a:ext>
             </a:extLst>
           </p:cNvPr>
@@ -4396,7 +4426,7 @@
           <p:cNvPr id="14" name="文本框 6">
             <a:extLst>
               <a:ext uri="{FF2B5EF4-FFF2-40B4-BE49-F238E27FC236}">
-                <a16:creationId xmlns="" xmlns:a16="http://schemas.microsoft.com/office/drawing/2014/main" id="{BB9196A1-74E2-5046-99D0-EB0B468753EC}"/>
+                <a16:creationId xmlns:a16="http://schemas.microsoft.com/office/drawing/2014/main" xmlns="" id="{BB9196A1-74E2-5046-99D0-EB0B468753EC}"/>
               </a:ext>
             </a:extLst>
           </p:cNvPr>
@@ -5909,7 +5939,7 @@
           <p:cNvPr id="8" name="文本占位符 3">
             <a:extLst>
               <a:ext uri="{FF2B5EF4-FFF2-40B4-BE49-F238E27FC236}">
-                <a16:creationId xmlns:a16="http://schemas.microsoft.com/office/drawing/2014/main" xmlns="" id="{5BA5F626-1F8E-054A-918D-94622AD4EABF}"/>
+                <a16:creationId xmlns="" xmlns:a16="http://schemas.microsoft.com/office/drawing/2014/main" id="{5BA5F626-1F8E-054A-918D-94622AD4EABF}"/>
               </a:ext>
             </a:extLst>
           </p:cNvPr>
@@ -5998,7 +6028,7 @@
           <p:cNvPr id="9" name="文本占位符 3">
             <a:extLst>
               <a:ext uri="{FF2B5EF4-FFF2-40B4-BE49-F238E27FC236}">
-                <a16:creationId xmlns:a16="http://schemas.microsoft.com/office/drawing/2014/main" xmlns="" id="{5FCCDF54-3207-5346-9F95-0AC916F61892}"/>
+                <a16:creationId xmlns="" xmlns:a16="http://schemas.microsoft.com/office/drawing/2014/main" id="{5FCCDF54-3207-5346-9F95-0AC916F61892}"/>
               </a:ext>
             </a:extLst>
           </p:cNvPr>
@@ -6087,7 +6117,7 @@
           <p:cNvPr id="10" name="文本占位符 3">
             <a:extLst>
               <a:ext uri="{FF2B5EF4-FFF2-40B4-BE49-F238E27FC236}">
-                <a16:creationId xmlns:a16="http://schemas.microsoft.com/office/drawing/2014/main" xmlns="" id="{B191C670-839A-7542-ADC9-27051AC8F6B2}"/>
+                <a16:creationId xmlns="" xmlns:a16="http://schemas.microsoft.com/office/drawing/2014/main" id="{B191C670-839A-7542-ADC9-27051AC8F6B2}"/>
               </a:ext>
             </a:extLst>
           </p:cNvPr>
@@ -6176,7 +6206,7 @@
           <p:cNvPr id="11" name="文本框 6">
             <a:extLst>
               <a:ext uri="{FF2B5EF4-FFF2-40B4-BE49-F238E27FC236}">
-                <a16:creationId xmlns:a16="http://schemas.microsoft.com/office/drawing/2014/main" xmlns="" id="{CFFCA465-7096-CF48-82C4-BBF12BAED15D}"/>
+                <a16:creationId xmlns="" xmlns:a16="http://schemas.microsoft.com/office/drawing/2014/main" id="{CFFCA465-7096-CF48-82C4-BBF12BAED15D}"/>
               </a:ext>
             </a:extLst>
           </p:cNvPr>
@@ -6226,7 +6256,7 @@
           <p:cNvPr id="12" name="文本框 6">
             <a:extLst>
               <a:ext uri="{FF2B5EF4-FFF2-40B4-BE49-F238E27FC236}">
-                <a16:creationId xmlns:a16="http://schemas.microsoft.com/office/drawing/2014/main" xmlns="" id="{58BB7382-28F7-B140-99CA-079FE427AFED}"/>
+                <a16:creationId xmlns="" xmlns:a16="http://schemas.microsoft.com/office/drawing/2014/main" id="{58BB7382-28F7-B140-99CA-079FE427AFED}"/>
               </a:ext>
             </a:extLst>
           </p:cNvPr>
@@ -6276,7 +6306,7 @@
           <p:cNvPr id="13" name="文本框 6">
             <a:extLst>
               <a:ext uri="{FF2B5EF4-FFF2-40B4-BE49-F238E27FC236}">
-                <a16:creationId xmlns:a16="http://schemas.microsoft.com/office/drawing/2014/main" xmlns="" id="{6857E332-9933-9042-B7A8-9060834982B6}"/>
+                <a16:creationId xmlns="" xmlns:a16="http://schemas.microsoft.com/office/drawing/2014/main" id="{6857E332-9933-9042-B7A8-9060834982B6}"/>
               </a:ext>
             </a:extLst>
           </p:cNvPr>
@@ -6326,7 +6356,7 @@
           <p:cNvPr id="14" name="文本框 6">
             <a:extLst>
               <a:ext uri="{FF2B5EF4-FFF2-40B4-BE49-F238E27FC236}">
-                <a16:creationId xmlns:a16="http://schemas.microsoft.com/office/drawing/2014/main" xmlns="" id="{9708D859-D292-E44F-97EB-598216544539}"/>
+                <a16:creationId xmlns="" xmlns:a16="http://schemas.microsoft.com/office/drawing/2014/main" id="{9708D859-D292-E44F-97EB-598216544539}"/>
               </a:ext>
             </a:extLst>
           </p:cNvPr>
@@ -6376,7 +6406,7 @@
           <p:cNvPr id="15" name="文本占位符 3">
             <a:extLst>
               <a:ext uri="{FF2B5EF4-FFF2-40B4-BE49-F238E27FC236}">
-                <a16:creationId xmlns:a16="http://schemas.microsoft.com/office/drawing/2014/main" xmlns="" id="{61048211-379D-CD4C-8037-C4240B243345}"/>
+                <a16:creationId xmlns="" xmlns:a16="http://schemas.microsoft.com/office/drawing/2014/main" id="{61048211-379D-CD4C-8037-C4240B243345}"/>
               </a:ext>
             </a:extLst>
           </p:cNvPr>
@@ -7380,7 +7410,7 @@
           <p:cNvPr id="16" name="文本占位符 3">
             <a:extLst>
               <a:ext uri="{FF2B5EF4-FFF2-40B4-BE49-F238E27FC236}">
-                <a16:creationId xmlns="" xmlns:a16="http://schemas.microsoft.com/office/drawing/2014/main" id="{A74FB077-6AA3-0B43-AC21-EE33C7C61E10}"/>
+                <a16:creationId xmlns:a16="http://schemas.microsoft.com/office/drawing/2014/main" xmlns="" id="{A74FB077-6AA3-0B43-AC21-EE33C7C61E10}"/>
               </a:ext>
             </a:extLst>
           </p:cNvPr>
@@ -7463,7 +7493,7 @@
           <p:cNvPr id="17" name="文本占位符 3">
             <a:extLst>
               <a:ext uri="{FF2B5EF4-FFF2-40B4-BE49-F238E27FC236}">
-                <a16:creationId xmlns="" xmlns:a16="http://schemas.microsoft.com/office/drawing/2014/main" id="{AD89B8CD-8466-564E-98F9-0FDFC2E5A77B}"/>
+                <a16:creationId xmlns:a16="http://schemas.microsoft.com/office/drawing/2014/main" xmlns="" id="{AD89B8CD-8466-564E-98F9-0FDFC2E5A77B}"/>
               </a:ext>
             </a:extLst>
           </p:cNvPr>
@@ -7552,7 +7582,7 @@
           <p:cNvPr id="18" name="文本占位符 3">
             <a:extLst>
               <a:ext uri="{FF2B5EF4-FFF2-40B4-BE49-F238E27FC236}">
-                <a16:creationId xmlns="" xmlns:a16="http://schemas.microsoft.com/office/drawing/2014/main" id="{DC7420E9-D400-EC49-BA07-FADE6C3CD450}"/>
+                <a16:creationId xmlns:a16="http://schemas.microsoft.com/office/drawing/2014/main" xmlns="" id="{DC7420E9-D400-EC49-BA07-FADE6C3CD450}"/>
               </a:ext>
             </a:extLst>
           </p:cNvPr>
@@ -7641,7 +7671,7 @@
           <p:cNvPr id="19" name="文本占位符 3">
             <a:extLst>
               <a:ext uri="{FF2B5EF4-FFF2-40B4-BE49-F238E27FC236}">
-                <a16:creationId xmlns="" xmlns:a16="http://schemas.microsoft.com/office/drawing/2014/main" id="{911556EF-2E53-D44E-B558-5C114F0FAA7C}"/>
+                <a16:creationId xmlns:a16="http://schemas.microsoft.com/office/drawing/2014/main" xmlns="" id="{911556EF-2E53-D44E-B558-5C114F0FAA7C}"/>
               </a:ext>
             </a:extLst>
           </p:cNvPr>
@@ -7730,7 +7760,7 @@
           <p:cNvPr id="20" name="文本框 6">
             <a:extLst>
               <a:ext uri="{FF2B5EF4-FFF2-40B4-BE49-F238E27FC236}">
-                <a16:creationId xmlns="" xmlns:a16="http://schemas.microsoft.com/office/drawing/2014/main" id="{5D38C703-0535-2649-B4A0-B8F05CF7B2C5}"/>
+                <a16:creationId xmlns:a16="http://schemas.microsoft.com/office/drawing/2014/main" xmlns="" id="{5D38C703-0535-2649-B4A0-B8F05CF7B2C5}"/>
               </a:ext>
             </a:extLst>
           </p:cNvPr>
@@ -7780,7 +7810,7 @@
           <p:cNvPr id="21" name="文本框 6">
             <a:extLst>
               <a:ext uri="{FF2B5EF4-FFF2-40B4-BE49-F238E27FC236}">
-                <a16:creationId xmlns="" xmlns:a16="http://schemas.microsoft.com/office/drawing/2014/main" id="{65E5CD98-D6C1-1848-86A2-A50598B55139}"/>
+                <a16:creationId xmlns:a16="http://schemas.microsoft.com/office/drawing/2014/main" xmlns="" id="{65E5CD98-D6C1-1848-86A2-A50598B55139}"/>
               </a:ext>
             </a:extLst>
           </p:cNvPr>
@@ -7830,7 +7860,7 @@
           <p:cNvPr id="22" name="文本框 6">
             <a:extLst>
               <a:ext uri="{FF2B5EF4-FFF2-40B4-BE49-F238E27FC236}">
-                <a16:creationId xmlns="" xmlns:a16="http://schemas.microsoft.com/office/drawing/2014/main" id="{5F9E940D-7090-E94B-8B49-5CA1D127071A}"/>
+                <a16:creationId xmlns:a16="http://schemas.microsoft.com/office/drawing/2014/main" xmlns="" id="{5F9E940D-7090-E94B-8B49-5CA1D127071A}"/>
               </a:ext>
             </a:extLst>
           </p:cNvPr>
@@ -7880,7 +7910,7 @@
           <p:cNvPr id="23" name="文本框 6">
             <a:extLst>
               <a:ext uri="{FF2B5EF4-FFF2-40B4-BE49-F238E27FC236}">
-                <a16:creationId xmlns="" xmlns:a16="http://schemas.microsoft.com/office/drawing/2014/main" id="{BB9196A1-74E2-5046-99D0-EB0B468753EC}"/>
+                <a16:creationId xmlns:a16="http://schemas.microsoft.com/office/drawing/2014/main" xmlns="" id="{BB9196A1-74E2-5046-99D0-EB0B468753EC}"/>
               </a:ext>
             </a:extLst>
           </p:cNvPr>
@@ -7930,7 +7960,7 @@
           <p:cNvPr id="24" name="文本占位符 8">
             <a:extLst>
               <a:ext uri="{FF2B5EF4-FFF2-40B4-BE49-F238E27FC236}">
-                <a16:creationId xmlns="" xmlns:a16="http://schemas.microsoft.com/office/drawing/2014/main" id="{DC4E8E34-3460-3444-B72A-429476C3F597}"/>
+                <a16:creationId xmlns:a16="http://schemas.microsoft.com/office/drawing/2014/main" xmlns="" id="{DC4E8E34-3460-3444-B72A-429476C3F597}"/>
               </a:ext>
             </a:extLst>
           </p:cNvPr>
@@ -7996,7 +8026,7 @@
           <p:cNvPr id="25" name="文本占位符 8">
             <a:extLst>
               <a:ext uri="{FF2B5EF4-FFF2-40B4-BE49-F238E27FC236}">
-                <a16:creationId xmlns="" xmlns:a16="http://schemas.microsoft.com/office/drawing/2014/main" id="{993DB0B2-65A6-8C4E-BC99-5DD87B1ACE41}"/>
+                <a16:creationId xmlns:a16="http://schemas.microsoft.com/office/drawing/2014/main" xmlns="" id="{993DB0B2-65A6-8C4E-BC99-5DD87B1ACE41}"/>
               </a:ext>
             </a:extLst>
           </p:cNvPr>
@@ -8065,7 +8095,7 @@
           <p:cNvPr id="26" name="文本占位符 12">
             <a:extLst>
               <a:ext uri="{FF2B5EF4-FFF2-40B4-BE49-F238E27FC236}">
-                <a16:creationId xmlns="" xmlns:a16="http://schemas.microsoft.com/office/drawing/2014/main" id="{C20C845D-B437-B644-A0DC-11B9DDD011BE}"/>
+                <a16:creationId xmlns:a16="http://schemas.microsoft.com/office/drawing/2014/main" xmlns="" id="{C20C845D-B437-B644-A0DC-11B9DDD011BE}"/>
               </a:ext>
             </a:extLst>
           </p:cNvPr>

--- a/exam2pptvideo/en/templates/exam_english_classic.pptx
+++ b/exam2pptvideo/en/templates/exam_english_classic.pptx
@@ -194,7 +194,7 @@
           <a:p>
             <a:fld id="{607E70D1-CD79-114F-AEE0-C37A9C943139}" type="datetimeFigureOut">
               <a:rPr kumimoji="1" lang="zh-CN" altLang="en-US" smtClean="0"/>
-              <a:t>2021/6/26</a:t>
+              <a:t>2021/8/7</a:t>
             </a:fld>
             <a:endParaRPr kumimoji="1" lang="zh-CN" altLang="en-US"/>
           </a:p>
@@ -258,38 +258,37 @@
           <a:p>
             <a:pPr lvl="0"/>
             <a:r>
-              <a:rPr kumimoji="1" lang="zh-CN" altLang="en-US" smtClean="0"/>
+              <a:rPr kumimoji="1" lang="zh-CN" altLang="en-US"/>
               <a:t>单击此处编辑母版文本样式</a:t>
             </a:r>
           </a:p>
           <a:p>
             <a:pPr lvl="1"/>
             <a:r>
-              <a:rPr kumimoji="1" lang="zh-CN" altLang="en-US" smtClean="0"/>
+              <a:rPr kumimoji="1" lang="zh-CN" altLang="en-US"/>
               <a:t>二级</a:t>
             </a:r>
           </a:p>
           <a:p>
             <a:pPr lvl="2"/>
             <a:r>
-              <a:rPr kumimoji="1" lang="zh-CN" altLang="en-US" smtClean="0"/>
+              <a:rPr kumimoji="1" lang="zh-CN" altLang="en-US"/>
               <a:t>三级</a:t>
             </a:r>
           </a:p>
           <a:p>
             <a:pPr lvl="3"/>
             <a:r>
-              <a:rPr kumimoji="1" lang="zh-CN" altLang="en-US" smtClean="0"/>
+              <a:rPr kumimoji="1" lang="zh-CN" altLang="en-US"/>
               <a:t>四级</a:t>
             </a:r>
           </a:p>
           <a:p>
             <a:pPr lvl="4"/>
             <a:r>
-              <a:rPr kumimoji="1" lang="zh-CN" altLang="en-US" smtClean="0"/>
+              <a:rPr kumimoji="1" lang="zh-CN" altLang="en-US"/>
               <a:t>五级</a:t>
             </a:r>
-            <a:endParaRPr kumimoji="1" lang="zh-CN" altLang="en-US"/>
           </a:p>
         </p:txBody>
       </p:sp>
@@ -684,27 +683,8 @@
                 <a:ea typeface="PingFang SC" charset="-122"/>
                 <a:cs typeface="PingFang SC" charset="-122"/>
               </a:rPr>
-              <a:t>八</a:t>
-            </a:r>
-            <a:r>
-              <a:rPr kumimoji="1" lang="zh-CN" altLang="en-US" sz="3200" dirty="0" smtClean="0">
-                <a:solidFill>
-                  <a:srgbClr val="3E7CB8"/>
-                </a:solidFill>
-                <a:latin typeface="PingFang SC" charset="-122"/>
-                <a:ea typeface="PingFang SC" charset="-122"/>
-                <a:cs typeface="PingFang SC" charset="-122"/>
-              </a:rPr>
-              <a:t>啾学英语</a:t>
-            </a:r>
-            <a:endParaRPr kumimoji="1" lang="zh-CN" altLang="en-US" sz="3200" dirty="0">
-              <a:solidFill>
-                <a:srgbClr val="3E7CB8"/>
-              </a:solidFill>
-              <a:latin typeface="PingFang SC" charset="-122"/>
-              <a:ea typeface="PingFang SC" charset="-122"/>
-              <a:cs typeface="PingFang SC" charset="-122"/>
-            </a:endParaRPr>
+              <a:t>八啾学英语</a:t>
+            </a:r>
           </a:p>
         </p:txBody>
       </p:sp>
@@ -767,10 +747,9 @@
               <a:defRPr/>
             </a:pPr>
             <a:r>
-              <a:rPr kumimoji="1" lang="zh-CN" altLang="en-US" dirty="0" smtClean="0"/>
+              <a:rPr kumimoji="1" lang="zh-CN" altLang="en-US" dirty="0"/>
               <a:t>这里是标题</a:t>
             </a:r>
-            <a:endParaRPr kumimoji="1" lang="zh-CN" altLang="en-US" dirty="0"/>
           </a:p>
         </p:txBody>
       </p:sp>
@@ -890,7 +869,7 @@
               <a:defRPr/>
             </a:pPr>
             <a:r>
-              <a:rPr kumimoji="1" lang="en-US" altLang="zh-CN" dirty="0" smtClean="0"/>
+              <a:rPr kumimoji="1" lang="en-US" altLang="zh-CN" dirty="0"/>
               <a:t>Q.1</a:t>
             </a:r>
             <a:endParaRPr kumimoji="1" lang="zh-CN" altLang="en-US" dirty="0"/>
@@ -1000,10 +979,9 @@
           <a:p>
             <a:pPr lvl="0"/>
             <a:r>
-              <a:rPr kumimoji="1" lang="zh-CN" altLang="en-US" dirty="0" smtClean="0"/>
+              <a:rPr kumimoji="1" lang="zh-CN" altLang="en-US" dirty="0"/>
               <a:t>球</a:t>
             </a:r>
-            <a:endParaRPr kumimoji="1" lang="zh-CN" altLang="en-US" dirty="0"/>
           </a:p>
         </p:txBody>
       </p:sp>
@@ -1108,31 +1086,29 @@
           <a:p>
             <a:pPr lvl="0"/>
             <a:r>
-              <a:rPr kumimoji="1" lang="zh-CN" altLang="en-US" dirty="0" smtClean="0"/>
+              <a:rPr kumimoji="1" lang="zh-CN" altLang="en-US" dirty="0"/>
               <a:t>考点：</a:t>
             </a:r>
             <a:r>
-              <a:rPr kumimoji="1" lang="en-US" altLang="zh-CN" dirty="0" smtClean="0"/>
+              <a:rPr kumimoji="1" lang="en-US" altLang="zh-CN" dirty="0"/>
               <a:t>A2</a:t>
             </a:r>
             <a:r>
-              <a:rPr kumimoji="1" lang="zh-CN" altLang="en-US" dirty="0" smtClean="0"/>
+              <a:rPr kumimoji="1" lang="zh-CN" altLang="en-US" dirty="0"/>
               <a:t> </a:t>
             </a:r>
             <a:r>
-              <a:rPr kumimoji="1" lang="en-US" altLang="zh-CN" dirty="0" smtClean="0"/>
+              <a:rPr kumimoji="1" lang="en-US" altLang="zh-CN" dirty="0"/>
               <a:t>–</a:t>
             </a:r>
             <a:r>
-              <a:rPr kumimoji="1" lang="zh-CN" altLang="en-US" dirty="0" smtClean="0"/>
+              <a:rPr kumimoji="1" lang="zh-CN" altLang="en-US" dirty="0"/>
               <a:t> 运动</a:t>
             </a:r>
-            <a:endParaRPr kumimoji="1" lang="zh-CN" altLang="en-US" dirty="0"/>
           </a:p>
         </p:txBody>
       </p:sp>
     </p:spTree>
-    <p:extLst/>
   </p:cSld>
   <p:clrMapOvr>
     <a:masterClrMapping/>
@@ -1213,7 +1189,7 @@
               <a:defRPr/>
             </a:pPr>
             <a:r>
-              <a:rPr kumimoji="1" lang="en-US" altLang="zh-CN" dirty="0" smtClean="0"/>
+              <a:rPr kumimoji="1" lang="en-US" altLang="zh-CN" dirty="0"/>
               <a:t>Q.1</a:t>
             </a:r>
             <a:endParaRPr kumimoji="1" lang="zh-CN" altLang="en-US" dirty="0"/>
@@ -1306,7 +1282,7 @@
           <a:p>
             <a:pPr lvl="0"/>
             <a:r>
-              <a:rPr kumimoji="1" lang="en-US" altLang="zh-CN" smtClean="0"/>
+              <a:rPr kumimoji="1" lang="en-US" altLang="zh-CN"/>
               <a:t>A</a:t>
             </a:r>
             <a:endParaRPr kumimoji="1" lang="zh-CN" altLang="en-US" dirty="0"/>
@@ -1404,11 +1380,11 @@
           <a:p>
             <a:pPr lvl="0"/>
             <a:r>
-              <a:rPr kumimoji="1" lang="zh-CN" altLang="en-US" dirty="0" smtClean="0"/>
+              <a:rPr kumimoji="1" lang="zh-CN" altLang="en-US" dirty="0"/>
               <a:t>球 </a:t>
             </a:r>
             <a:r>
-              <a:rPr kumimoji="1" lang="en-US" altLang="zh-CN" dirty="0" smtClean="0"/>
+              <a:rPr kumimoji="1" lang="en-US" altLang="zh-CN" dirty="0"/>
               <a:t>ball</a:t>
             </a:r>
             <a:endParaRPr kumimoji="1" lang="zh-CN" altLang="en-US" dirty="0"/>
@@ -1501,18 +1477,17 @@
           <a:p>
             <a:pPr lvl="0"/>
             <a:r>
-              <a:rPr kumimoji="1" lang="zh-CN" altLang="en-US" dirty="0" smtClean="0"/>
+              <a:rPr kumimoji="1" lang="zh-CN" altLang="en-US" dirty="0"/>
               <a:t>考点：</a:t>
             </a:r>
             <a:r>
-              <a:rPr kumimoji="1" lang="en-US" altLang="zh-CN" dirty="0" smtClean="0"/>
+              <a:rPr kumimoji="1" lang="en-US" altLang="zh-CN" dirty="0"/>
               <a:t>A1-</a:t>
             </a:r>
             <a:r>
-              <a:rPr kumimoji="1" lang="zh-CN" altLang="en-US" dirty="0" smtClean="0"/>
+              <a:rPr kumimoji="1" lang="zh-CN" altLang="en-US" dirty="0"/>
               <a:t>运动</a:t>
             </a:r>
-            <a:endParaRPr kumimoji="1" lang="zh-CN" altLang="en-US" dirty="0"/>
           </a:p>
         </p:txBody>
       </p:sp>
@@ -1721,7 +1696,7 @@
           <p:cNvPr id="16" name="文本框 6">
             <a:extLst>
               <a:ext uri="{FF2B5EF4-FFF2-40B4-BE49-F238E27FC236}">
-                <a16:creationId xmlns:a16="http://schemas.microsoft.com/office/drawing/2014/main" xmlns="" id="{5D38C703-0535-2649-B4A0-B8F05CF7B2C5}"/>
+                <a16:creationId xmlns:a16="http://schemas.microsoft.com/office/drawing/2014/main" id="{5D38C703-0535-2649-B4A0-B8F05CF7B2C5}"/>
               </a:ext>
             </a:extLst>
           </p:cNvPr>
@@ -1771,7 +1746,7 @@
           <p:cNvPr id="17" name="文本框 16">
             <a:extLst>
               <a:ext uri="{FF2B5EF4-FFF2-40B4-BE49-F238E27FC236}">
-                <a16:creationId xmlns:a16="http://schemas.microsoft.com/office/drawing/2014/main" xmlns="" id="{65E5CD98-D6C1-1848-86A2-A50598B55139}"/>
+                <a16:creationId xmlns:a16="http://schemas.microsoft.com/office/drawing/2014/main" id="{65E5CD98-D6C1-1848-86A2-A50598B55139}"/>
               </a:ext>
             </a:extLst>
           </p:cNvPr>
@@ -1821,7 +1796,7 @@
           <p:cNvPr id="18" name="文本框 6">
             <a:extLst>
               <a:ext uri="{FF2B5EF4-FFF2-40B4-BE49-F238E27FC236}">
-                <a16:creationId xmlns:a16="http://schemas.microsoft.com/office/drawing/2014/main" xmlns="" id="{5F9E940D-7090-E94B-8B49-5CA1D127071A}"/>
+                <a16:creationId xmlns:a16="http://schemas.microsoft.com/office/drawing/2014/main" id="{5F9E940D-7090-E94B-8B49-5CA1D127071A}"/>
               </a:ext>
             </a:extLst>
           </p:cNvPr>
@@ -1871,7 +1846,7 @@
           <p:cNvPr id="19" name="文本框 6">
             <a:extLst>
               <a:ext uri="{FF2B5EF4-FFF2-40B4-BE49-F238E27FC236}">
-                <a16:creationId xmlns:a16="http://schemas.microsoft.com/office/drawing/2014/main" xmlns="" id="{BB9196A1-74E2-5046-99D0-EB0B468753EC}"/>
+                <a16:creationId xmlns:a16="http://schemas.microsoft.com/office/drawing/2014/main" id="{BB9196A1-74E2-5046-99D0-EB0B468753EC}"/>
               </a:ext>
             </a:extLst>
           </p:cNvPr>
@@ -2032,27 +2007,27 @@
               <a:defRPr/>
             </a:pPr>
             <a:r>
-              <a:rPr kumimoji="1" lang="en-US" altLang="zh-CN" dirty="0" smtClean="0"/>
+              <a:rPr kumimoji="1" lang="en-US" altLang="zh-CN" dirty="0"/>
               <a:t>Choice</a:t>
             </a:r>
             <a:r>
-              <a:rPr kumimoji="1" lang="zh-CN" altLang="en-US" dirty="0" smtClean="0"/>
+              <a:rPr kumimoji="1" lang="zh-CN" altLang="en-US" dirty="0"/>
               <a:t> </a:t>
             </a:r>
             <a:r>
-              <a:rPr kumimoji="1" lang="en-US" altLang="zh-CN" dirty="0" smtClean="0"/>
+              <a:rPr kumimoji="1" lang="en-US" altLang="zh-CN" dirty="0"/>
               <a:t>A</a:t>
             </a:r>
             <a:r>
-              <a:rPr kumimoji="1" lang="zh-CN" altLang="en-US" dirty="0" smtClean="0"/>
+              <a:rPr kumimoji="1" lang="zh-CN" altLang="en-US" dirty="0"/>
               <a:t> </a:t>
             </a:r>
             <a:r>
-              <a:rPr kumimoji="1" lang="en-US" altLang="zh-CN" dirty="0" smtClean="0"/>
+              <a:rPr kumimoji="1" lang="en-US" altLang="zh-CN" dirty="0"/>
               <a:t>+</a:t>
             </a:r>
             <a:r>
-              <a:rPr kumimoji="1" lang="zh-CN" altLang="en-US" dirty="0" smtClean="0"/>
+              <a:rPr kumimoji="1" lang="zh-CN" altLang="en-US" dirty="0"/>
               <a:t> 释义</a:t>
             </a:r>
           </a:p>
@@ -2174,27 +2149,27 @@
               <a:defRPr/>
             </a:pPr>
             <a:r>
-              <a:rPr kumimoji="1" lang="en-US" altLang="zh-CN" dirty="0" smtClean="0"/>
+              <a:rPr kumimoji="1" lang="en-US" altLang="zh-CN" dirty="0"/>
               <a:t>Choice</a:t>
             </a:r>
             <a:r>
-              <a:rPr kumimoji="1" lang="zh-CN" altLang="en-US" dirty="0" smtClean="0"/>
+              <a:rPr kumimoji="1" lang="zh-CN" altLang="en-US" dirty="0"/>
               <a:t> </a:t>
             </a:r>
             <a:r>
-              <a:rPr kumimoji="1" lang="en-US" altLang="zh-CN" dirty="0" smtClean="0"/>
+              <a:rPr kumimoji="1" lang="en-US" altLang="zh-CN" dirty="0"/>
               <a:t>B</a:t>
             </a:r>
             <a:r>
-              <a:rPr kumimoji="1" lang="zh-CN" altLang="en-US" dirty="0" smtClean="0"/>
+              <a:rPr kumimoji="1" lang="zh-CN" altLang="en-US" dirty="0"/>
               <a:t> </a:t>
             </a:r>
             <a:r>
-              <a:rPr kumimoji="1" lang="en-US" altLang="zh-CN" dirty="0" smtClean="0"/>
+              <a:rPr kumimoji="1" lang="en-US" altLang="zh-CN" dirty="0"/>
               <a:t>+</a:t>
             </a:r>
             <a:r>
-              <a:rPr kumimoji="1" lang="zh-CN" altLang="en-US" dirty="0" smtClean="0"/>
+              <a:rPr kumimoji="1" lang="zh-CN" altLang="en-US" dirty="0"/>
               <a:t> 释义</a:t>
             </a:r>
           </a:p>
@@ -2316,27 +2291,27 @@
               <a:defRPr/>
             </a:pPr>
             <a:r>
-              <a:rPr kumimoji="1" lang="en-US" altLang="zh-CN" dirty="0" smtClean="0"/>
+              <a:rPr kumimoji="1" lang="en-US" altLang="zh-CN" dirty="0"/>
               <a:t>Choice</a:t>
             </a:r>
             <a:r>
-              <a:rPr kumimoji="1" lang="zh-CN" altLang="en-US" dirty="0" smtClean="0"/>
+              <a:rPr kumimoji="1" lang="zh-CN" altLang="en-US" dirty="0"/>
               <a:t> </a:t>
             </a:r>
             <a:r>
-              <a:rPr kumimoji="1" lang="en-US" altLang="zh-CN" dirty="0" smtClean="0"/>
+              <a:rPr kumimoji="1" lang="en-US" altLang="zh-CN" dirty="0"/>
               <a:t>C</a:t>
             </a:r>
             <a:r>
-              <a:rPr kumimoji="1" lang="zh-CN" altLang="en-US" dirty="0" smtClean="0"/>
+              <a:rPr kumimoji="1" lang="zh-CN" altLang="en-US" dirty="0"/>
               <a:t> </a:t>
             </a:r>
             <a:r>
-              <a:rPr kumimoji="1" lang="en-US" altLang="zh-CN" dirty="0" smtClean="0"/>
+              <a:rPr kumimoji="1" lang="en-US" altLang="zh-CN" dirty="0"/>
               <a:t>+</a:t>
             </a:r>
             <a:r>
-              <a:rPr kumimoji="1" lang="zh-CN" altLang="en-US" dirty="0" smtClean="0"/>
+              <a:rPr kumimoji="1" lang="zh-CN" altLang="en-US" dirty="0"/>
               <a:t> 释义</a:t>
             </a:r>
           </a:p>
@@ -2458,27 +2433,27 @@
               <a:defRPr/>
             </a:pPr>
             <a:r>
-              <a:rPr kumimoji="1" lang="en-US" altLang="zh-CN" dirty="0" smtClean="0"/>
+              <a:rPr kumimoji="1" lang="en-US" altLang="zh-CN" dirty="0"/>
               <a:t>Choice</a:t>
             </a:r>
             <a:r>
-              <a:rPr kumimoji="1" lang="zh-CN" altLang="en-US" dirty="0" smtClean="0"/>
+              <a:rPr kumimoji="1" lang="zh-CN" altLang="en-US" dirty="0"/>
               <a:t> </a:t>
             </a:r>
             <a:r>
-              <a:rPr kumimoji="1" lang="en-US" altLang="zh-CN" dirty="0" smtClean="0"/>
+              <a:rPr kumimoji="1" lang="en-US" altLang="zh-CN" dirty="0"/>
               <a:t>D</a:t>
             </a:r>
             <a:r>
-              <a:rPr kumimoji="1" lang="zh-CN" altLang="en-US" dirty="0" smtClean="0"/>
+              <a:rPr kumimoji="1" lang="zh-CN" altLang="en-US" dirty="0"/>
               <a:t> </a:t>
             </a:r>
             <a:r>
-              <a:rPr kumimoji="1" lang="en-US" altLang="zh-CN" dirty="0" smtClean="0"/>
+              <a:rPr kumimoji="1" lang="en-US" altLang="zh-CN" dirty="0"/>
               <a:t>+</a:t>
             </a:r>
             <a:r>
-              <a:rPr kumimoji="1" lang="zh-CN" altLang="en-US" smtClean="0"/>
+              <a:rPr kumimoji="1" lang="zh-CN" altLang="en-US"/>
               <a:t> 释义</a:t>
             </a:r>
           </a:p>
@@ -2524,7 +2499,7 @@
               <a:defRPr/>
             </a:pPr>
             <a:r>
-              <a:rPr kumimoji="1" lang="zh-CN" altLang="en-US" sz="2000" b="0" i="0" u="none" strike="noStrike" kern="1200" cap="none" spc="0" normalizeH="0" baseline="0" noProof="0" dirty="0" smtClean="0">
+              <a:rPr kumimoji="1" lang="zh-CN" altLang="en-US" sz="2000" b="0" i="0" u="none" strike="noStrike" kern="1200" cap="none" spc="0" normalizeH="0" baseline="0" noProof="0" dirty="0">
                 <a:ln>
                   <a:noFill/>
                 </a:ln>
@@ -2637,7 +2612,7 @@
               <a:defRPr/>
             </a:pPr>
             <a:r>
-              <a:rPr kumimoji="1" lang="en-US" altLang="zh-CN" dirty="0" smtClean="0"/>
+              <a:rPr kumimoji="1" lang="en-US" altLang="zh-CN" dirty="0"/>
               <a:t>Q.1</a:t>
             </a:r>
             <a:endParaRPr kumimoji="1" lang="zh-CN" altLang="en-US" dirty="0"/>
@@ -2747,10 +2722,9 @@
           <a:p>
             <a:pPr lvl="0"/>
             <a:r>
-              <a:rPr kumimoji="1" lang="zh-CN" altLang="en-US" dirty="0" smtClean="0"/>
+              <a:rPr kumimoji="1" lang="zh-CN" altLang="en-US" dirty="0"/>
               <a:t>球</a:t>
             </a:r>
-            <a:endParaRPr kumimoji="1" lang="zh-CN" altLang="en-US" dirty="0"/>
           </a:p>
         </p:txBody>
       </p:sp>
@@ -2855,26 +2829,25 @@
           <a:p>
             <a:pPr lvl="0"/>
             <a:r>
-              <a:rPr kumimoji="1" lang="zh-CN" altLang="en-US" dirty="0" smtClean="0"/>
+              <a:rPr kumimoji="1" lang="zh-CN" altLang="en-US" dirty="0"/>
               <a:t>考点：</a:t>
             </a:r>
             <a:r>
-              <a:rPr kumimoji="1" lang="en-US" altLang="zh-CN" dirty="0" smtClean="0"/>
+              <a:rPr kumimoji="1" lang="en-US" altLang="zh-CN" dirty="0"/>
               <a:t>A2</a:t>
             </a:r>
             <a:r>
-              <a:rPr kumimoji="1" lang="zh-CN" altLang="en-US" dirty="0" smtClean="0"/>
+              <a:rPr kumimoji="1" lang="zh-CN" altLang="en-US" dirty="0"/>
               <a:t> </a:t>
             </a:r>
             <a:r>
-              <a:rPr kumimoji="1" lang="en-US" altLang="zh-CN" dirty="0" smtClean="0"/>
+              <a:rPr kumimoji="1" lang="en-US" altLang="zh-CN" dirty="0"/>
               <a:t>–</a:t>
             </a:r>
             <a:r>
-              <a:rPr kumimoji="1" lang="zh-CN" altLang="en-US" dirty="0" smtClean="0"/>
+              <a:rPr kumimoji="1" lang="zh-CN" altLang="en-US" dirty="0"/>
               <a:t> 运动</a:t>
             </a:r>
-            <a:endParaRPr kumimoji="1" lang="zh-CN" altLang="en-US" dirty="0"/>
           </a:p>
         </p:txBody>
       </p:sp>
@@ -3083,7 +3056,7 @@
           <p:cNvPr id="10" name="文本框 6">
             <a:extLst>
               <a:ext uri="{FF2B5EF4-FFF2-40B4-BE49-F238E27FC236}">
-                <a16:creationId xmlns:a16="http://schemas.microsoft.com/office/drawing/2014/main" xmlns="" id="{5D38C703-0535-2649-B4A0-B8F05CF7B2C5}"/>
+                <a16:creationId xmlns:a16="http://schemas.microsoft.com/office/drawing/2014/main" id="{5D38C703-0535-2649-B4A0-B8F05CF7B2C5}"/>
               </a:ext>
             </a:extLst>
           </p:cNvPr>
@@ -3133,7 +3106,7 @@
           <p:cNvPr id="11" name="文本框 10">
             <a:extLst>
               <a:ext uri="{FF2B5EF4-FFF2-40B4-BE49-F238E27FC236}">
-                <a16:creationId xmlns:a16="http://schemas.microsoft.com/office/drawing/2014/main" xmlns="" id="{65E5CD98-D6C1-1848-86A2-A50598B55139}"/>
+                <a16:creationId xmlns:a16="http://schemas.microsoft.com/office/drawing/2014/main" id="{65E5CD98-D6C1-1848-86A2-A50598B55139}"/>
               </a:ext>
             </a:extLst>
           </p:cNvPr>
@@ -3183,7 +3156,7 @@
           <p:cNvPr id="12" name="文本框 6">
             <a:extLst>
               <a:ext uri="{FF2B5EF4-FFF2-40B4-BE49-F238E27FC236}">
-                <a16:creationId xmlns:a16="http://schemas.microsoft.com/office/drawing/2014/main" xmlns="" id="{5F9E940D-7090-E94B-8B49-5CA1D127071A}"/>
+                <a16:creationId xmlns:a16="http://schemas.microsoft.com/office/drawing/2014/main" id="{5F9E940D-7090-E94B-8B49-5CA1D127071A}"/>
               </a:ext>
             </a:extLst>
           </p:cNvPr>
@@ -3233,7 +3206,7 @@
           <p:cNvPr id="13" name="文本框 6">
             <a:extLst>
               <a:ext uri="{FF2B5EF4-FFF2-40B4-BE49-F238E27FC236}">
-                <a16:creationId xmlns:a16="http://schemas.microsoft.com/office/drawing/2014/main" xmlns="" id="{BB9196A1-74E2-5046-99D0-EB0B468753EC}"/>
+                <a16:creationId xmlns:a16="http://schemas.microsoft.com/office/drawing/2014/main" id="{BB9196A1-74E2-5046-99D0-EB0B468753EC}"/>
               </a:ext>
             </a:extLst>
           </p:cNvPr>
@@ -3364,15 +3337,15 @@
           <a:p>
             <a:pPr lvl="0"/>
             <a:r>
-              <a:rPr kumimoji="1" lang="en-US" altLang="zh-CN" dirty="0" smtClean="0"/>
+              <a:rPr kumimoji="1" lang="en-US" altLang="zh-CN" dirty="0"/>
               <a:t>Choice</a:t>
             </a:r>
             <a:r>
-              <a:rPr kumimoji="1" lang="zh-CN" altLang="en-US" dirty="0" smtClean="0"/>
+              <a:rPr kumimoji="1" lang="zh-CN" altLang="en-US" dirty="0"/>
               <a:t> </a:t>
             </a:r>
             <a:r>
-              <a:rPr kumimoji="1" lang="en-US" altLang="zh-CN" dirty="0" smtClean="0"/>
+              <a:rPr kumimoji="1" lang="en-US" altLang="zh-CN" dirty="0"/>
               <a:t>A</a:t>
             </a:r>
             <a:endParaRPr kumimoji="1" lang="zh-CN" altLang="en-US" dirty="0"/>
@@ -3465,15 +3438,15 @@
           <a:p>
             <a:pPr lvl="0"/>
             <a:r>
-              <a:rPr kumimoji="1" lang="en-US" altLang="zh-CN" dirty="0" smtClean="0"/>
+              <a:rPr kumimoji="1" lang="en-US" altLang="zh-CN" dirty="0"/>
               <a:t>Choice</a:t>
             </a:r>
             <a:r>
-              <a:rPr kumimoji="1" lang="zh-CN" altLang="en-US" dirty="0" smtClean="0"/>
+              <a:rPr kumimoji="1" lang="zh-CN" altLang="en-US" dirty="0"/>
               <a:t> </a:t>
             </a:r>
             <a:r>
-              <a:rPr kumimoji="1" lang="en-US" altLang="zh-CN" dirty="0" smtClean="0"/>
+              <a:rPr kumimoji="1" lang="en-US" altLang="zh-CN" dirty="0"/>
               <a:t>B</a:t>
             </a:r>
             <a:endParaRPr kumimoji="1" lang="zh-CN" altLang="en-US" dirty="0"/>
@@ -3566,15 +3539,15 @@
           <a:p>
             <a:pPr lvl="0"/>
             <a:r>
-              <a:rPr kumimoji="1" lang="en-US" altLang="zh-CN" dirty="0" smtClean="0"/>
+              <a:rPr kumimoji="1" lang="en-US" altLang="zh-CN" dirty="0"/>
               <a:t>Choice</a:t>
             </a:r>
             <a:r>
-              <a:rPr kumimoji="1" lang="zh-CN" altLang="en-US" dirty="0" smtClean="0"/>
+              <a:rPr kumimoji="1" lang="zh-CN" altLang="en-US" dirty="0"/>
               <a:t> </a:t>
             </a:r>
             <a:r>
-              <a:rPr kumimoji="1" lang="en-US" altLang="zh-CN" dirty="0" smtClean="0"/>
+              <a:rPr kumimoji="1" lang="en-US" altLang="zh-CN" dirty="0"/>
               <a:t>C</a:t>
             </a:r>
             <a:endParaRPr kumimoji="1" lang="zh-CN" altLang="en-US" dirty="0"/>
@@ -3667,15 +3640,15 @@
           <a:p>
             <a:pPr lvl="0"/>
             <a:r>
-              <a:rPr kumimoji="1" lang="en-US" altLang="zh-CN" dirty="0" smtClean="0"/>
+              <a:rPr kumimoji="1" lang="en-US" altLang="zh-CN" dirty="0"/>
               <a:t>Choice</a:t>
             </a:r>
             <a:r>
-              <a:rPr kumimoji="1" lang="zh-CN" altLang="en-US" dirty="0" smtClean="0"/>
+              <a:rPr kumimoji="1" lang="zh-CN" altLang="en-US" dirty="0"/>
               <a:t> </a:t>
             </a:r>
             <a:r>
-              <a:rPr kumimoji="1" lang="en-US" altLang="zh-CN" dirty="0" smtClean="0"/>
+              <a:rPr kumimoji="1" lang="en-US" altLang="zh-CN" dirty="0"/>
               <a:t>D</a:t>
             </a:r>
             <a:endParaRPr kumimoji="1" lang="zh-CN" altLang="en-US" dirty="0"/>
@@ -3768,7 +3741,7 @@
               <a:defRPr/>
             </a:pPr>
             <a:r>
-              <a:rPr kumimoji="1" lang="en-US" altLang="zh-CN" dirty="0" smtClean="0"/>
+              <a:rPr kumimoji="1" lang="en-US" altLang="zh-CN" dirty="0"/>
               <a:t>Q.1</a:t>
             </a:r>
             <a:endParaRPr kumimoji="1" lang="zh-CN" altLang="en-US" dirty="0"/>
@@ -3861,7 +3834,7 @@
           <a:p>
             <a:pPr lvl="0"/>
             <a:r>
-              <a:rPr kumimoji="1" lang="en-US" altLang="zh-CN" dirty="0" smtClean="0"/>
+              <a:rPr kumimoji="1" lang="en-US" altLang="zh-CN" dirty="0"/>
               <a:t>A</a:t>
             </a:r>
             <a:endParaRPr kumimoji="1" lang="zh-CN" altLang="en-US" dirty="0"/>
@@ -3959,11 +3932,11 @@
           <a:p>
             <a:pPr lvl="0"/>
             <a:r>
-              <a:rPr kumimoji="1" lang="zh-CN" altLang="en-US" dirty="0" smtClean="0"/>
+              <a:rPr kumimoji="1" lang="zh-CN" altLang="en-US" dirty="0"/>
               <a:t>球 </a:t>
             </a:r>
             <a:r>
-              <a:rPr kumimoji="1" lang="en-US" altLang="zh-CN" dirty="0" smtClean="0"/>
+              <a:rPr kumimoji="1" lang="en-US" altLang="zh-CN" dirty="0"/>
               <a:t>ball</a:t>
             </a:r>
             <a:endParaRPr kumimoji="1" lang="zh-CN" altLang="en-US" dirty="0"/>
@@ -4056,18 +4029,17 @@
           <a:p>
             <a:pPr lvl="0"/>
             <a:r>
-              <a:rPr kumimoji="1" lang="zh-CN" altLang="en-US" dirty="0" smtClean="0"/>
+              <a:rPr kumimoji="1" lang="zh-CN" altLang="en-US" dirty="0"/>
               <a:t>考点：</a:t>
             </a:r>
             <a:r>
-              <a:rPr kumimoji="1" lang="en-US" altLang="zh-CN" dirty="0" smtClean="0"/>
+              <a:rPr kumimoji="1" lang="en-US" altLang="zh-CN" dirty="0"/>
               <a:t>A1-</a:t>
             </a:r>
             <a:r>
-              <a:rPr kumimoji="1" lang="zh-CN" altLang="en-US" dirty="0" smtClean="0"/>
+              <a:rPr kumimoji="1" lang="zh-CN" altLang="en-US" dirty="0"/>
               <a:t>运动</a:t>
             </a:r>
-            <a:endParaRPr kumimoji="1" lang="zh-CN" altLang="en-US" dirty="0"/>
           </a:p>
         </p:txBody>
       </p:sp>
@@ -4276,7 +4248,7 @@
           <p:cNvPr id="11" name="文本框 6">
             <a:extLst>
               <a:ext uri="{FF2B5EF4-FFF2-40B4-BE49-F238E27FC236}">
-                <a16:creationId xmlns:a16="http://schemas.microsoft.com/office/drawing/2014/main" xmlns="" id="{5D38C703-0535-2649-B4A0-B8F05CF7B2C5}"/>
+                <a16:creationId xmlns:a16="http://schemas.microsoft.com/office/drawing/2014/main" id="{5D38C703-0535-2649-B4A0-B8F05CF7B2C5}"/>
               </a:ext>
             </a:extLst>
           </p:cNvPr>
@@ -4326,7 +4298,7 @@
           <p:cNvPr id="12" name="文本框 11">
             <a:extLst>
               <a:ext uri="{FF2B5EF4-FFF2-40B4-BE49-F238E27FC236}">
-                <a16:creationId xmlns:a16="http://schemas.microsoft.com/office/drawing/2014/main" xmlns="" id="{65E5CD98-D6C1-1848-86A2-A50598B55139}"/>
+                <a16:creationId xmlns:a16="http://schemas.microsoft.com/office/drawing/2014/main" id="{65E5CD98-D6C1-1848-86A2-A50598B55139}"/>
               </a:ext>
             </a:extLst>
           </p:cNvPr>
@@ -4376,7 +4348,7 @@
           <p:cNvPr id="13" name="文本框 6">
             <a:extLst>
               <a:ext uri="{FF2B5EF4-FFF2-40B4-BE49-F238E27FC236}">
-                <a16:creationId xmlns:a16="http://schemas.microsoft.com/office/drawing/2014/main" xmlns="" id="{5F9E940D-7090-E94B-8B49-5CA1D127071A}"/>
+                <a16:creationId xmlns:a16="http://schemas.microsoft.com/office/drawing/2014/main" id="{5F9E940D-7090-E94B-8B49-5CA1D127071A}"/>
               </a:ext>
             </a:extLst>
           </p:cNvPr>
@@ -4426,7 +4398,7 @@
           <p:cNvPr id="14" name="文本框 6">
             <a:extLst>
               <a:ext uri="{FF2B5EF4-FFF2-40B4-BE49-F238E27FC236}">
-                <a16:creationId xmlns:a16="http://schemas.microsoft.com/office/drawing/2014/main" xmlns="" id="{BB9196A1-74E2-5046-99D0-EB0B468753EC}"/>
+                <a16:creationId xmlns:a16="http://schemas.microsoft.com/office/drawing/2014/main" id="{BB9196A1-74E2-5046-99D0-EB0B468753EC}"/>
               </a:ext>
             </a:extLst>
           </p:cNvPr>
@@ -4559,30 +4531,29 @@
           <a:p>
             <a:pPr lvl="0"/>
             <a:r>
-              <a:rPr kumimoji="1" lang="en-US" altLang="zh-CN" dirty="0" smtClean="0"/>
+              <a:rPr kumimoji="1" lang="en-US" altLang="zh-CN" dirty="0"/>
               <a:t>Choice</a:t>
             </a:r>
             <a:r>
-              <a:rPr kumimoji="1" lang="zh-CN" altLang="en-US" dirty="0" smtClean="0"/>
+              <a:rPr kumimoji="1" lang="zh-CN" altLang="en-US" dirty="0"/>
               <a:t> </a:t>
             </a:r>
             <a:r>
-              <a:rPr kumimoji="1" lang="en-US" altLang="zh-CN" dirty="0" smtClean="0"/>
+              <a:rPr kumimoji="1" lang="en-US" altLang="zh-CN" dirty="0"/>
               <a:t>A</a:t>
             </a:r>
             <a:r>
-              <a:rPr kumimoji="1" lang="zh-CN" altLang="en-US" dirty="0" smtClean="0"/>
+              <a:rPr kumimoji="1" lang="zh-CN" altLang="en-US" dirty="0"/>
               <a:t> </a:t>
             </a:r>
             <a:r>
-              <a:rPr kumimoji="1" lang="en-US" altLang="zh-CN" dirty="0" smtClean="0"/>
+              <a:rPr kumimoji="1" lang="en-US" altLang="zh-CN" dirty="0"/>
               <a:t>+</a:t>
             </a:r>
             <a:r>
-              <a:rPr kumimoji="1" lang="zh-CN" altLang="en-US" dirty="0" smtClean="0"/>
+              <a:rPr kumimoji="1" lang="zh-CN" altLang="en-US" dirty="0"/>
               <a:t> 释义</a:t>
             </a:r>
-            <a:endParaRPr kumimoji="1" lang="zh-CN" altLang="en-US" dirty="0"/>
           </a:p>
         </p:txBody>
       </p:sp>
@@ -4702,27 +4673,27 @@
               <a:defRPr/>
             </a:pPr>
             <a:r>
-              <a:rPr kumimoji="1" lang="en-US" altLang="zh-CN" dirty="0" smtClean="0"/>
+              <a:rPr kumimoji="1" lang="en-US" altLang="zh-CN" dirty="0"/>
               <a:t>Choice</a:t>
             </a:r>
             <a:r>
-              <a:rPr kumimoji="1" lang="zh-CN" altLang="en-US" dirty="0" smtClean="0"/>
+              <a:rPr kumimoji="1" lang="zh-CN" altLang="en-US" dirty="0"/>
               <a:t> </a:t>
             </a:r>
             <a:r>
-              <a:rPr kumimoji="1" lang="en-US" altLang="zh-CN" dirty="0" smtClean="0"/>
+              <a:rPr kumimoji="1" lang="en-US" altLang="zh-CN" dirty="0"/>
               <a:t>B</a:t>
             </a:r>
             <a:r>
-              <a:rPr kumimoji="1" lang="zh-CN" altLang="en-US" dirty="0" smtClean="0"/>
+              <a:rPr kumimoji="1" lang="zh-CN" altLang="en-US" dirty="0"/>
               <a:t> </a:t>
             </a:r>
             <a:r>
-              <a:rPr kumimoji="1" lang="en-US" altLang="zh-CN" dirty="0" smtClean="0"/>
+              <a:rPr kumimoji="1" lang="en-US" altLang="zh-CN" dirty="0"/>
               <a:t>+</a:t>
             </a:r>
             <a:r>
-              <a:rPr kumimoji="1" lang="zh-CN" altLang="en-US" dirty="0" smtClean="0"/>
+              <a:rPr kumimoji="1" lang="zh-CN" altLang="en-US" dirty="0"/>
               <a:t> 释义</a:t>
             </a:r>
           </a:p>
@@ -4844,27 +4815,27 @@
               <a:defRPr/>
             </a:pPr>
             <a:r>
-              <a:rPr kumimoji="1" lang="en-US" altLang="zh-CN" dirty="0" smtClean="0"/>
+              <a:rPr kumimoji="1" lang="en-US" altLang="zh-CN" dirty="0"/>
               <a:t>Choice</a:t>
             </a:r>
             <a:r>
-              <a:rPr kumimoji="1" lang="zh-CN" altLang="en-US" dirty="0" smtClean="0"/>
+              <a:rPr kumimoji="1" lang="zh-CN" altLang="en-US" dirty="0"/>
               <a:t> </a:t>
             </a:r>
             <a:r>
-              <a:rPr kumimoji="1" lang="en-US" altLang="zh-CN" dirty="0" smtClean="0"/>
+              <a:rPr kumimoji="1" lang="en-US" altLang="zh-CN" dirty="0"/>
               <a:t>C</a:t>
             </a:r>
             <a:r>
-              <a:rPr kumimoji="1" lang="zh-CN" altLang="en-US" dirty="0" smtClean="0"/>
+              <a:rPr kumimoji="1" lang="zh-CN" altLang="en-US" dirty="0"/>
               <a:t> </a:t>
             </a:r>
             <a:r>
-              <a:rPr kumimoji="1" lang="en-US" altLang="zh-CN" dirty="0" smtClean="0"/>
+              <a:rPr kumimoji="1" lang="en-US" altLang="zh-CN" dirty="0"/>
               <a:t>+</a:t>
             </a:r>
             <a:r>
-              <a:rPr kumimoji="1" lang="zh-CN" altLang="en-US" dirty="0" smtClean="0"/>
+              <a:rPr kumimoji="1" lang="zh-CN" altLang="en-US" dirty="0"/>
               <a:t> 释义</a:t>
             </a:r>
           </a:p>
@@ -4986,27 +4957,27 @@
               <a:defRPr/>
             </a:pPr>
             <a:r>
-              <a:rPr kumimoji="1" lang="en-US" altLang="zh-CN" dirty="0" smtClean="0"/>
+              <a:rPr kumimoji="1" lang="en-US" altLang="zh-CN" dirty="0"/>
               <a:t>Choice</a:t>
             </a:r>
             <a:r>
-              <a:rPr kumimoji="1" lang="zh-CN" altLang="en-US" dirty="0" smtClean="0"/>
+              <a:rPr kumimoji="1" lang="zh-CN" altLang="en-US" dirty="0"/>
               <a:t> </a:t>
             </a:r>
             <a:r>
-              <a:rPr kumimoji="1" lang="en-US" altLang="zh-CN" dirty="0" smtClean="0"/>
+              <a:rPr kumimoji="1" lang="en-US" altLang="zh-CN" dirty="0"/>
               <a:t>D</a:t>
             </a:r>
             <a:r>
-              <a:rPr kumimoji="1" lang="zh-CN" altLang="en-US" dirty="0" smtClean="0"/>
+              <a:rPr kumimoji="1" lang="zh-CN" altLang="en-US" dirty="0"/>
               <a:t> </a:t>
             </a:r>
             <a:r>
-              <a:rPr kumimoji="1" lang="en-US" altLang="zh-CN" dirty="0" smtClean="0"/>
+              <a:rPr kumimoji="1" lang="en-US" altLang="zh-CN" dirty="0"/>
               <a:t>+</a:t>
             </a:r>
             <a:r>
-              <a:rPr kumimoji="1" lang="zh-CN" altLang="en-US" dirty="0" smtClean="0"/>
+              <a:rPr kumimoji="1" lang="zh-CN" altLang="en-US" dirty="0"/>
               <a:t> 释义</a:t>
             </a:r>
           </a:p>
@@ -5101,18 +5072,17 @@
           <a:p>
             <a:pPr lvl="0"/>
             <a:r>
-              <a:rPr kumimoji="1" lang="zh-CN" altLang="en-US" dirty="0" smtClean="0"/>
+              <a:rPr kumimoji="1" lang="zh-CN" altLang="en-US" dirty="0"/>
               <a:t>更多解释</a:t>
             </a:r>
             <a:r>
-              <a:rPr kumimoji="1" lang="en-US" altLang="zh-CN" dirty="0" smtClean="0"/>
+              <a:rPr kumimoji="1" lang="en-US" altLang="zh-CN" dirty="0"/>
               <a:t>/</a:t>
             </a:r>
             <a:r>
-              <a:rPr kumimoji="1" lang="zh-CN" altLang="en-US" dirty="0" smtClean="0"/>
+              <a:rPr kumimoji="1" lang="zh-CN" altLang="en-US" dirty="0"/>
               <a:t>备注：这里是文字</a:t>
             </a:r>
-            <a:endParaRPr kumimoji="1" lang="zh-CN" altLang="en-US" dirty="0"/>
           </a:p>
         </p:txBody>
       </p:sp>
@@ -5156,7 +5126,7 @@
               <a:defRPr/>
             </a:pPr>
             <a:r>
-              <a:rPr kumimoji="1" lang="zh-CN" altLang="en-US" sz="2000" b="0" i="0" u="none" strike="noStrike" kern="1200" cap="none" spc="0" normalizeH="0" baseline="0" noProof="0" dirty="0" smtClean="0">
+              <a:rPr kumimoji="1" lang="zh-CN" altLang="en-US" sz="2000" b="0" i="0" u="none" strike="noStrike" kern="1200" cap="none" spc="0" normalizeH="0" baseline="0" noProof="0" dirty="0">
                 <a:ln>
                   <a:noFill/>
                 </a:ln>
@@ -5388,7 +5358,7 @@
               <a:t> </a:t>
             </a:r>
             <a:r>
-              <a:rPr kumimoji="1" lang="en-US" altLang="zh-CN" b="0" i="0" dirty="0" smtClean="0">
+              <a:rPr kumimoji="1" lang="en-US" altLang="zh-CN" b="0" i="0" dirty="0">
                 <a:latin typeface="Helvetica Neue Medium" charset="0"/>
                 <a:ea typeface="Helvetica Neue Medium" charset="0"/>
                 <a:cs typeface="Helvetica Neue Medium" charset="0"/>
@@ -5396,11 +5366,11 @@
               <a:t>question </a:t>
             </a:r>
             <a:r>
-              <a:rPr kumimoji="1" lang="en-US" altLang="zh-CN" dirty="0" smtClean="0"/>
+              <a:rPr kumimoji="1" lang="en-US" altLang="zh-CN" dirty="0"/>
               <a:t>in</a:t>
             </a:r>
             <a:r>
-              <a:rPr kumimoji="1" lang="zh-CN" altLang="en-US" dirty="0" smtClean="0"/>
+              <a:rPr kumimoji="1" lang="zh-CN" altLang="en-US" dirty="0"/>
               <a:t> </a:t>
             </a:r>
             <a:r>
@@ -5763,7 +5733,7 @@
               <a:t> </a:t>
             </a:r>
             <a:r>
-              <a:rPr kumimoji="1" lang="en-US" altLang="zh-CN" b="0" i="0" dirty="0" smtClean="0">
+              <a:rPr kumimoji="1" lang="en-US" altLang="zh-CN" b="0" i="0" dirty="0">
                 <a:latin typeface="Helvetica Neue Medium" charset="0"/>
                 <a:ea typeface="Helvetica Neue Medium" charset="0"/>
                 <a:cs typeface="Helvetica Neue Medium" charset="0"/>
@@ -5771,11 +5741,11 @@
               <a:t>question </a:t>
             </a:r>
             <a:r>
-              <a:rPr kumimoji="1" lang="en-US" altLang="zh-CN" dirty="0" smtClean="0"/>
+              <a:rPr kumimoji="1" lang="en-US" altLang="zh-CN" dirty="0"/>
               <a:t>in</a:t>
             </a:r>
             <a:r>
-              <a:rPr kumimoji="1" lang="zh-CN" altLang="en-US" dirty="0" smtClean="0"/>
+              <a:rPr kumimoji="1" lang="zh-CN" altLang="en-US" dirty="0"/>
               <a:t> </a:t>
             </a:r>
             <a:r>
@@ -5939,7 +5909,7 @@
           <p:cNvPr id="8" name="文本占位符 3">
             <a:extLst>
               <a:ext uri="{FF2B5EF4-FFF2-40B4-BE49-F238E27FC236}">
-                <a16:creationId xmlns="" xmlns:a16="http://schemas.microsoft.com/office/drawing/2014/main" id="{5BA5F626-1F8E-054A-918D-94622AD4EABF}"/>
+                <a16:creationId xmlns:a16="http://schemas.microsoft.com/office/drawing/2014/main" id="{5BA5F626-1F8E-054A-918D-94622AD4EABF}"/>
               </a:ext>
             </a:extLst>
           </p:cNvPr>
@@ -6028,7 +5998,7 @@
           <p:cNvPr id="9" name="文本占位符 3">
             <a:extLst>
               <a:ext uri="{FF2B5EF4-FFF2-40B4-BE49-F238E27FC236}">
-                <a16:creationId xmlns="" xmlns:a16="http://schemas.microsoft.com/office/drawing/2014/main" id="{5FCCDF54-3207-5346-9F95-0AC916F61892}"/>
+                <a16:creationId xmlns:a16="http://schemas.microsoft.com/office/drawing/2014/main" id="{5FCCDF54-3207-5346-9F95-0AC916F61892}"/>
               </a:ext>
             </a:extLst>
           </p:cNvPr>
@@ -6117,7 +6087,7 @@
           <p:cNvPr id="10" name="文本占位符 3">
             <a:extLst>
               <a:ext uri="{FF2B5EF4-FFF2-40B4-BE49-F238E27FC236}">
-                <a16:creationId xmlns="" xmlns:a16="http://schemas.microsoft.com/office/drawing/2014/main" id="{B191C670-839A-7542-ADC9-27051AC8F6B2}"/>
+                <a16:creationId xmlns:a16="http://schemas.microsoft.com/office/drawing/2014/main" id="{B191C670-839A-7542-ADC9-27051AC8F6B2}"/>
               </a:ext>
             </a:extLst>
           </p:cNvPr>
@@ -6206,7 +6176,7 @@
           <p:cNvPr id="11" name="文本框 6">
             <a:extLst>
               <a:ext uri="{FF2B5EF4-FFF2-40B4-BE49-F238E27FC236}">
-                <a16:creationId xmlns="" xmlns:a16="http://schemas.microsoft.com/office/drawing/2014/main" id="{CFFCA465-7096-CF48-82C4-BBF12BAED15D}"/>
+                <a16:creationId xmlns:a16="http://schemas.microsoft.com/office/drawing/2014/main" id="{CFFCA465-7096-CF48-82C4-BBF12BAED15D}"/>
               </a:ext>
             </a:extLst>
           </p:cNvPr>
@@ -6256,7 +6226,7 @@
           <p:cNvPr id="12" name="文本框 6">
             <a:extLst>
               <a:ext uri="{FF2B5EF4-FFF2-40B4-BE49-F238E27FC236}">
-                <a16:creationId xmlns="" xmlns:a16="http://schemas.microsoft.com/office/drawing/2014/main" id="{58BB7382-28F7-B140-99CA-079FE427AFED}"/>
+                <a16:creationId xmlns:a16="http://schemas.microsoft.com/office/drawing/2014/main" id="{58BB7382-28F7-B140-99CA-079FE427AFED}"/>
               </a:ext>
             </a:extLst>
           </p:cNvPr>
@@ -6306,7 +6276,7 @@
           <p:cNvPr id="13" name="文本框 6">
             <a:extLst>
               <a:ext uri="{FF2B5EF4-FFF2-40B4-BE49-F238E27FC236}">
-                <a16:creationId xmlns="" xmlns:a16="http://schemas.microsoft.com/office/drawing/2014/main" id="{6857E332-9933-9042-B7A8-9060834982B6}"/>
+                <a16:creationId xmlns:a16="http://schemas.microsoft.com/office/drawing/2014/main" id="{6857E332-9933-9042-B7A8-9060834982B6}"/>
               </a:ext>
             </a:extLst>
           </p:cNvPr>
@@ -6356,7 +6326,7 @@
           <p:cNvPr id="14" name="文本框 6">
             <a:extLst>
               <a:ext uri="{FF2B5EF4-FFF2-40B4-BE49-F238E27FC236}">
-                <a16:creationId xmlns="" xmlns:a16="http://schemas.microsoft.com/office/drawing/2014/main" id="{9708D859-D292-E44F-97EB-598216544539}"/>
+                <a16:creationId xmlns:a16="http://schemas.microsoft.com/office/drawing/2014/main" id="{9708D859-D292-E44F-97EB-598216544539}"/>
               </a:ext>
             </a:extLst>
           </p:cNvPr>
@@ -6406,7 +6376,7 @@
           <p:cNvPr id="15" name="文本占位符 3">
             <a:extLst>
               <a:ext uri="{FF2B5EF4-FFF2-40B4-BE49-F238E27FC236}">
-                <a16:creationId xmlns="" xmlns:a16="http://schemas.microsoft.com/office/drawing/2014/main" id="{61048211-379D-CD4C-8037-C4240B243345}"/>
+                <a16:creationId xmlns:a16="http://schemas.microsoft.com/office/drawing/2014/main" id="{61048211-379D-CD4C-8037-C4240B243345}"/>
               </a:ext>
             </a:extLst>
           </p:cNvPr>
@@ -6847,15 +6817,17 @@
         </p:nvSpPr>
         <p:spPr>
           <a:xfrm>
-            <a:off x="1055687" y="3076764"/>
-            <a:ext cx="762225" cy="432000"/>
-          </a:xfrm>
-          <a:prstGeom prst="rect">
-            <a:avLst/>
-          </a:prstGeom>
-        </p:spPr>
-        <p:txBody>
-          <a:bodyPr anchor="t"/>
+            <a:off x="1055686" y="3076764"/>
+            <a:ext cx="1296000" cy="432000"/>
+          </a:xfrm>
+          <a:prstGeom prst="rect">
+            <a:avLst/>
+          </a:prstGeom>
+        </p:spPr>
+        <p:txBody>
+          <a:bodyPr anchor="ctr" anchorCtr="0">
+            <a:normAutofit/>
+          </a:bodyPr>
           <a:lstStyle>
             <a:lvl1pPr marL="0" indent="0">
               <a:buFontTx/>
@@ -6890,7 +6862,7 @@
             </a:pPr>
             <a:r>
               <a:rPr kumimoji="1" lang="en-US" altLang="zh-CN" dirty="0"/>
-              <a:t>A1</a:t>
+              <a:t>B2-B2</a:t>
             </a:r>
           </a:p>
         </p:txBody>
@@ -6907,15 +6879,15 @@
         </p:nvSpPr>
         <p:spPr>
           <a:xfrm>
-            <a:off x="1632856" y="3077219"/>
-            <a:ext cx="9503143" cy="431546"/>
-          </a:xfrm>
-          <a:prstGeom prst="rect">
-            <a:avLst/>
-          </a:prstGeom>
-        </p:spPr>
-        <p:txBody>
-          <a:bodyPr tIns="28800" anchor="t"/>
+            <a:off x="2270589" y="3077219"/>
+            <a:ext cx="8865410" cy="431546"/>
+          </a:xfrm>
+          <a:prstGeom prst="rect">
+            <a:avLst/>
+          </a:prstGeom>
+        </p:spPr>
+        <p:txBody>
+          <a:bodyPr tIns="28800" anchor="ctr" anchorCtr="0"/>
           <a:lstStyle>
             <a:lvl1pPr marL="0" indent="0">
               <a:lnSpc>
@@ -7029,17 +7001,9 @@
                 <a:ea typeface="PingFang SC" charset="-122"/>
                 <a:cs typeface="PingFang SC" charset="-122"/>
               </a:rPr>
-              <a:t>这里是</a:t>
-            </a:r>
-            <a:r>
-              <a:rPr kumimoji="1" lang="zh-CN" altLang="en-US" b="0" i="0" dirty="0" smtClean="0">
-                <a:latin typeface="PingFang SC" charset="-122"/>
-                <a:ea typeface="PingFang SC" charset="-122"/>
-                <a:cs typeface="PingFang SC" charset="-122"/>
-              </a:rPr>
-              <a:t>文字这里是文字这里是文字这里是文字这里是文字这里是文字这里是文字这里是文字。</a:t>
-            </a:r>
-            <a:endParaRPr kumimoji="1" lang="zh-CN" altLang="en-US" dirty="0" smtClean="0"/>
+              <a:t>这里是文字这里是文字这里是文字这里是文字这里是文字这里是文字这里是文字这里是文字。</a:t>
+            </a:r>
+            <a:endParaRPr kumimoji="1" lang="zh-CN" altLang="en-US" dirty="0"/>
           </a:p>
         </p:txBody>
       </p:sp>
@@ -7410,7 +7374,7 @@
           <p:cNvPr id="16" name="文本占位符 3">
             <a:extLst>
               <a:ext uri="{FF2B5EF4-FFF2-40B4-BE49-F238E27FC236}">
-                <a16:creationId xmlns:a16="http://schemas.microsoft.com/office/drawing/2014/main" xmlns="" id="{A74FB077-6AA3-0B43-AC21-EE33C7C61E10}"/>
+                <a16:creationId xmlns:a16="http://schemas.microsoft.com/office/drawing/2014/main" id="{A74FB077-6AA3-0B43-AC21-EE33C7C61E10}"/>
               </a:ext>
             </a:extLst>
           </p:cNvPr>
@@ -7493,7 +7457,7 @@
           <p:cNvPr id="17" name="文本占位符 3">
             <a:extLst>
               <a:ext uri="{FF2B5EF4-FFF2-40B4-BE49-F238E27FC236}">
-                <a16:creationId xmlns:a16="http://schemas.microsoft.com/office/drawing/2014/main" xmlns="" id="{AD89B8CD-8466-564E-98F9-0FDFC2E5A77B}"/>
+                <a16:creationId xmlns:a16="http://schemas.microsoft.com/office/drawing/2014/main" id="{AD89B8CD-8466-564E-98F9-0FDFC2E5A77B}"/>
               </a:ext>
             </a:extLst>
           </p:cNvPr>
@@ -7582,7 +7546,7 @@
           <p:cNvPr id="18" name="文本占位符 3">
             <a:extLst>
               <a:ext uri="{FF2B5EF4-FFF2-40B4-BE49-F238E27FC236}">
-                <a16:creationId xmlns:a16="http://schemas.microsoft.com/office/drawing/2014/main" xmlns="" id="{DC7420E9-D400-EC49-BA07-FADE6C3CD450}"/>
+                <a16:creationId xmlns:a16="http://schemas.microsoft.com/office/drawing/2014/main" id="{DC7420E9-D400-EC49-BA07-FADE6C3CD450}"/>
               </a:ext>
             </a:extLst>
           </p:cNvPr>
@@ -7671,7 +7635,7 @@
           <p:cNvPr id="19" name="文本占位符 3">
             <a:extLst>
               <a:ext uri="{FF2B5EF4-FFF2-40B4-BE49-F238E27FC236}">
-                <a16:creationId xmlns:a16="http://schemas.microsoft.com/office/drawing/2014/main" xmlns="" id="{911556EF-2E53-D44E-B558-5C114F0FAA7C}"/>
+                <a16:creationId xmlns:a16="http://schemas.microsoft.com/office/drawing/2014/main" id="{911556EF-2E53-D44E-B558-5C114F0FAA7C}"/>
               </a:ext>
             </a:extLst>
           </p:cNvPr>
@@ -7760,7 +7724,7 @@
           <p:cNvPr id="20" name="文本框 6">
             <a:extLst>
               <a:ext uri="{FF2B5EF4-FFF2-40B4-BE49-F238E27FC236}">
-                <a16:creationId xmlns:a16="http://schemas.microsoft.com/office/drawing/2014/main" xmlns="" id="{5D38C703-0535-2649-B4A0-B8F05CF7B2C5}"/>
+                <a16:creationId xmlns:a16="http://schemas.microsoft.com/office/drawing/2014/main" id="{5D38C703-0535-2649-B4A0-B8F05CF7B2C5}"/>
               </a:ext>
             </a:extLst>
           </p:cNvPr>
@@ -7810,7 +7774,7 @@
           <p:cNvPr id="21" name="文本框 6">
             <a:extLst>
               <a:ext uri="{FF2B5EF4-FFF2-40B4-BE49-F238E27FC236}">
-                <a16:creationId xmlns:a16="http://schemas.microsoft.com/office/drawing/2014/main" xmlns="" id="{65E5CD98-D6C1-1848-86A2-A50598B55139}"/>
+                <a16:creationId xmlns:a16="http://schemas.microsoft.com/office/drawing/2014/main" id="{65E5CD98-D6C1-1848-86A2-A50598B55139}"/>
               </a:ext>
             </a:extLst>
           </p:cNvPr>
@@ -7860,7 +7824,7 @@
           <p:cNvPr id="22" name="文本框 6">
             <a:extLst>
               <a:ext uri="{FF2B5EF4-FFF2-40B4-BE49-F238E27FC236}">
-                <a16:creationId xmlns:a16="http://schemas.microsoft.com/office/drawing/2014/main" xmlns="" id="{5F9E940D-7090-E94B-8B49-5CA1D127071A}"/>
+                <a16:creationId xmlns:a16="http://schemas.microsoft.com/office/drawing/2014/main" id="{5F9E940D-7090-E94B-8B49-5CA1D127071A}"/>
               </a:ext>
             </a:extLst>
           </p:cNvPr>
@@ -7910,7 +7874,7 @@
           <p:cNvPr id="23" name="文本框 6">
             <a:extLst>
               <a:ext uri="{FF2B5EF4-FFF2-40B4-BE49-F238E27FC236}">
-                <a16:creationId xmlns:a16="http://schemas.microsoft.com/office/drawing/2014/main" xmlns="" id="{BB9196A1-74E2-5046-99D0-EB0B468753EC}"/>
+                <a16:creationId xmlns:a16="http://schemas.microsoft.com/office/drawing/2014/main" id="{BB9196A1-74E2-5046-99D0-EB0B468753EC}"/>
               </a:ext>
             </a:extLst>
           </p:cNvPr>
@@ -7960,7 +7924,7 @@
           <p:cNvPr id="24" name="文本占位符 8">
             <a:extLst>
               <a:ext uri="{FF2B5EF4-FFF2-40B4-BE49-F238E27FC236}">
-                <a16:creationId xmlns:a16="http://schemas.microsoft.com/office/drawing/2014/main" xmlns="" id="{DC4E8E34-3460-3444-B72A-429476C3F597}"/>
+                <a16:creationId xmlns:a16="http://schemas.microsoft.com/office/drawing/2014/main" id="{DC4E8E34-3460-3444-B72A-429476C3F597}"/>
               </a:ext>
             </a:extLst>
           </p:cNvPr>
@@ -7974,14 +7938,16 @@
         <p:spPr>
           <a:xfrm>
             <a:off x="1051252" y="3470334"/>
-            <a:ext cx="729568" cy="432000"/>
-          </a:xfrm>
-          <a:prstGeom prst="rect">
-            <a:avLst/>
-          </a:prstGeom>
-        </p:spPr>
-        <p:txBody>
-          <a:bodyPr anchor="ctr"/>
+            <a:ext cx="1152000" cy="432000"/>
+          </a:xfrm>
+          <a:prstGeom prst="rect">
+            <a:avLst/>
+          </a:prstGeom>
+        </p:spPr>
+        <p:txBody>
+          <a:bodyPr anchor="ctr">
+            <a:normAutofit/>
+          </a:bodyPr>
           <a:lstStyle>
             <a:lvl1pPr marL="0" indent="0">
               <a:buFontTx/>
@@ -8016,7 +7982,7 @@
             </a:pPr>
             <a:r>
               <a:rPr kumimoji="1" lang="en-US" altLang="zh-CN" dirty="0"/>
-              <a:t>A1</a:t>
+              <a:t>B2-B2</a:t>
             </a:r>
           </a:p>
         </p:txBody>
@@ -8026,7 +7992,7 @@
           <p:cNvPr id="25" name="文本占位符 8">
             <a:extLst>
               <a:ext uri="{FF2B5EF4-FFF2-40B4-BE49-F238E27FC236}">
-                <a16:creationId xmlns:a16="http://schemas.microsoft.com/office/drawing/2014/main" xmlns="" id="{993DB0B2-65A6-8C4E-BC99-5DD87B1ACE41}"/>
+                <a16:creationId xmlns:a16="http://schemas.microsoft.com/office/drawing/2014/main" id="{993DB0B2-65A6-8C4E-BC99-5DD87B1ACE41}"/>
               </a:ext>
             </a:extLst>
           </p:cNvPr>
@@ -8039,8 +8005,8 @@
         </p:nvSpPr>
         <p:spPr>
           <a:xfrm>
-            <a:off x="1600372" y="3470789"/>
-            <a:ext cx="9531191" cy="431546"/>
+            <a:off x="2097741" y="3470789"/>
+            <a:ext cx="9033822" cy="431546"/>
           </a:xfrm>
           <a:prstGeom prst="rect">
             <a:avLst/>
@@ -8095,7 +8061,7 @@
           <p:cNvPr id="26" name="文本占位符 12">
             <a:extLst>
               <a:ext uri="{FF2B5EF4-FFF2-40B4-BE49-F238E27FC236}">
-                <a16:creationId xmlns:a16="http://schemas.microsoft.com/office/drawing/2014/main" xmlns="" id="{C20C845D-B437-B644-A0DC-11B9DDD011BE}"/>
+                <a16:creationId xmlns:a16="http://schemas.microsoft.com/office/drawing/2014/main" id="{C20C845D-B437-B644-A0DC-11B9DDD011BE}"/>
               </a:ext>
             </a:extLst>
           </p:cNvPr>
@@ -8167,17 +8133,9 @@
                 <a:ea typeface="PingFang SC" charset="-122"/>
                 <a:cs typeface="PingFang SC" charset="-122"/>
               </a:rPr>
-              <a:t>这里是</a:t>
-            </a:r>
-            <a:r>
-              <a:rPr kumimoji="1" lang="zh-CN" altLang="en-US" b="0" i="0" dirty="0" smtClean="0">
-                <a:latin typeface="PingFang SC" charset="-122"/>
-                <a:ea typeface="PingFang SC" charset="-122"/>
-                <a:cs typeface="PingFang SC" charset="-122"/>
-              </a:rPr>
-              <a:t>文字这里是文字这里是文字这里是文字这里是文字这里是文字这里是文字这里是文字这里是文字这里是文字。</a:t>
-            </a:r>
-            <a:endParaRPr kumimoji="1" lang="zh-CN" altLang="en-US" dirty="0" smtClean="0"/>
+              <a:t>这里是文字这里是文字这里是文字这里是文字这里是文字这里是文字这里是文字这里是文字这里是文字这里是文字。</a:t>
+            </a:r>
+            <a:endParaRPr kumimoji="1" lang="zh-CN" altLang="en-US" dirty="0"/>
           </a:p>
         </p:txBody>
       </p:sp>
@@ -8574,7 +8532,7 @@
               <a:defRPr/>
             </a:pPr>
             <a:r>
-              <a:rPr lang="zh-CN" altLang="en-US" sz="2400" b="0" i="0" dirty="0" smtClean="0">
+              <a:rPr lang="zh-CN" altLang="en-US" sz="2400" b="0" i="0" dirty="0">
                 <a:solidFill>
                   <a:srgbClr val="ECFAFF"/>
                 </a:solidFill>
@@ -8583,19 +8541,7 @@
                 <a:ea typeface="PingFang SC" charset="-122"/>
                 <a:cs typeface="PingFang SC" charset="-122"/>
               </a:rPr>
-              <a:t>正在</a:t>
-            </a:r>
-            <a:r>
-              <a:rPr lang="zh-CN" altLang="en-US" sz="2400" b="0" i="0" dirty="0">
-                <a:solidFill>
-                  <a:srgbClr val="ECFAFF"/>
-                </a:solidFill>
-                <a:effectLst/>
-                <a:latin typeface="PingFang SC" charset="-122"/>
-                <a:ea typeface="PingFang SC" charset="-122"/>
-                <a:cs typeface="PingFang SC" charset="-122"/>
-              </a:rPr>
-              <a:t>计算分数，请稍后</a:t>
+              <a:t>正在计算分数，请稍后</a:t>
             </a:r>
           </a:p>
         </p:txBody>
@@ -8714,7 +8660,7 @@
               <a:defRPr/>
             </a:pPr>
             <a:r>
-              <a:rPr kumimoji="1" lang="en-US" altLang="zh-CN" dirty="0" smtClean="0"/>
+              <a:rPr kumimoji="1" lang="en-US" altLang="zh-CN" dirty="0"/>
               <a:t>Calculating score, please wait</a:t>
             </a:r>
           </a:p>
@@ -8762,15 +8708,17 @@
         </p:nvSpPr>
         <p:spPr>
           <a:xfrm>
-            <a:off x="1776000" y="1090343"/>
-            <a:ext cx="8640000" cy="1332000"/>
-          </a:xfrm>
-          <a:prstGeom prst="rect">
-            <a:avLst/>
-          </a:prstGeom>
-        </p:spPr>
-        <p:txBody>
-          <a:bodyPr/>
+            <a:off x="336000" y="1090343"/>
+            <a:ext cx="11520000" cy="1332000"/>
+          </a:xfrm>
+          <a:prstGeom prst="rect">
+            <a:avLst/>
+          </a:prstGeom>
+        </p:spPr>
+        <p:txBody>
+          <a:bodyPr anchor="ctr" anchorCtr="0">
+            <a:normAutofit/>
+          </a:bodyPr>
           <a:lstStyle>
             <a:lvl1pPr marL="0" indent="0" algn="ctr">
               <a:buFontTx/>
@@ -8824,7 +8772,7 @@
           <a:p>
             <a:pPr lvl="0"/>
             <a:r>
-              <a:rPr kumimoji="1" lang="en-US" altLang="zh-CN" dirty="0" smtClean="0"/>
+              <a:rPr kumimoji="1" lang="en-US" altLang="zh-CN" dirty="0"/>
               <a:t>Perfect</a:t>
             </a:r>
             <a:endParaRPr kumimoji="1" lang="zh-CN" altLang="en-US" dirty="0"/>
@@ -8843,15 +8791,17 @@
         </p:nvSpPr>
         <p:spPr>
           <a:xfrm>
-            <a:off x="1776000" y="2618992"/>
-            <a:ext cx="8640000" cy="1141175"/>
-          </a:xfrm>
-          <a:prstGeom prst="rect">
-            <a:avLst/>
-          </a:prstGeom>
-        </p:spPr>
-        <p:txBody>
-          <a:bodyPr anchor="ctr"/>
+            <a:off x="336000" y="2618992"/>
+            <a:ext cx="11520000" cy="1141175"/>
+          </a:xfrm>
+          <a:prstGeom prst="rect">
+            <a:avLst/>
+          </a:prstGeom>
+        </p:spPr>
+        <p:txBody>
+          <a:bodyPr anchor="ctr">
+            <a:normAutofit/>
+          </a:bodyPr>
           <a:lstStyle>
             <a:lvl1pPr marL="0" marR="0" indent="0" algn="ctr" defTabSz="914400" rtl="0" eaLnBrk="1" fontAlgn="auto" latinLnBrk="0" hangingPunct="1">
               <a:lnSpc>
@@ -8929,10 +8879,10 @@
           <a:p>
             <a:pPr lvl="0"/>
             <a:r>
-              <a:rPr kumimoji="1" lang="zh-CN" altLang="en-US" dirty="0" smtClean="0"/>
+              <a:rPr kumimoji="1" lang="zh-CN" altLang="en-US" dirty="0"/>
               <a:t>非常棒</a:t>
             </a:r>
-            <a:endParaRPr kumimoji="1" lang="en-US" altLang="zh-CN" dirty="0" smtClean="0"/>
+            <a:endParaRPr kumimoji="1" lang="en-US" altLang="zh-CN" dirty="0"/>
           </a:p>
         </p:txBody>
       </p:sp>
@@ -8948,15 +8898,17 @@
         </p:nvSpPr>
         <p:spPr>
           <a:xfrm>
-            <a:off x="5376000" y="4406274"/>
-            <a:ext cx="1440000" cy="514350"/>
-          </a:xfrm>
-          <a:prstGeom prst="rect">
-            <a:avLst/>
-          </a:prstGeom>
-        </p:spPr>
-        <p:txBody>
-          <a:bodyPr/>
+            <a:off x="5304000" y="4406274"/>
+            <a:ext cx="1584000" cy="514350"/>
+          </a:xfrm>
+          <a:prstGeom prst="rect">
+            <a:avLst/>
+          </a:prstGeom>
+        </p:spPr>
+        <p:txBody>
+          <a:bodyPr lIns="90000" anchor="ctr" anchorCtr="0">
+            <a:normAutofit/>
+          </a:bodyPr>
           <a:lstStyle>
             <a:lvl1pPr marL="0" indent="0" algn="ctr">
               <a:lnSpc>
@@ -9037,7 +8989,7 @@
           <a:p>
             <a:pPr lvl="0"/>
             <a:r>
-              <a:rPr kumimoji="1" lang="en-US" altLang="zh-CN" smtClean="0"/>
+              <a:rPr kumimoji="1" lang="en-US" altLang="zh-CN" dirty="0"/>
               <a:t>100</a:t>
             </a:r>
             <a:endParaRPr kumimoji="1" lang="zh-CN" altLang="en-US" dirty="0"/>
